--- a/CSharp/씨샵피피티/ch13_도서 관리 프로그램.pptx
+++ b/CSharp/씨샵피피티/ch13_도서 관리 프로그램.pptx
@@ -5,54 +5,53 @@
     <p:sldMasterId id="2147483685" r:id="rId1"/>
   </p:sldMasterIdLst>
   <p:notesMasterIdLst>
-    <p:notesMasterId r:id="rId44"/>
+    <p:notesMasterId r:id="rId43"/>
   </p:notesMasterIdLst>
   <p:handoutMasterIdLst>
-    <p:handoutMasterId r:id="rId45"/>
+    <p:handoutMasterId r:id="rId44"/>
   </p:handoutMasterIdLst>
   <p:sldIdLst>
-    <p:sldId id="328" r:id="rId2"/>
-    <p:sldId id="408" r:id="rId3"/>
-    <p:sldId id="409" r:id="rId4"/>
-    <p:sldId id="326" r:id="rId5"/>
-    <p:sldId id="477" r:id="rId6"/>
-    <p:sldId id="478" r:id="rId7"/>
-    <p:sldId id="479" r:id="rId8"/>
-    <p:sldId id="480" r:id="rId9"/>
-    <p:sldId id="438" r:id="rId10"/>
-    <p:sldId id="481" r:id="rId11"/>
-    <p:sldId id="482" r:id="rId12"/>
-    <p:sldId id="483" r:id="rId13"/>
-    <p:sldId id="484" r:id="rId14"/>
-    <p:sldId id="487" r:id="rId15"/>
-    <p:sldId id="486" r:id="rId16"/>
-    <p:sldId id="488" r:id="rId17"/>
-    <p:sldId id="489" r:id="rId18"/>
-    <p:sldId id="490" r:id="rId19"/>
-    <p:sldId id="491" r:id="rId20"/>
-    <p:sldId id="439" r:id="rId21"/>
-    <p:sldId id="492" r:id="rId22"/>
-    <p:sldId id="493" r:id="rId23"/>
-    <p:sldId id="424" r:id="rId24"/>
-    <p:sldId id="494" r:id="rId25"/>
-    <p:sldId id="496" r:id="rId26"/>
-    <p:sldId id="495" r:id="rId27"/>
-    <p:sldId id="498" r:id="rId28"/>
-    <p:sldId id="497" r:id="rId29"/>
-    <p:sldId id="500" r:id="rId30"/>
-    <p:sldId id="499" r:id="rId31"/>
-    <p:sldId id="502" r:id="rId32"/>
-    <p:sldId id="501" r:id="rId33"/>
-    <p:sldId id="503" r:id="rId34"/>
-    <p:sldId id="504" r:id="rId35"/>
-    <p:sldId id="505" r:id="rId36"/>
-    <p:sldId id="506" r:id="rId37"/>
-    <p:sldId id="507" r:id="rId38"/>
-    <p:sldId id="508" r:id="rId39"/>
-    <p:sldId id="510" r:id="rId40"/>
-    <p:sldId id="509" r:id="rId41"/>
-    <p:sldId id="426" r:id="rId42"/>
-    <p:sldId id="258" r:id="rId43"/>
+    <p:sldId id="408" r:id="rId2"/>
+    <p:sldId id="409" r:id="rId3"/>
+    <p:sldId id="326" r:id="rId4"/>
+    <p:sldId id="477" r:id="rId5"/>
+    <p:sldId id="478" r:id="rId6"/>
+    <p:sldId id="479" r:id="rId7"/>
+    <p:sldId id="480" r:id="rId8"/>
+    <p:sldId id="438" r:id="rId9"/>
+    <p:sldId id="481" r:id="rId10"/>
+    <p:sldId id="482" r:id="rId11"/>
+    <p:sldId id="483" r:id="rId12"/>
+    <p:sldId id="484" r:id="rId13"/>
+    <p:sldId id="487" r:id="rId14"/>
+    <p:sldId id="486" r:id="rId15"/>
+    <p:sldId id="488" r:id="rId16"/>
+    <p:sldId id="489" r:id="rId17"/>
+    <p:sldId id="490" r:id="rId18"/>
+    <p:sldId id="491" r:id="rId19"/>
+    <p:sldId id="439" r:id="rId20"/>
+    <p:sldId id="492" r:id="rId21"/>
+    <p:sldId id="493" r:id="rId22"/>
+    <p:sldId id="424" r:id="rId23"/>
+    <p:sldId id="494" r:id="rId24"/>
+    <p:sldId id="496" r:id="rId25"/>
+    <p:sldId id="495" r:id="rId26"/>
+    <p:sldId id="498" r:id="rId27"/>
+    <p:sldId id="497" r:id="rId28"/>
+    <p:sldId id="500" r:id="rId29"/>
+    <p:sldId id="499" r:id="rId30"/>
+    <p:sldId id="502" r:id="rId31"/>
+    <p:sldId id="501" r:id="rId32"/>
+    <p:sldId id="503" r:id="rId33"/>
+    <p:sldId id="504" r:id="rId34"/>
+    <p:sldId id="505" r:id="rId35"/>
+    <p:sldId id="506" r:id="rId36"/>
+    <p:sldId id="507" r:id="rId37"/>
+    <p:sldId id="508" r:id="rId38"/>
+    <p:sldId id="510" r:id="rId39"/>
+    <p:sldId id="509" r:id="rId40"/>
+    <p:sldId id="426" r:id="rId41"/>
+    <p:sldId id="258" r:id="rId42"/>
   </p:sldIdLst>
   <p:sldSz cx="9144000" cy="6858000" type="screen4x3"/>
   <p:notesSz cx="6858000" cy="9144000"/>
@@ -256,7 +255,7 @@
             <a:fld id="{DC87C3E9-2372-4D2D-A8FE-578D26F0CAB8}" type="datetimeFigureOut">
               <a:rPr lang="ko-KR" altLang="en-US" smtClean="0"/>
               <a:pPr/>
-              <a:t>2016-01-15</a:t>
+              <a:t>2023-11-03</a:t>
             </a:fld>
             <a:endParaRPr lang="ko-KR" altLang="en-US"/>
           </a:p>
@@ -423,7 +422,7 @@
             <a:fld id="{05BC3899-2E4F-4D3A-8D29-BF4BDDE21DE2}" type="datetimeFigureOut">
               <a:rPr lang="ko-KR" altLang="en-US" smtClean="0"/>
               <a:pPr/>
-              <a:t>2016-01-15</a:t>
+              <a:t>2023-11-03</a:t>
             </a:fld>
             <a:endParaRPr lang="ko-KR" altLang="en-US"/>
           </a:p>
@@ -3622,531 +3621,6 @@
 </file>
 
 <file path=ppt/slideLayouts/slideLayout7.xml><?xml version="1.0" encoding="utf-8"?>
-<p:sldLayout xmlns:a="http://schemas.openxmlformats.org/drawingml/2006/main" xmlns:r="http://schemas.openxmlformats.org/officeDocument/2006/relationships" xmlns:p="http://schemas.openxmlformats.org/presentationml/2006/main" userDrawn="1">
-  <p:cSld name="사용자 지정 레이아웃">
-    <p:spTree>
-      <p:nvGrpSpPr>
-        <p:cNvPr id="1" name=""/>
-        <p:cNvGrpSpPr/>
-        <p:nvPr/>
-      </p:nvGrpSpPr>
-      <p:grpSpPr>
-        <a:xfrm>
-          <a:off x="0" y="0"/>
-          <a:ext cx="0" cy="0"/>
-          <a:chOff x="0" y="0"/>
-          <a:chExt cx="0" cy="0"/>
-        </a:xfrm>
-      </p:grpSpPr>
-      <p:sp>
-        <p:nvSpPr>
-          <p:cNvPr id="6" name="TextBox 6"/>
-          <p:cNvSpPr txBox="1">
-            <a:spLocks noChangeArrowheads="1"/>
-          </p:cNvSpPr>
-          <p:nvPr userDrawn="1"/>
-        </p:nvSpPr>
-        <p:spPr bwMode="auto">
-          <a:xfrm>
-            <a:off x="612453" y="981075"/>
-            <a:ext cx="7991475" cy="338554"/>
-          </a:xfrm>
-          <a:prstGeom prst="rect">
-            <a:avLst/>
-          </a:prstGeom>
-          <a:noFill/>
-          <a:ln>
-            <a:noFill/>
-          </a:ln>
-          <a:extLst/>
-        </p:spPr>
-        <p:txBody>
-          <a:bodyPr wrap="square">
-            <a:spAutoFit/>
-          </a:bodyPr>
-          <a:lstStyle>
-            <a:lvl1pPr eaLnBrk="0" hangingPunct="0">
-              <a:defRPr sz="2000">
-                <a:solidFill>
-                  <a:schemeClr val="tx1"/>
-                </a:solidFill>
-                <a:latin typeface="Arial" charset="0"/>
-                <a:cs typeface="Arial" charset="0"/>
-              </a:defRPr>
-            </a:lvl1pPr>
-            <a:lvl2pPr marL="742950" indent="-285750" eaLnBrk="0" hangingPunct="0">
-              <a:defRPr sz="2000">
-                <a:solidFill>
-                  <a:schemeClr val="tx1"/>
-                </a:solidFill>
-                <a:latin typeface="Arial" charset="0"/>
-                <a:cs typeface="Arial" charset="0"/>
-              </a:defRPr>
-            </a:lvl2pPr>
-            <a:lvl3pPr marL="1143000" indent="-228600" eaLnBrk="0" hangingPunct="0">
-              <a:defRPr sz="2000">
-                <a:solidFill>
-                  <a:schemeClr val="tx1"/>
-                </a:solidFill>
-                <a:latin typeface="Arial" charset="0"/>
-                <a:cs typeface="Arial" charset="0"/>
-              </a:defRPr>
-            </a:lvl3pPr>
-            <a:lvl4pPr marL="1600200" indent="-228600" eaLnBrk="0" hangingPunct="0">
-              <a:defRPr sz="2000">
-                <a:solidFill>
-                  <a:schemeClr val="tx1"/>
-                </a:solidFill>
-                <a:latin typeface="Arial" charset="0"/>
-                <a:cs typeface="Arial" charset="0"/>
-              </a:defRPr>
-            </a:lvl4pPr>
-            <a:lvl5pPr marL="2057400" indent="-228600" eaLnBrk="0" hangingPunct="0">
-              <a:defRPr sz="2000">
-                <a:solidFill>
-                  <a:schemeClr val="tx1"/>
-                </a:solidFill>
-                <a:latin typeface="Arial" charset="0"/>
-                <a:cs typeface="Arial" charset="0"/>
-              </a:defRPr>
-            </a:lvl5pPr>
-            <a:lvl6pPr marL="2514600" indent="-228600" eaLnBrk="0" fontAlgn="base" hangingPunct="0">
-              <a:spcBef>
-                <a:spcPct val="0"/>
-              </a:spcBef>
-              <a:spcAft>
-                <a:spcPct val="0"/>
-              </a:spcAft>
-              <a:defRPr sz="2000">
-                <a:solidFill>
-                  <a:schemeClr val="tx1"/>
-                </a:solidFill>
-                <a:latin typeface="Arial" charset="0"/>
-                <a:cs typeface="Arial" charset="0"/>
-              </a:defRPr>
-            </a:lvl6pPr>
-            <a:lvl7pPr marL="2971800" indent="-228600" eaLnBrk="0" fontAlgn="base" hangingPunct="0">
-              <a:spcBef>
-                <a:spcPct val="0"/>
-              </a:spcBef>
-              <a:spcAft>
-                <a:spcPct val="0"/>
-              </a:spcAft>
-              <a:defRPr sz="2000">
-                <a:solidFill>
-                  <a:schemeClr val="tx1"/>
-                </a:solidFill>
-                <a:latin typeface="Arial" charset="0"/>
-                <a:cs typeface="Arial" charset="0"/>
-              </a:defRPr>
-            </a:lvl7pPr>
-            <a:lvl8pPr marL="3429000" indent="-228600" eaLnBrk="0" fontAlgn="base" hangingPunct="0">
-              <a:spcBef>
-                <a:spcPct val="0"/>
-              </a:spcBef>
-              <a:spcAft>
-                <a:spcPct val="0"/>
-              </a:spcAft>
-              <a:defRPr sz="2000">
-                <a:solidFill>
-                  <a:schemeClr val="tx1"/>
-                </a:solidFill>
-                <a:latin typeface="Arial" charset="0"/>
-                <a:cs typeface="Arial" charset="0"/>
-              </a:defRPr>
-            </a:lvl8pPr>
-            <a:lvl9pPr marL="3886200" indent="-228600" eaLnBrk="0" fontAlgn="base" hangingPunct="0">
-              <a:spcBef>
-                <a:spcPct val="0"/>
-              </a:spcBef>
-              <a:spcAft>
-                <a:spcPct val="0"/>
-              </a:spcAft>
-              <a:defRPr sz="2000">
-                <a:solidFill>
-                  <a:schemeClr val="tx1"/>
-                </a:solidFill>
-                <a:latin typeface="Arial" charset="0"/>
-                <a:cs typeface="Arial" charset="0"/>
-              </a:defRPr>
-            </a:lvl9pPr>
-          </a:lstStyle>
-          <a:p>
-            <a:pPr eaLnBrk="1" hangingPunct="1">
-              <a:defRPr/>
-            </a:pPr>
-            <a:r>
-              <a:rPr lang="en-US" altLang="ko-KR" sz="1600" b="1" smtClean="0">
-                <a:solidFill>
-                  <a:srgbClr val="1F497D">
-                    <a:lumMod val="60000"/>
-                    <a:lumOff val="40000"/>
-                  </a:srgbClr>
-                </a:solidFill>
-                <a:latin typeface="맑은 고딕" panose="020B0503020000020004" pitchFamily="50" charset="-127"/>
-              </a:rPr>
-              <a:t>IT CookBook, C# </a:t>
-            </a:r>
-            <a:r>
-              <a:rPr lang="ko-KR" altLang="en-US" sz="1600" b="1" smtClean="0">
-                <a:solidFill>
-                  <a:srgbClr val="1F497D">
-                    <a:lumMod val="60000"/>
-                    <a:lumOff val="40000"/>
-                  </a:srgbClr>
-                </a:solidFill>
-                <a:latin typeface="맑은 고딕" panose="020B0503020000020004" pitchFamily="50" charset="-127"/>
-              </a:rPr>
-              <a:t>프로그래밍</a:t>
-            </a:r>
-            <a:endParaRPr lang="en-US" altLang="ko-KR" sz="1600" b="1" smtClean="0">
-              <a:solidFill>
-                <a:srgbClr val="1F497D">
-                  <a:lumMod val="60000"/>
-                  <a:lumOff val="40000"/>
-                </a:srgbClr>
-              </a:solidFill>
-              <a:latin typeface="맑은 고딕" panose="020B0503020000020004" pitchFamily="50" charset="-127"/>
-            </a:endParaRPr>
-          </a:p>
-        </p:txBody>
-      </p:sp>
-      <p:sp>
-        <p:nvSpPr>
-          <p:cNvPr id="7" name="TextBox 7"/>
-          <p:cNvSpPr txBox="1"/>
-          <p:nvPr userDrawn="1"/>
-        </p:nvSpPr>
-        <p:spPr>
-          <a:xfrm>
-            <a:off x="612453" y="1700213"/>
-            <a:ext cx="7655247" cy="1649682"/>
-          </a:xfrm>
-          <a:prstGeom prst="rect">
-            <a:avLst/>
-          </a:prstGeom>
-          <a:noFill/>
-        </p:spPr>
-        <p:txBody>
-          <a:bodyPr wrap="square">
-            <a:spAutoFit/>
-          </a:bodyPr>
-          <a:lstStyle/>
-          <a:p>
-            <a:pPr lvl="1">
-              <a:defRPr/>
-            </a:pPr>
-            <a:endParaRPr lang="en-US" altLang="ko-KR" sz="1000" dirty="0">
-              <a:solidFill>
-                <a:srgbClr val="222222"/>
-              </a:solidFill>
-            </a:endParaRPr>
-          </a:p>
-          <a:p>
-            <a:pPr>
-              <a:defRPr/>
-            </a:pPr>
-            <a:r>
-              <a:rPr lang="en-US" altLang="ko-KR" sz="1400" b="1" dirty="0">
-                <a:solidFill>
-                  <a:prstClr val="black">
-                    <a:lumMod val="95000"/>
-                    <a:lumOff val="5000"/>
-                  </a:prstClr>
-                </a:solidFill>
-              </a:rPr>
-              <a:t>[</a:t>
-            </a:r>
-            <a:r>
-              <a:rPr lang="ko-KR" altLang="en-US" sz="1400" b="1" dirty="0">
-                <a:solidFill>
-                  <a:prstClr val="black">
-                    <a:lumMod val="95000"/>
-                    <a:lumOff val="5000"/>
-                  </a:prstClr>
-                </a:solidFill>
-              </a:rPr>
-              <a:t>강의교안 이용 안내</a:t>
-            </a:r>
-            <a:r>
-              <a:rPr lang="en-US" altLang="ko-KR" sz="1400" b="1" dirty="0">
-                <a:solidFill>
-                  <a:prstClr val="black">
-                    <a:lumMod val="95000"/>
-                    <a:lumOff val="5000"/>
-                  </a:prstClr>
-                </a:solidFill>
-              </a:rPr>
-              <a:t>]</a:t>
-            </a:r>
-          </a:p>
-          <a:p>
-            <a:pPr>
-              <a:defRPr/>
-            </a:pPr>
-            <a:endParaRPr lang="en-US" altLang="ko-KR" sz="1000" dirty="0">
-              <a:solidFill>
-                <a:prstClr val="black"/>
-              </a:solidFill>
-            </a:endParaRPr>
-          </a:p>
-          <a:p>
-            <a:pPr marL="171450" indent="-171450">
-              <a:lnSpc>
-                <a:spcPct val="120000"/>
-              </a:lnSpc>
-              <a:buFont typeface="Arial" pitchFamily="34" charset="0"/>
-              <a:buChar char="•"/>
-              <a:defRPr/>
-            </a:pPr>
-            <a:r>
-              <a:rPr lang="ko-KR" altLang="en-US" sz="1400" spc="-100" dirty="0" smtClean="0">
-                <a:solidFill>
-                  <a:prstClr val="black"/>
-                </a:solidFill>
-              </a:rPr>
-              <a:t>본 강의교안의 </a:t>
-            </a:r>
-            <a:r>
-              <a:rPr lang="ko-KR" altLang="en-US" sz="1400" spc="-100" smtClean="0">
-                <a:solidFill>
-                  <a:prstClr val="black"/>
-                </a:solidFill>
-              </a:rPr>
-              <a:t>저작권은 </a:t>
-            </a:r>
-            <a:r>
-              <a:rPr lang="ko-KR" altLang="en-US" sz="1400" b="1" spc="-100" smtClean="0">
-                <a:solidFill>
-                  <a:prstClr val="black"/>
-                </a:solidFill>
-              </a:rPr>
-              <a:t>윤인성</a:t>
-            </a:r>
-            <a:r>
-              <a:rPr lang="ko-KR" altLang="en-US" sz="1400" spc="-100" smtClean="0">
-                <a:solidFill>
-                  <a:prstClr val="black"/>
-                </a:solidFill>
-              </a:rPr>
-              <a:t>과 </a:t>
-            </a:r>
-            <a:r>
-              <a:rPr lang="ko-KR" altLang="en-US" sz="1400" b="1" spc="-100" dirty="0" err="1" smtClean="0">
-                <a:solidFill>
-                  <a:prstClr val="black"/>
-                </a:solidFill>
-              </a:rPr>
-              <a:t>한빛아카데미</a:t>
-            </a:r>
-            <a:r>
-              <a:rPr lang="ko-KR" altLang="en-US" sz="1400" b="1" spc="-100" dirty="0" smtClean="0">
-                <a:solidFill>
-                  <a:prstClr val="black"/>
-                </a:solidFill>
-              </a:rPr>
-              <a:t>㈜</a:t>
-            </a:r>
-            <a:r>
-              <a:rPr lang="ko-KR" altLang="en-US" sz="1400" spc="-100" dirty="0" smtClean="0">
-                <a:solidFill>
-                  <a:prstClr val="black"/>
-                </a:solidFill>
-              </a:rPr>
-              <a:t>에 있습니다</a:t>
-            </a:r>
-            <a:r>
-              <a:rPr lang="en-US" altLang="ko-KR" sz="1400" spc="-100" dirty="0" smtClean="0">
-                <a:solidFill>
-                  <a:prstClr val="black"/>
-                </a:solidFill>
-              </a:rPr>
-              <a:t>.</a:t>
-            </a:r>
-          </a:p>
-          <a:p>
-            <a:pPr marL="171450" indent="-171450">
-              <a:lnSpc>
-                <a:spcPct val="120000"/>
-              </a:lnSpc>
-              <a:buFont typeface="Arial" pitchFamily="34" charset="0"/>
-              <a:buChar char="•"/>
-              <a:defRPr/>
-            </a:pPr>
-            <a:endParaRPr lang="en-US" altLang="ko-KR" sz="1400" spc="-100" dirty="0" smtClean="0">
-              <a:solidFill>
-                <a:prstClr val="black"/>
-              </a:solidFill>
-            </a:endParaRPr>
-          </a:p>
-          <a:p>
-            <a:pPr marL="171450" indent="-171450">
-              <a:lnSpc>
-                <a:spcPct val="120000"/>
-              </a:lnSpc>
-              <a:buFont typeface="Arial" pitchFamily="34" charset="0"/>
-              <a:buChar char="•"/>
-              <a:defRPr/>
-            </a:pPr>
-            <a:r>
-              <a:rPr lang="ko-KR" altLang="en-US" sz="1400" spc="-100" dirty="0" smtClean="0">
-                <a:solidFill>
-                  <a:prstClr val="black"/>
-                </a:solidFill>
-              </a:rPr>
-              <a:t>이 자료는 강의 보조자료로 제공되는 것으로</a:t>
-            </a:r>
-            <a:r>
-              <a:rPr lang="en-US" altLang="ko-KR" sz="1400" spc="-100" dirty="0" smtClean="0">
-                <a:solidFill>
-                  <a:prstClr val="black"/>
-                </a:solidFill>
-              </a:rPr>
-              <a:t>, </a:t>
-            </a:r>
-            <a:r>
-              <a:rPr lang="ko-KR" altLang="en-US" sz="1400" spc="-100" dirty="0" smtClean="0">
-                <a:solidFill>
-                  <a:prstClr val="black"/>
-                </a:solidFill>
-              </a:rPr>
-              <a:t>학생들에게 배포되어서는 안 됩니다</a:t>
-            </a:r>
-            <a:r>
-              <a:rPr lang="en-US" altLang="ko-KR" sz="1400" spc="-100" dirty="0" smtClean="0">
-                <a:solidFill>
-                  <a:prstClr val="black"/>
-                </a:solidFill>
-              </a:rPr>
-              <a:t>. </a:t>
-            </a:r>
-            <a:endParaRPr lang="ko-KR" altLang="en-US" sz="1400" spc="-100" dirty="0" smtClean="0">
-              <a:solidFill>
-                <a:prstClr val="black"/>
-              </a:solidFill>
-            </a:endParaRPr>
-          </a:p>
-          <a:p>
-            <a:pPr marL="171450" indent="-171450">
-              <a:lnSpc>
-                <a:spcPct val="120000"/>
-              </a:lnSpc>
-              <a:buFont typeface="Arial" pitchFamily="34" charset="0"/>
-              <a:buChar char="•"/>
-              <a:defRPr/>
-            </a:pPr>
-            <a:endParaRPr lang="en-US" altLang="ko-KR" sz="1400" spc="-100" dirty="0">
-              <a:solidFill>
-                <a:prstClr val="black"/>
-              </a:solidFill>
-            </a:endParaRPr>
-          </a:p>
-        </p:txBody>
-      </p:sp>
-      <p:sp>
-        <p:nvSpPr>
-          <p:cNvPr id="8" name="모서리가 둥근 직사각형 8"/>
-          <p:cNvSpPr/>
-          <p:nvPr userDrawn="1"/>
-        </p:nvSpPr>
-        <p:spPr>
-          <a:xfrm>
-            <a:off x="323528" y="404813"/>
-            <a:ext cx="8497887" cy="6048375"/>
-          </a:xfrm>
-          <a:prstGeom prst="roundRect">
-            <a:avLst>
-              <a:gd name="adj" fmla="val 5013"/>
-            </a:avLst>
-          </a:prstGeom>
-          <a:noFill/>
-          <a:ln w="53975">
-            <a:solidFill>
-              <a:schemeClr val="accent1">
-                <a:lumMod val="60000"/>
-                <a:lumOff val="40000"/>
-              </a:schemeClr>
-            </a:solidFill>
-          </a:ln>
-        </p:spPr>
-        <p:style>
-          <a:lnRef idx="2">
-            <a:schemeClr val="accent1">
-              <a:shade val="50000"/>
-            </a:schemeClr>
-          </a:lnRef>
-          <a:fillRef idx="1">
-            <a:schemeClr val="accent1"/>
-          </a:fillRef>
-          <a:effectRef idx="0">
-            <a:schemeClr val="accent1"/>
-          </a:effectRef>
-          <a:fontRef idx="minor">
-            <a:schemeClr val="lt1"/>
-          </a:fontRef>
-        </p:style>
-        <p:txBody>
-          <a:bodyPr anchor="ctr"/>
-          <a:lstStyle/>
-          <a:p>
-            <a:pPr algn="ctr">
-              <a:defRPr/>
-            </a:pPr>
-            <a:endParaRPr lang="ko-KR" altLang="en-US" dirty="0">
-              <a:solidFill>
-                <a:srgbClr val="9A5F3A"/>
-              </a:solidFill>
-            </a:endParaRPr>
-          </a:p>
-        </p:txBody>
-      </p:sp>
-      <p:pic>
-        <p:nvPicPr>
-          <p:cNvPr id="9" name="Picture 2" descr="C:\Documents and Settings\hanb\바탕 화면\한빛아카데미.bmp"/>
-          <p:cNvPicPr>
-            <a:picLocks noChangeAspect="1" noChangeArrowheads="1"/>
-          </p:cNvPicPr>
-          <p:nvPr userDrawn="1"/>
-        </p:nvPicPr>
-        <p:blipFill>
-          <a:blip r:embed="rId2" cstate="print"/>
-          <a:srcRect/>
-          <a:stretch>
-            <a:fillRect/>
-          </a:stretch>
-        </p:blipFill>
-        <p:spPr bwMode="auto">
-          <a:xfrm>
-            <a:off x="7012727" y="5928484"/>
-            <a:ext cx="1591200" cy="247520"/>
-          </a:xfrm>
-          <a:prstGeom prst="rect">
-            <a:avLst/>
-          </a:prstGeom>
-          <a:noFill/>
-        </p:spPr>
-      </p:pic>
-    </p:spTree>
-    <p:extLst>
-      <p:ext uri="{BB962C8B-B14F-4D97-AF65-F5344CB8AC3E}">
-        <p14:creationId xmlns:p14="http://schemas.microsoft.com/office/powerpoint/2010/main" val="3266240347"/>
-      </p:ext>
-    </p:extLst>
-  </p:cSld>
-  <p:clrMapOvr>
-    <a:masterClrMapping/>
-  </p:clrMapOvr>
-  <p:timing>
-    <p:tnLst>
-      <p:par>
-        <p:cTn id="1" dur="indefinite" restart="never" nodeType="tmRoot"/>
-      </p:par>
-    </p:tnLst>
-  </p:timing>
-</p:sldLayout>
-</file>
-
-<file path=ppt/slideLayouts/slideLayout8.xml><?xml version="1.0" encoding="utf-8"?>
 <p:sldLayout xmlns:a="http://schemas.openxmlformats.org/drawingml/2006/main" xmlns:r="http://schemas.openxmlformats.org/officeDocument/2006/relationships" xmlns:p="http://schemas.openxmlformats.org/presentationml/2006/main" preserve="1" userDrawn="1">
   <p:cSld name="3_노트">
     <p:spTree>
@@ -4627,7 +4101,7 @@
 </p:sldLayout>
 </file>
 
-<file path=ppt/slideLayouts/slideLayout9.xml><?xml version="1.0" encoding="utf-8"?>
+<file path=ppt/slideLayouts/slideLayout8.xml><?xml version="1.0" encoding="utf-8"?>
 <p:sldLayout xmlns:a="http://schemas.openxmlformats.org/drawingml/2006/main" xmlns:r="http://schemas.openxmlformats.org/officeDocument/2006/relationships" xmlns:p="http://schemas.openxmlformats.org/presentationml/2006/main" userDrawn="1">
   <p:cSld name="0_학습목표">
     <p:spTree>
@@ -5235,7 +4709,7 @@
             <a:fld id="{4B2FD9B6-DC5A-4644-B01F-335E6DD2CDD1}" type="datetimeFigureOut">
               <a:rPr lang="ko-KR" altLang="en-US" smtClean="0"/>
               <a:pPr/>
-              <a:t>2016-01-15</a:t>
+              <a:t>2023-11-03</a:t>
             </a:fld>
             <a:endParaRPr lang="ko-KR" altLang="en-US" dirty="0"/>
           </a:p>
@@ -5339,9 +4813,8 @@
     <p:sldLayoutId id="2147483692" r:id="rId4"/>
     <p:sldLayoutId id="2147483681" r:id="rId5"/>
     <p:sldLayoutId id="2147483684" r:id="rId6"/>
-    <p:sldLayoutId id="2147483711" r:id="rId7"/>
-    <p:sldLayoutId id="2147483714" r:id="rId8"/>
-    <p:sldLayoutId id="2147483712" r:id="rId9"/>
+    <p:sldLayoutId id="2147483714" r:id="rId7"/>
+    <p:sldLayoutId id="2147483712" r:id="rId8"/>
   </p:sldLayoutIdLst>
   <p:timing>
     <p:tnLst>
@@ -5620,10 +5093,1249 @@
           <a:chExt cx="0" cy="0"/>
         </a:xfrm>
       </p:grpSpPr>
+      <p:sp>
+        <p:nvSpPr>
+          <p:cNvPr id="2" name="직사각형 1"/>
+          <p:cNvSpPr/>
+          <p:nvPr/>
+        </p:nvSpPr>
+        <p:spPr>
+          <a:xfrm>
+            <a:off x="3447095" y="1088740"/>
+            <a:ext cx="4185761" cy="1661993"/>
+          </a:xfrm>
+          <a:prstGeom prst="rect">
+            <a:avLst/>
+          </a:prstGeom>
+        </p:spPr>
+        <p:txBody>
+          <a:bodyPr wrap="none">
+            <a:spAutoFit/>
+          </a:bodyPr>
+          <a:lstStyle/>
+          <a:p>
+            <a:r>
+              <a:rPr lang="en-US" altLang="ko-KR" sz="4000" b="1" spc="-150" dirty="0" smtClean="0">
+                <a:gradFill flip="none" rotWithShape="1">
+                  <a:gsLst>
+                    <a:gs pos="0">
+                      <a:srgbClr val="0070C0">
+                        <a:shade val="30000"/>
+                        <a:satMod val="115000"/>
+                      </a:srgbClr>
+                    </a:gs>
+                    <a:gs pos="50000">
+                      <a:srgbClr val="0070C0">
+                        <a:shade val="67500"/>
+                        <a:satMod val="115000"/>
+                      </a:srgbClr>
+                    </a:gs>
+                    <a:gs pos="100000">
+                      <a:srgbClr val="0070C0">
+                        <a:shade val="100000"/>
+                        <a:satMod val="115000"/>
+                      </a:srgbClr>
+                    </a:gs>
+                  </a:gsLst>
+                  <a:lin ang="16200000" scaled="1"/>
+                  <a:tileRect/>
+                </a:gradFill>
+              </a:rPr>
+              <a:t>Chapter</a:t>
+            </a:r>
+            <a:r>
+              <a:rPr lang="en-US" altLang="ko-KR" sz="4000" b="1" spc="-300" dirty="0" smtClean="0">
+                <a:gradFill flip="none" rotWithShape="1">
+                  <a:gsLst>
+                    <a:gs pos="0">
+                      <a:srgbClr val="0070C0">
+                        <a:shade val="30000"/>
+                        <a:satMod val="115000"/>
+                      </a:srgbClr>
+                    </a:gs>
+                    <a:gs pos="50000">
+                      <a:srgbClr val="0070C0">
+                        <a:shade val="67500"/>
+                        <a:satMod val="115000"/>
+                      </a:srgbClr>
+                    </a:gs>
+                    <a:gs pos="100000">
+                      <a:srgbClr val="0070C0">
+                        <a:shade val="100000"/>
+                        <a:satMod val="115000"/>
+                      </a:srgbClr>
+                    </a:gs>
+                  </a:gsLst>
+                  <a:lin ang="16200000" scaled="1"/>
+                  <a:tileRect/>
+                </a:gradFill>
+              </a:rPr>
+              <a:t> </a:t>
+            </a:r>
+            <a:r>
+              <a:rPr lang="en-US" altLang="ko-KR" sz="6600" b="1" spc="-300" dirty="0" smtClean="0">
+                <a:gradFill flip="none" rotWithShape="1">
+                  <a:gsLst>
+                    <a:gs pos="0">
+                      <a:srgbClr val="0070C0">
+                        <a:shade val="30000"/>
+                        <a:satMod val="115000"/>
+                      </a:srgbClr>
+                    </a:gs>
+                    <a:gs pos="50000">
+                      <a:srgbClr val="0070C0">
+                        <a:shade val="67500"/>
+                        <a:satMod val="115000"/>
+                      </a:srgbClr>
+                    </a:gs>
+                    <a:gs pos="100000">
+                      <a:srgbClr val="0070C0">
+                        <a:shade val="100000"/>
+                        <a:satMod val="115000"/>
+                      </a:srgbClr>
+                    </a:gs>
+                  </a:gsLst>
+                  <a:lin ang="16200000" scaled="1"/>
+                  <a:tileRect/>
+                </a:gradFill>
+              </a:rPr>
+              <a:t>13</a:t>
+            </a:r>
+          </a:p>
+          <a:p>
+            <a:r>
+              <a:rPr lang="ko-KR" altLang="en-US" sz="3600" dirty="0" smtClean="0">
+                <a:solidFill>
+                  <a:srgbClr val="1F497D"/>
+                </a:solidFill>
+                <a:latin typeface="HY헤드라인M" pitchFamily="18" charset="-127"/>
+                <a:ea typeface="HY헤드라인M" pitchFamily="18" charset="-127"/>
+              </a:rPr>
+              <a:t>도서 관리 프로그램</a:t>
+            </a:r>
+            <a:endParaRPr lang="ko-KR" altLang="en-US" sz="5400" b="1" spc="-300" dirty="0">
+              <a:gradFill flip="none" rotWithShape="1">
+                <a:gsLst>
+                  <a:gs pos="0">
+                    <a:srgbClr val="1F497D">
+                      <a:lumMod val="75000"/>
+                      <a:shade val="30000"/>
+                      <a:satMod val="115000"/>
+                    </a:srgbClr>
+                  </a:gs>
+                  <a:gs pos="50000">
+                    <a:srgbClr val="1F497D">
+                      <a:lumMod val="75000"/>
+                      <a:shade val="67500"/>
+                      <a:satMod val="115000"/>
+                    </a:srgbClr>
+                  </a:gs>
+                  <a:gs pos="100000">
+                    <a:srgbClr val="1F497D">
+                      <a:lumMod val="75000"/>
+                      <a:shade val="100000"/>
+                      <a:satMod val="115000"/>
+                    </a:srgbClr>
+                  </a:gs>
+                </a:gsLst>
+                <a:lin ang="13500000" scaled="1"/>
+                <a:tileRect/>
+              </a:gradFill>
+            </a:endParaRPr>
+          </a:p>
+        </p:txBody>
+      </p:sp>
+      <p:sp>
+        <p:nvSpPr>
+          <p:cNvPr id="4" name="직사각형 3"/>
+          <p:cNvSpPr/>
+          <p:nvPr/>
+        </p:nvSpPr>
+        <p:spPr>
+          <a:xfrm>
+            <a:off x="3401870" y="3023955"/>
+            <a:ext cx="5420487" cy="2215991"/>
+          </a:xfrm>
+          <a:prstGeom prst="rect">
+            <a:avLst/>
+          </a:prstGeom>
+        </p:spPr>
+        <p:txBody>
+          <a:bodyPr wrap="square">
+            <a:spAutoFit/>
+          </a:bodyPr>
+          <a:lstStyle/>
+          <a:p>
+            <a:pPr>
+              <a:spcBef>
+                <a:spcPts val="1200"/>
+              </a:spcBef>
+            </a:pPr>
+            <a:r>
+              <a:rPr lang="en-US" altLang="ko-KR" sz="2000" b="1" spc="-150" dirty="0" smtClean="0">
+                <a:gradFill flip="none" rotWithShape="1">
+                  <a:gsLst>
+                    <a:gs pos="0">
+                      <a:srgbClr val="0070C0">
+                        <a:shade val="30000"/>
+                        <a:satMod val="115000"/>
+                      </a:srgbClr>
+                    </a:gs>
+                    <a:gs pos="50000">
+                      <a:srgbClr val="0070C0">
+                        <a:shade val="67500"/>
+                        <a:satMod val="115000"/>
+                      </a:srgbClr>
+                    </a:gs>
+                    <a:gs pos="100000">
+                      <a:srgbClr val="0070C0">
+                        <a:shade val="100000"/>
+                        <a:satMod val="115000"/>
+                      </a:srgbClr>
+                    </a:gs>
+                  </a:gsLst>
+                  <a:lin ang="16200000" scaled="1"/>
+                  <a:tileRect/>
+                </a:gradFill>
+              </a:rPr>
+              <a:t>01</a:t>
+            </a:r>
+            <a:r>
+              <a:rPr lang="en-US" altLang="ko-KR" b="1" spc="-100" dirty="0" smtClean="0">
+                <a:gradFill flip="none" rotWithShape="1">
+                  <a:gsLst>
+                    <a:gs pos="0">
+                      <a:prstClr val="black">
+                        <a:lumMod val="75000"/>
+                        <a:lumOff val="25000"/>
+                        <a:shade val="30000"/>
+                        <a:satMod val="115000"/>
+                      </a:prstClr>
+                    </a:gs>
+                    <a:gs pos="50000">
+                      <a:prstClr val="black">
+                        <a:lumMod val="75000"/>
+                        <a:lumOff val="25000"/>
+                        <a:shade val="67500"/>
+                        <a:satMod val="115000"/>
+                      </a:prstClr>
+                    </a:gs>
+                    <a:gs pos="100000">
+                      <a:prstClr val="black">
+                        <a:lumMod val="75000"/>
+                        <a:lumOff val="25000"/>
+                        <a:shade val="100000"/>
+                        <a:satMod val="115000"/>
+                      </a:prstClr>
+                    </a:gs>
+                  </a:gsLst>
+                  <a:lin ang="16200000" scaled="1"/>
+                  <a:tileRect/>
+                </a:gradFill>
+              </a:rPr>
+              <a:t> </a:t>
+            </a:r>
+            <a:r>
+              <a:rPr lang="ko-KR" altLang="en-US" b="1" spc="-100" dirty="0" smtClean="0">
+                <a:gradFill flip="none" rotWithShape="1">
+                  <a:gsLst>
+                    <a:gs pos="0">
+                      <a:prstClr val="black">
+                        <a:lumMod val="75000"/>
+                        <a:lumOff val="25000"/>
+                        <a:shade val="30000"/>
+                        <a:satMod val="115000"/>
+                      </a:prstClr>
+                    </a:gs>
+                    <a:gs pos="50000">
+                      <a:prstClr val="black">
+                        <a:lumMod val="75000"/>
+                        <a:lumOff val="25000"/>
+                        <a:shade val="67500"/>
+                        <a:satMod val="115000"/>
+                      </a:prstClr>
+                    </a:gs>
+                    <a:gs pos="100000">
+                      <a:prstClr val="black">
+                        <a:lumMod val="75000"/>
+                        <a:lumOff val="25000"/>
+                        <a:shade val="100000"/>
+                        <a:satMod val="115000"/>
+                      </a:prstClr>
+                    </a:gs>
+                  </a:gsLst>
+                  <a:lin ang="16200000" scaled="1"/>
+                  <a:tileRect/>
+                </a:gradFill>
+              </a:rPr>
+              <a:t>동작 확인                       </a:t>
+            </a:r>
+            <a:r>
+              <a:rPr lang="en-US" altLang="ko-KR" sz="2000" b="1" spc="-150" dirty="0" smtClean="0">
+                <a:gradFill flip="none" rotWithShape="1">
+                  <a:gsLst>
+                    <a:gs pos="0">
+                      <a:srgbClr val="0070C0">
+                        <a:shade val="30000"/>
+                        <a:satMod val="115000"/>
+                      </a:srgbClr>
+                    </a:gs>
+                    <a:gs pos="50000">
+                      <a:srgbClr val="0070C0">
+                        <a:shade val="67500"/>
+                        <a:satMod val="115000"/>
+                      </a:srgbClr>
+                    </a:gs>
+                    <a:gs pos="100000">
+                      <a:srgbClr val="0070C0">
+                        <a:shade val="100000"/>
+                        <a:satMod val="115000"/>
+                      </a:srgbClr>
+                    </a:gs>
+                  </a:gsLst>
+                  <a:lin ang="16200000" scaled="1"/>
+                  <a:tileRect/>
+                </a:gradFill>
+              </a:rPr>
+              <a:t>02</a:t>
+            </a:r>
+            <a:r>
+              <a:rPr lang="en-US" altLang="ko-KR" b="1" spc="-100" dirty="0" smtClean="0">
+                <a:gradFill flip="none" rotWithShape="1">
+                  <a:gsLst>
+                    <a:gs pos="0">
+                      <a:prstClr val="black">
+                        <a:lumMod val="75000"/>
+                        <a:lumOff val="25000"/>
+                        <a:shade val="30000"/>
+                        <a:satMod val="115000"/>
+                      </a:prstClr>
+                    </a:gs>
+                    <a:gs pos="50000">
+                      <a:prstClr val="black">
+                        <a:lumMod val="75000"/>
+                        <a:lumOff val="25000"/>
+                        <a:shade val="67500"/>
+                        <a:satMod val="115000"/>
+                      </a:prstClr>
+                    </a:gs>
+                    <a:gs pos="100000">
+                      <a:prstClr val="black">
+                        <a:lumMod val="75000"/>
+                        <a:lumOff val="25000"/>
+                        <a:shade val="100000"/>
+                        <a:satMod val="115000"/>
+                      </a:prstClr>
+                    </a:gs>
+                  </a:gsLst>
+                  <a:lin ang="16200000" scaled="1"/>
+                  <a:tileRect/>
+                </a:gradFill>
+              </a:rPr>
+              <a:t> </a:t>
+            </a:r>
+            <a:r>
+              <a:rPr lang="ko-KR" altLang="en-US" b="1" spc="-100" dirty="0" smtClean="0">
+                <a:gradFill flip="none" rotWithShape="1">
+                  <a:gsLst>
+                    <a:gs pos="0">
+                      <a:prstClr val="black">
+                        <a:lumMod val="75000"/>
+                        <a:lumOff val="25000"/>
+                        <a:shade val="30000"/>
+                        <a:satMod val="115000"/>
+                      </a:prstClr>
+                    </a:gs>
+                    <a:gs pos="50000">
+                      <a:prstClr val="black">
+                        <a:lumMod val="75000"/>
+                        <a:lumOff val="25000"/>
+                        <a:shade val="67500"/>
+                        <a:satMod val="115000"/>
+                      </a:prstClr>
+                    </a:gs>
+                    <a:gs pos="100000">
+                      <a:prstClr val="black">
+                        <a:lumMod val="75000"/>
+                        <a:lumOff val="25000"/>
+                        <a:shade val="100000"/>
+                        <a:satMod val="115000"/>
+                      </a:prstClr>
+                    </a:gs>
+                  </a:gsLst>
+                  <a:lin ang="16200000" scaled="1"/>
+                  <a:tileRect/>
+                </a:gradFill>
+              </a:rPr>
+              <a:t>프로젝트 구성</a:t>
+            </a:r>
+          </a:p>
+          <a:p>
+            <a:pPr>
+              <a:spcBef>
+                <a:spcPts val="1200"/>
+              </a:spcBef>
+            </a:pPr>
+            <a:r>
+              <a:rPr lang="en-US" altLang="ko-KR" sz="2000" b="1" spc="-150" dirty="0" smtClean="0">
+                <a:gradFill flip="none" rotWithShape="1">
+                  <a:gsLst>
+                    <a:gs pos="0">
+                      <a:srgbClr val="0070C0">
+                        <a:shade val="30000"/>
+                        <a:satMod val="115000"/>
+                      </a:srgbClr>
+                    </a:gs>
+                    <a:gs pos="50000">
+                      <a:srgbClr val="0070C0">
+                        <a:shade val="67500"/>
+                        <a:satMod val="115000"/>
+                      </a:srgbClr>
+                    </a:gs>
+                    <a:gs pos="100000">
+                      <a:srgbClr val="0070C0">
+                        <a:shade val="100000"/>
+                        <a:satMod val="115000"/>
+                      </a:srgbClr>
+                    </a:gs>
+                  </a:gsLst>
+                  <a:lin ang="16200000" scaled="1"/>
+                  <a:tileRect/>
+                </a:gradFill>
+              </a:rPr>
+              <a:t>03</a:t>
+            </a:r>
+            <a:r>
+              <a:rPr lang="en-US" altLang="ko-KR" b="1" spc="-100" dirty="0" smtClean="0">
+                <a:gradFill flip="none" rotWithShape="1">
+                  <a:gsLst>
+                    <a:gs pos="0">
+                      <a:prstClr val="black">
+                        <a:lumMod val="75000"/>
+                        <a:lumOff val="25000"/>
+                        <a:shade val="30000"/>
+                        <a:satMod val="115000"/>
+                      </a:prstClr>
+                    </a:gs>
+                    <a:gs pos="50000">
+                      <a:prstClr val="black">
+                        <a:lumMod val="75000"/>
+                        <a:lumOff val="25000"/>
+                        <a:shade val="67500"/>
+                        <a:satMod val="115000"/>
+                      </a:prstClr>
+                    </a:gs>
+                    <a:gs pos="100000">
+                      <a:prstClr val="black">
+                        <a:lumMod val="75000"/>
+                        <a:lumOff val="25000"/>
+                        <a:shade val="100000"/>
+                        <a:satMod val="115000"/>
+                      </a:prstClr>
+                    </a:gs>
+                  </a:gsLst>
+                  <a:lin ang="16200000" scaled="1"/>
+                  <a:tileRect/>
+                </a:gradFill>
+              </a:rPr>
+              <a:t> </a:t>
+            </a:r>
+            <a:r>
+              <a:rPr lang="ko-KR" altLang="en-US" b="1" spc="-100" dirty="0" smtClean="0">
+                <a:gradFill flip="none" rotWithShape="1">
+                  <a:gsLst>
+                    <a:gs pos="0">
+                      <a:prstClr val="black">
+                        <a:lumMod val="75000"/>
+                        <a:lumOff val="25000"/>
+                        <a:shade val="30000"/>
+                        <a:satMod val="115000"/>
+                      </a:prstClr>
+                    </a:gs>
+                    <a:gs pos="50000">
+                      <a:prstClr val="black">
+                        <a:lumMod val="75000"/>
+                        <a:lumOff val="25000"/>
+                        <a:shade val="67500"/>
+                        <a:satMod val="115000"/>
+                      </a:prstClr>
+                    </a:gs>
+                    <a:gs pos="100000">
+                      <a:prstClr val="black">
+                        <a:lumMod val="75000"/>
+                        <a:lumOff val="25000"/>
+                        <a:shade val="100000"/>
+                        <a:satMod val="115000"/>
+                      </a:prstClr>
+                    </a:gs>
+                  </a:gsLst>
+                  <a:lin ang="16200000" scaled="1"/>
+                  <a:tileRect/>
+                </a:gradFill>
+              </a:rPr>
+              <a:t>모델 클래스                    </a:t>
+            </a:r>
+            <a:r>
+              <a:rPr lang="en-US" altLang="ko-KR" sz="2000" b="1" spc="-150" dirty="0" smtClean="0">
+                <a:gradFill flip="none" rotWithShape="1">
+                  <a:gsLst>
+                    <a:gs pos="0">
+                      <a:srgbClr val="0070C0">
+                        <a:shade val="30000"/>
+                        <a:satMod val="115000"/>
+                      </a:srgbClr>
+                    </a:gs>
+                    <a:gs pos="50000">
+                      <a:srgbClr val="0070C0">
+                        <a:shade val="67500"/>
+                        <a:satMod val="115000"/>
+                      </a:srgbClr>
+                    </a:gs>
+                    <a:gs pos="100000">
+                      <a:srgbClr val="0070C0">
+                        <a:shade val="100000"/>
+                        <a:satMod val="115000"/>
+                      </a:srgbClr>
+                    </a:gs>
+                  </a:gsLst>
+                  <a:lin ang="16200000" scaled="1"/>
+                  <a:tileRect/>
+                </a:gradFill>
+              </a:rPr>
+              <a:t>04 </a:t>
+            </a:r>
+            <a:r>
+              <a:rPr lang="en-US" altLang="ko-KR" b="1" spc="-100" dirty="0" err="1" smtClean="0">
+                <a:gradFill flip="none" rotWithShape="1">
+                  <a:gsLst>
+                    <a:gs pos="0">
+                      <a:prstClr val="black">
+                        <a:lumMod val="75000"/>
+                        <a:lumOff val="25000"/>
+                        <a:shade val="30000"/>
+                        <a:satMod val="115000"/>
+                      </a:prstClr>
+                    </a:gs>
+                    <a:gs pos="50000">
+                      <a:prstClr val="black">
+                        <a:lumMod val="75000"/>
+                        <a:lumOff val="25000"/>
+                        <a:shade val="67500"/>
+                        <a:satMod val="115000"/>
+                      </a:prstClr>
+                    </a:gs>
+                    <a:gs pos="100000">
+                      <a:prstClr val="black">
+                        <a:lumMod val="75000"/>
+                        <a:lumOff val="25000"/>
+                        <a:shade val="100000"/>
+                        <a:satMod val="115000"/>
+                      </a:prstClr>
+                    </a:gs>
+                  </a:gsLst>
+                  <a:lin ang="16200000" scaled="1"/>
+                  <a:tileRect/>
+                </a:gradFill>
+              </a:rPr>
+              <a:t>DataManager</a:t>
+            </a:r>
+            <a:r>
+              <a:rPr lang="en-US" altLang="ko-KR" b="1" spc="-100" dirty="0" smtClean="0">
+                <a:gradFill flip="none" rotWithShape="1">
+                  <a:gsLst>
+                    <a:gs pos="0">
+                      <a:prstClr val="black">
+                        <a:lumMod val="75000"/>
+                        <a:lumOff val="25000"/>
+                        <a:shade val="30000"/>
+                        <a:satMod val="115000"/>
+                      </a:prstClr>
+                    </a:gs>
+                    <a:gs pos="50000">
+                      <a:prstClr val="black">
+                        <a:lumMod val="75000"/>
+                        <a:lumOff val="25000"/>
+                        <a:shade val="67500"/>
+                        <a:satMod val="115000"/>
+                      </a:prstClr>
+                    </a:gs>
+                    <a:gs pos="100000">
+                      <a:prstClr val="black">
+                        <a:lumMod val="75000"/>
+                        <a:lumOff val="25000"/>
+                        <a:shade val="100000"/>
+                        <a:satMod val="115000"/>
+                      </a:prstClr>
+                    </a:gs>
+                  </a:gsLst>
+                  <a:lin ang="16200000" scaled="1"/>
+                  <a:tileRect/>
+                </a:gradFill>
+              </a:rPr>
+              <a:t> </a:t>
+            </a:r>
+            <a:r>
+              <a:rPr lang="ko-KR" altLang="en-US" b="1" spc="-100" dirty="0" smtClean="0">
+                <a:gradFill flip="none" rotWithShape="1">
+                  <a:gsLst>
+                    <a:gs pos="0">
+                      <a:prstClr val="black">
+                        <a:lumMod val="75000"/>
+                        <a:lumOff val="25000"/>
+                        <a:shade val="30000"/>
+                        <a:satMod val="115000"/>
+                      </a:prstClr>
+                    </a:gs>
+                    <a:gs pos="50000">
+                      <a:prstClr val="black">
+                        <a:lumMod val="75000"/>
+                        <a:lumOff val="25000"/>
+                        <a:shade val="67500"/>
+                        <a:satMod val="115000"/>
+                      </a:prstClr>
+                    </a:gs>
+                    <a:gs pos="100000">
+                      <a:prstClr val="black">
+                        <a:lumMod val="75000"/>
+                        <a:lumOff val="25000"/>
+                        <a:shade val="100000"/>
+                        <a:satMod val="115000"/>
+                      </a:prstClr>
+                    </a:gs>
+                  </a:gsLst>
+                  <a:lin ang="16200000" scaled="1"/>
+                  <a:tileRect/>
+                </a:gradFill>
+              </a:rPr>
+              <a:t>클래스</a:t>
+            </a:r>
+          </a:p>
+          <a:p>
+            <a:pPr>
+              <a:spcBef>
+                <a:spcPts val="1200"/>
+              </a:spcBef>
+            </a:pPr>
+            <a:r>
+              <a:rPr lang="en-US" altLang="ko-KR" sz="2000" b="1" spc="-150" dirty="0" smtClean="0">
+                <a:gradFill flip="none" rotWithShape="1">
+                  <a:gsLst>
+                    <a:gs pos="0">
+                      <a:srgbClr val="0070C0">
+                        <a:shade val="30000"/>
+                        <a:satMod val="115000"/>
+                      </a:srgbClr>
+                    </a:gs>
+                    <a:gs pos="50000">
+                      <a:srgbClr val="0070C0">
+                        <a:shade val="67500"/>
+                        <a:satMod val="115000"/>
+                      </a:srgbClr>
+                    </a:gs>
+                    <a:gs pos="100000">
+                      <a:srgbClr val="0070C0">
+                        <a:shade val="100000"/>
+                        <a:satMod val="115000"/>
+                      </a:srgbClr>
+                    </a:gs>
+                  </a:gsLst>
+                  <a:lin ang="16200000" scaled="1"/>
+                  <a:tileRect/>
+                </a:gradFill>
+              </a:rPr>
+              <a:t>05</a:t>
+            </a:r>
+            <a:r>
+              <a:rPr lang="en-US" altLang="ko-KR" b="1" spc="-100" dirty="0" smtClean="0">
+                <a:gradFill flip="none" rotWithShape="1">
+                  <a:gsLst>
+                    <a:gs pos="0">
+                      <a:prstClr val="black">
+                        <a:lumMod val="75000"/>
+                        <a:lumOff val="25000"/>
+                        <a:shade val="30000"/>
+                        <a:satMod val="115000"/>
+                      </a:prstClr>
+                    </a:gs>
+                    <a:gs pos="50000">
+                      <a:prstClr val="black">
+                        <a:lumMod val="75000"/>
+                        <a:lumOff val="25000"/>
+                        <a:shade val="67500"/>
+                        <a:satMod val="115000"/>
+                      </a:prstClr>
+                    </a:gs>
+                    <a:gs pos="100000">
+                      <a:prstClr val="black">
+                        <a:lumMod val="75000"/>
+                        <a:lumOff val="25000"/>
+                        <a:shade val="100000"/>
+                        <a:satMod val="115000"/>
+                      </a:prstClr>
+                    </a:gs>
+                  </a:gsLst>
+                  <a:lin ang="16200000" scaled="1"/>
+                  <a:tileRect/>
+                </a:gradFill>
+              </a:rPr>
+              <a:t> </a:t>
+            </a:r>
+            <a:r>
+              <a:rPr lang="ko-KR" altLang="en-US" b="1" spc="-100" dirty="0" smtClean="0">
+                <a:gradFill flip="none" rotWithShape="1">
+                  <a:gsLst>
+                    <a:gs pos="0">
+                      <a:prstClr val="black">
+                        <a:lumMod val="75000"/>
+                        <a:lumOff val="25000"/>
+                        <a:shade val="30000"/>
+                        <a:satMod val="115000"/>
+                      </a:prstClr>
+                    </a:gs>
+                    <a:gs pos="50000">
+                      <a:prstClr val="black">
+                        <a:lumMod val="75000"/>
+                        <a:lumOff val="25000"/>
+                        <a:shade val="67500"/>
+                        <a:satMod val="115000"/>
+                      </a:prstClr>
+                    </a:gs>
+                    <a:gs pos="100000">
+                      <a:prstClr val="black">
+                        <a:lumMod val="75000"/>
+                        <a:lumOff val="25000"/>
+                        <a:shade val="100000"/>
+                        <a:satMod val="115000"/>
+                      </a:prstClr>
+                    </a:gs>
+                  </a:gsLst>
+                  <a:lin ang="16200000" scaled="1"/>
+                  <a:tileRect/>
+                </a:gradFill>
+              </a:rPr>
+              <a:t>디자인                           </a:t>
+            </a:r>
+            <a:r>
+              <a:rPr lang="en-US" altLang="ko-KR" sz="2000" b="1" spc="-150" dirty="0" smtClean="0">
+                <a:gradFill flip="none" rotWithShape="1">
+                  <a:gsLst>
+                    <a:gs pos="0">
+                      <a:srgbClr val="0070C0">
+                        <a:shade val="30000"/>
+                        <a:satMod val="115000"/>
+                      </a:srgbClr>
+                    </a:gs>
+                    <a:gs pos="50000">
+                      <a:srgbClr val="0070C0">
+                        <a:shade val="67500"/>
+                        <a:satMod val="115000"/>
+                      </a:srgbClr>
+                    </a:gs>
+                    <a:gs pos="100000">
+                      <a:srgbClr val="0070C0">
+                        <a:shade val="100000"/>
+                        <a:satMod val="115000"/>
+                      </a:srgbClr>
+                    </a:gs>
+                  </a:gsLst>
+                  <a:lin ang="16200000" scaled="1"/>
+                  <a:tileRect/>
+                </a:gradFill>
+              </a:rPr>
+              <a:t>06</a:t>
+            </a:r>
+            <a:r>
+              <a:rPr lang="en-US" altLang="ko-KR" b="1" spc="-100" dirty="0" smtClean="0">
+                <a:gradFill flip="none" rotWithShape="1">
+                  <a:gsLst>
+                    <a:gs pos="0">
+                      <a:prstClr val="black">
+                        <a:lumMod val="75000"/>
+                        <a:lumOff val="25000"/>
+                        <a:shade val="30000"/>
+                        <a:satMod val="115000"/>
+                      </a:prstClr>
+                    </a:gs>
+                    <a:gs pos="50000">
+                      <a:prstClr val="black">
+                        <a:lumMod val="75000"/>
+                        <a:lumOff val="25000"/>
+                        <a:shade val="67500"/>
+                        <a:satMod val="115000"/>
+                      </a:prstClr>
+                    </a:gs>
+                    <a:gs pos="100000">
+                      <a:prstClr val="black">
+                        <a:lumMod val="75000"/>
+                        <a:lumOff val="25000"/>
+                        <a:shade val="100000"/>
+                        <a:satMod val="115000"/>
+                      </a:prstClr>
+                    </a:gs>
+                  </a:gsLst>
+                  <a:lin ang="16200000" scaled="1"/>
+                  <a:tileRect/>
+                </a:gradFill>
+              </a:rPr>
+              <a:t> </a:t>
+            </a:r>
+            <a:r>
+              <a:rPr lang="ko-KR" altLang="en-US" b="1" spc="-100" dirty="0" smtClean="0">
+                <a:gradFill flip="none" rotWithShape="1">
+                  <a:gsLst>
+                    <a:gs pos="0">
+                      <a:prstClr val="black">
+                        <a:lumMod val="75000"/>
+                        <a:lumOff val="25000"/>
+                        <a:shade val="30000"/>
+                        <a:satMod val="115000"/>
+                      </a:prstClr>
+                    </a:gs>
+                    <a:gs pos="50000">
+                      <a:prstClr val="black">
+                        <a:lumMod val="75000"/>
+                        <a:lumOff val="25000"/>
+                        <a:shade val="67500"/>
+                        <a:satMod val="115000"/>
+                      </a:prstClr>
+                    </a:gs>
+                    <a:gs pos="100000">
+                      <a:prstClr val="black">
+                        <a:lumMod val="75000"/>
+                        <a:lumOff val="25000"/>
+                        <a:shade val="100000"/>
+                        <a:satMod val="115000"/>
+                      </a:prstClr>
+                    </a:gs>
+                  </a:gsLst>
+                  <a:lin ang="16200000" scaled="1"/>
+                  <a:tileRect/>
+                </a:gradFill>
+              </a:rPr>
+              <a:t>데이터 소스 구성</a:t>
+            </a:r>
+          </a:p>
+          <a:p>
+            <a:pPr>
+              <a:spcBef>
+                <a:spcPts val="1200"/>
+              </a:spcBef>
+            </a:pPr>
+            <a:r>
+              <a:rPr lang="en-US" altLang="ko-KR" sz="2000" b="1" spc="-150" dirty="0" smtClean="0">
+                <a:gradFill flip="none" rotWithShape="1">
+                  <a:gsLst>
+                    <a:gs pos="0">
+                      <a:srgbClr val="0070C0">
+                        <a:shade val="30000"/>
+                        <a:satMod val="115000"/>
+                      </a:srgbClr>
+                    </a:gs>
+                    <a:gs pos="50000">
+                      <a:srgbClr val="0070C0">
+                        <a:shade val="67500"/>
+                        <a:satMod val="115000"/>
+                      </a:srgbClr>
+                    </a:gs>
+                    <a:gs pos="100000">
+                      <a:srgbClr val="0070C0">
+                        <a:shade val="100000"/>
+                        <a:satMod val="115000"/>
+                      </a:srgbClr>
+                    </a:gs>
+                  </a:gsLst>
+                  <a:lin ang="16200000" scaled="1"/>
+                  <a:tileRect/>
+                </a:gradFill>
+              </a:rPr>
+              <a:t>07</a:t>
+            </a:r>
+            <a:r>
+              <a:rPr lang="en-US" altLang="ko-KR" b="1" spc="-100" dirty="0" smtClean="0">
+                <a:gradFill flip="none" rotWithShape="1">
+                  <a:gsLst>
+                    <a:gs pos="0">
+                      <a:prstClr val="black">
+                        <a:lumMod val="75000"/>
+                        <a:lumOff val="25000"/>
+                        <a:shade val="30000"/>
+                        <a:satMod val="115000"/>
+                      </a:prstClr>
+                    </a:gs>
+                    <a:gs pos="50000">
+                      <a:prstClr val="black">
+                        <a:lumMod val="75000"/>
+                        <a:lumOff val="25000"/>
+                        <a:shade val="67500"/>
+                        <a:satMod val="115000"/>
+                      </a:prstClr>
+                    </a:gs>
+                    <a:gs pos="100000">
+                      <a:prstClr val="black">
+                        <a:lumMod val="75000"/>
+                        <a:lumOff val="25000"/>
+                        <a:shade val="100000"/>
+                        <a:satMod val="115000"/>
+                      </a:prstClr>
+                    </a:gs>
+                  </a:gsLst>
+                  <a:lin ang="16200000" scaled="1"/>
+                  <a:tileRect/>
+                </a:gradFill>
+              </a:rPr>
+              <a:t> </a:t>
+            </a:r>
+            <a:r>
+              <a:rPr lang="ko-KR" altLang="en-US" b="1" spc="-100" dirty="0" smtClean="0">
+                <a:gradFill flip="none" rotWithShape="1">
+                  <a:gsLst>
+                    <a:gs pos="0">
+                      <a:prstClr val="black">
+                        <a:lumMod val="75000"/>
+                        <a:lumOff val="25000"/>
+                        <a:shade val="30000"/>
+                        <a:satMod val="115000"/>
+                      </a:prstClr>
+                    </a:gs>
+                    <a:gs pos="50000">
+                      <a:prstClr val="black">
+                        <a:lumMod val="75000"/>
+                        <a:lumOff val="25000"/>
+                        <a:shade val="67500"/>
+                        <a:satMod val="115000"/>
+                      </a:prstClr>
+                    </a:gs>
+                    <a:gs pos="100000">
+                      <a:prstClr val="black">
+                        <a:lumMod val="75000"/>
+                        <a:lumOff val="25000"/>
+                        <a:shade val="100000"/>
+                        <a:satMod val="115000"/>
+                      </a:prstClr>
+                    </a:gs>
+                  </a:gsLst>
+                  <a:lin ang="16200000" scaled="1"/>
+                  <a:tileRect/>
+                </a:gradFill>
+              </a:rPr>
+              <a:t>속성 지정과 이벤트 연결  </a:t>
+            </a:r>
+            <a:r>
+              <a:rPr lang="en-US" altLang="ko-KR" sz="2000" b="1" spc="-150" dirty="0" smtClean="0">
+                <a:gradFill flip="none" rotWithShape="1">
+                  <a:gsLst>
+                    <a:gs pos="0">
+                      <a:srgbClr val="0070C0">
+                        <a:shade val="30000"/>
+                        <a:satMod val="115000"/>
+                      </a:srgbClr>
+                    </a:gs>
+                    <a:gs pos="50000">
+                      <a:srgbClr val="0070C0">
+                        <a:shade val="67500"/>
+                        <a:satMod val="115000"/>
+                      </a:srgbClr>
+                    </a:gs>
+                    <a:gs pos="100000">
+                      <a:srgbClr val="0070C0">
+                        <a:shade val="100000"/>
+                        <a:satMod val="115000"/>
+                      </a:srgbClr>
+                    </a:gs>
+                  </a:gsLst>
+                  <a:lin ang="16200000" scaled="1"/>
+                  <a:tileRect/>
+                </a:gradFill>
+              </a:rPr>
+              <a:t>07</a:t>
+            </a:r>
+            <a:r>
+              <a:rPr lang="en-US" altLang="ko-KR" b="1" spc="-100" dirty="0" smtClean="0">
+                <a:gradFill flip="none" rotWithShape="1">
+                  <a:gsLst>
+                    <a:gs pos="0">
+                      <a:prstClr val="black">
+                        <a:lumMod val="75000"/>
+                        <a:lumOff val="25000"/>
+                        <a:shade val="30000"/>
+                        <a:satMod val="115000"/>
+                      </a:prstClr>
+                    </a:gs>
+                    <a:gs pos="50000">
+                      <a:prstClr val="black">
+                        <a:lumMod val="75000"/>
+                        <a:lumOff val="25000"/>
+                        <a:shade val="67500"/>
+                        <a:satMod val="115000"/>
+                      </a:prstClr>
+                    </a:gs>
+                    <a:gs pos="100000">
+                      <a:prstClr val="black">
+                        <a:lumMod val="75000"/>
+                        <a:lumOff val="25000"/>
+                        <a:shade val="100000"/>
+                        <a:satMod val="115000"/>
+                      </a:prstClr>
+                    </a:gs>
+                  </a:gsLst>
+                  <a:lin ang="16200000" scaled="1"/>
+                  <a:tileRect/>
+                </a:gradFill>
+              </a:rPr>
+              <a:t> </a:t>
+            </a:r>
+            <a:r>
+              <a:rPr lang="ko-KR" altLang="en-US" b="1" spc="-100" dirty="0" smtClean="0">
+                <a:gradFill flip="none" rotWithShape="1">
+                  <a:gsLst>
+                    <a:gs pos="0">
+                      <a:prstClr val="black">
+                        <a:lumMod val="75000"/>
+                        <a:lumOff val="25000"/>
+                        <a:shade val="30000"/>
+                        <a:satMod val="115000"/>
+                      </a:prstClr>
+                    </a:gs>
+                    <a:gs pos="50000">
+                      <a:prstClr val="black">
+                        <a:lumMod val="75000"/>
+                        <a:lumOff val="25000"/>
+                        <a:shade val="67500"/>
+                        <a:satMod val="115000"/>
+                      </a:prstClr>
+                    </a:gs>
+                    <a:gs pos="100000">
+                      <a:prstClr val="black">
+                        <a:lumMod val="75000"/>
+                        <a:lumOff val="25000"/>
+                        <a:shade val="100000"/>
+                        <a:satMod val="115000"/>
+                      </a:prstClr>
+                    </a:gs>
+                  </a:gsLst>
+                  <a:lin ang="16200000" scaled="1"/>
+                  <a:tileRect/>
+                </a:gradFill>
+              </a:rPr>
+              <a:t>책의 내용을 마치며</a:t>
+            </a:r>
+            <a:endParaRPr lang="en-US" altLang="ko-KR" b="1" spc="-100" dirty="0" smtClean="0">
+              <a:gradFill flip="none" rotWithShape="1">
+                <a:gsLst>
+                  <a:gs pos="0">
+                    <a:prstClr val="black">
+                      <a:lumMod val="75000"/>
+                      <a:lumOff val="25000"/>
+                      <a:shade val="30000"/>
+                      <a:satMod val="115000"/>
+                    </a:prstClr>
+                  </a:gs>
+                  <a:gs pos="50000">
+                    <a:prstClr val="black">
+                      <a:lumMod val="75000"/>
+                      <a:lumOff val="25000"/>
+                      <a:shade val="67500"/>
+                      <a:satMod val="115000"/>
+                    </a:prstClr>
+                  </a:gs>
+                  <a:gs pos="100000">
+                    <a:prstClr val="black">
+                      <a:lumMod val="75000"/>
+                      <a:lumOff val="25000"/>
+                      <a:shade val="100000"/>
+                      <a:satMod val="115000"/>
+                    </a:prstClr>
+                  </a:gs>
+                </a:gsLst>
+                <a:lin ang="16200000" scaled="1"/>
+                <a:tileRect/>
+              </a:gradFill>
+            </a:endParaRPr>
+          </a:p>
+          <a:p>
+            <a:pPr>
+              <a:spcBef>
+                <a:spcPts val="1200"/>
+              </a:spcBef>
+            </a:pPr>
+            <a:endParaRPr lang="en-US" altLang="ko-KR" b="1" spc="-100" dirty="0" smtClean="0">
+              <a:gradFill flip="none" rotWithShape="1">
+                <a:gsLst>
+                  <a:gs pos="0">
+                    <a:prstClr val="black">
+                      <a:lumMod val="75000"/>
+                      <a:lumOff val="25000"/>
+                      <a:shade val="30000"/>
+                      <a:satMod val="115000"/>
+                    </a:prstClr>
+                  </a:gs>
+                  <a:gs pos="50000">
+                    <a:prstClr val="black">
+                      <a:lumMod val="75000"/>
+                      <a:lumOff val="25000"/>
+                      <a:shade val="67500"/>
+                      <a:satMod val="115000"/>
+                    </a:prstClr>
+                  </a:gs>
+                  <a:gs pos="100000">
+                    <a:prstClr val="black">
+                      <a:lumMod val="75000"/>
+                      <a:lumOff val="25000"/>
+                      <a:shade val="100000"/>
+                      <a:satMod val="115000"/>
+                    </a:prstClr>
+                  </a:gs>
+                </a:gsLst>
+                <a:lin ang="16200000" scaled="1"/>
+                <a:tileRect/>
+              </a:gradFill>
+            </a:endParaRPr>
+          </a:p>
+        </p:txBody>
+      </p:sp>
+      <p:sp>
+        <p:nvSpPr>
+          <p:cNvPr id="5" name="직사각형 4"/>
+          <p:cNvSpPr/>
+          <p:nvPr/>
+        </p:nvSpPr>
+        <p:spPr>
+          <a:xfrm>
+            <a:off x="6822250" y="0"/>
+            <a:ext cx="2790310" cy="1231106"/>
+          </a:xfrm>
+          <a:prstGeom prst="rect">
+            <a:avLst/>
+          </a:prstGeom>
+        </p:spPr>
+        <p:txBody>
+          <a:bodyPr wrap="square">
+            <a:spAutoFit/>
+          </a:bodyPr>
+          <a:lstStyle/>
+          <a:p>
+            <a:pPr>
+              <a:spcBef>
+                <a:spcPts val="1200"/>
+              </a:spcBef>
+            </a:pPr>
+            <a:endParaRPr lang="ko-KR" altLang="en-US" b="1" spc="-100" dirty="0" smtClean="0">
+              <a:gradFill flip="none" rotWithShape="1">
+                <a:gsLst>
+                  <a:gs pos="0">
+                    <a:prstClr val="black">
+                      <a:lumMod val="75000"/>
+                      <a:lumOff val="25000"/>
+                      <a:shade val="30000"/>
+                      <a:satMod val="115000"/>
+                    </a:prstClr>
+                  </a:gs>
+                  <a:gs pos="50000">
+                    <a:prstClr val="black">
+                      <a:lumMod val="75000"/>
+                      <a:lumOff val="25000"/>
+                      <a:shade val="67500"/>
+                      <a:satMod val="115000"/>
+                    </a:prstClr>
+                  </a:gs>
+                  <a:gs pos="100000">
+                    <a:prstClr val="black">
+                      <a:lumMod val="75000"/>
+                      <a:lumOff val="25000"/>
+                      <a:shade val="100000"/>
+                      <a:satMod val="115000"/>
+                    </a:prstClr>
+                  </a:gs>
+                </a:gsLst>
+                <a:lin ang="16200000" scaled="1"/>
+                <a:tileRect/>
+              </a:gradFill>
+            </a:endParaRPr>
+          </a:p>
+          <a:p>
+            <a:pPr>
+              <a:spcBef>
+                <a:spcPts val="1200"/>
+              </a:spcBef>
+            </a:pPr>
+            <a:endParaRPr lang="ko-KR" altLang="en-US" b="1" spc="-100" dirty="0" smtClean="0">
+              <a:gradFill flip="none" rotWithShape="1">
+                <a:gsLst>
+                  <a:gs pos="0">
+                    <a:prstClr val="black">
+                      <a:lumMod val="75000"/>
+                      <a:lumOff val="25000"/>
+                      <a:shade val="30000"/>
+                      <a:satMod val="115000"/>
+                    </a:prstClr>
+                  </a:gs>
+                  <a:gs pos="50000">
+                    <a:prstClr val="black">
+                      <a:lumMod val="75000"/>
+                      <a:lumOff val="25000"/>
+                      <a:shade val="67500"/>
+                      <a:satMod val="115000"/>
+                    </a:prstClr>
+                  </a:gs>
+                  <a:gs pos="100000">
+                    <a:prstClr val="black">
+                      <a:lumMod val="75000"/>
+                      <a:lumOff val="25000"/>
+                      <a:shade val="100000"/>
+                      <a:satMod val="115000"/>
+                    </a:prstClr>
+                  </a:gs>
+                </a:gsLst>
+                <a:lin ang="16200000" scaled="1"/>
+                <a:tileRect/>
+              </a:gradFill>
+            </a:endParaRPr>
+          </a:p>
+          <a:p>
+            <a:pPr>
+              <a:spcBef>
+                <a:spcPts val="1200"/>
+              </a:spcBef>
+            </a:pPr>
+            <a:endParaRPr lang="ko-KR" altLang="en-US" b="1" spc="-100" dirty="0" smtClean="0">
+              <a:gradFill flip="none" rotWithShape="1">
+                <a:gsLst>
+                  <a:gs pos="0">
+                    <a:prstClr val="black">
+                      <a:lumMod val="75000"/>
+                      <a:lumOff val="25000"/>
+                      <a:shade val="30000"/>
+                      <a:satMod val="115000"/>
+                    </a:prstClr>
+                  </a:gs>
+                  <a:gs pos="50000">
+                    <a:prstClr val="black">
+                      <a:lumMod val="75000"/>
+                      <a:lumOff val="25000"/>
+                      <a:shade val="67500"/>
+                      <a:satMod val="115000"/>
+                    </a:prstClr>
+                  </a:gs>
+                  <a:gs pos="100000">
+                    <a:prstClr val="black">
+                      <a:lumMod val="75000"/>
+                      <a:lumOff val="25000"/>
+                      <a:shade val="100000"/>
+                      <a:satMod val="115000"/>
+                    </a:prstClr>
+                  </a:gs>
+                </a:gsLst>
+                <a:lin ang="16200000" scaled="1"/>
+                <a:tileRect/>
+              </a:gradFill>
+            </a:endParaRPr>
+          </a:p>
+        </p:txBody>
+      </p:sp>
     </p:spTree>
     <p:extLst>
       <p:ext uri="{BB962C8B-B14F-4D97-AF65-F5344CB8AC3E}">
-        <p14:creationId xmlns:p14="http://schemas.microsoft.com/office/powerpoint/2010/main" val="2379289766"/>
+        <p14:creationId xmlns:p14="http://schemas.microsoft.com/office/powerpoint/2010/main" val="250776570"/>
       </p:ext>
     </p:extLst>
   </p:cSld>
@@ -5690,7 +6402,7 @@
             </a:r>
             <a:r>
               <a:rPr lang="en-US" altLang="ko-KR" dirty="0" smtClean="0"/>
-              <a:t>(1)</a:t>
+              <a:t>(2)</a:t>
             </a:r>
             <a:endParaRPr lang="ko-KR" altLang="en-US" dirty="0"/>
           </a:p>
@@ -5716,11 +6428,11 @@
             <a:pPr lvl="1"/>
             <a:r>
               <a:rPr lang="ko-KR" altLang="en-US" dirty="0" smtClean="0"/>
-              <a:t>도서를 나타내는 </a:t>
+              <a:t>사용자를 나타내는 </a:t>
             </a:r>
             <a:r>
               <a:rPr lang="en-US" altLang="ko-KR" dirty="0" smtClean="0"/>
-              <a:t>Book </a:t>
+              <a:t>User </a:t>
             </a:r>
             <a:r>
               <a:rPr lang="ko-KR" altLang="en-US" dirty="0" smtClean="0"/>
@@ -5794,7 +6506,7 @@
       </p:sp>
       <p:pic>
         <p:nvPicPr>
-          <p:cNvPr id="10" name="그림 9" descr="13-1.JPG"/>
+          <p:cNvPr id="5" name="그림 4" descr="13-2.JPG"/>
           <p:cNvPicPr>
             <a:picLocks noChangeAspect="1"/>
           </p:cNvPicPr>
@@ -5808,8 +6520,8 @@
         </p:blipFill>
         <p:spPr>
           <a:xfrm>
-            <a:off x="746575" y="1178750"/>
-            <a:ext cx="6670082" cy="5506972"/>
+            <a:off x="701570" y="1268760"/>
+            <a:ext cx="8039100" cy="4676775"/>
           </a:xfrm>
           <a:prstGeom prst="rect">
             <a:avLst/>
@@ -6074,202 +6786,6 @@
             </a:r>
             <a:r>
               <a:rPr lang="en-US" altLang="ko-KR" dirty="0" smtClean="0"/>
-              <a:t>03 </a:t>
-            </a:r>
-            <a:r>
-              <a:rPr lang="ko-KR" altLang="en-US" dirty="0" smtClean="0"/>
-              <a:t>모델 클래스</a:t>
-            </a:r>
-            <a:r>
-              <a:rPr lang="en-US" altLang="ko-KR" dirty="0" smtClean="0"/>
-              <a:t>(2)</a:t>
-            </a:r>
-            <a:endParaRPr lang="ko-KR" altLang="en-US" dirty="0"/>
-          </a:p>
-        </p:txBody>
-      </p:sp>
-      <p:sp>
-        <p:nvSpPr>
-          <p:cNvPr id="7" name="내용 개체 틀 6"/>
-          <p:cNvSpPr>
-            <a:spLocks noGrp="1"/>
-          </p:cNvSpPr>
-          <p:nvPr>
-            <p:ph sz="quarter" idx="10"/>
-          </p:nvPr>
-        </p:nvSpPr>
-        <p:spPr/>
-        <p:txBody>
-          <a:bodyPr>
-            <a:normAutofit/>
-          </a:bodyPr>
-          <a:lstStyle/>
-          <a:p>
-            <a:pPr lvl="1"/>
-            <a:r>
-              <a:rPr lang="ko-KR" altLang="en-US" dirty="0" smtClean="0"/>
-              <a:t>사용자를 나타내는 </a:t>
-            </a:r>
-            <a:r>
-              <a:rPr lang="en-US" altLang="ko-KR" dirty="0" smtClean="0"/>
-              <a:t>User </a:t>
-            </a:r>
-            <a:r>
-              <a:rPr lang="ko-KR" altLang="en-US" dirty="0" smtClean="0"/>
-              <a:t>클래스 구성</a:t>
-            </a:r>
-            <a:endParaRPr lang="en-US" altLang="ko-KR" dirty="0" smtClean="0"/>
-          </a:p>
-          <a:p>
-            <a:pPr lvl="1"/>
-            <a:endParaRPr lang="en-US" altLang="ko-KR" dirty="0" smtClean="0"/>
-          </a:p>
-          <a:p>
-            <a:pPr lvl="1"/>
-            <a:endParaRPr lang="en-US" altLang="ko-KR" dirty="0" smtClean="0"/>
-          </a:p>
-          <a:p>
-            <a:pPr lvl="1"/>
-            <a:endParaRPr lang="en-US" altLang="ko-KR" dirty="0" smtClean="0"/>
-          </a:p>
-          <a:p>
-            <a:pPr lvl="1"/>
-            <a:endParaRPr lang="en-US" altLang="ko-KR" dirty="0" smtClean="0"/>
-          </a:p>
-          <a:p>
-            <a:pPr lvl="1"/>
-            <a:endParaRPr lang="en-US" altLang="ko-KR" dirty="0" smtClean="0"/>
-          </a:p>
-          <a:p>
-            <a:pPr lvl="1"/>
-            <a:endParaRPr lang="en-US" altLang="ko-KR" b="1" dirty="0" smtClean="0">
-              <a:solidFill>
-                <a:srgbClr val="0070C0"/>
-              </a:solidFill>
-            </a:endParaRPr>
-          </a:p>
-          <a:p>
-            <a:pPr lvl="1"/>
-            <a:endParaRPr lang="en-US" altLang="ko-KR" b="1" dirty="0" smtClean="0">
-              <a:solidFill>
-                <a:srgbClr val="0070C0"/>
-              </a:solidFill>
-            </a:endParaRPr>
-          </a:p>
-          <a:p>
-            <a:pPr lvl="1">
-              <a:buNone/>
-            </a:pPr>
-            <a:endParaRPr lang="en-US" altLang="ko-KR" b="1" dirty="0" smtClean="0">
-              <a:solidFill>
-                <a:srgbClr val="0070C0"/>
-              </a:solidFill>
-            </a:endParaRPr>
-          </a:p>
-          <a:p>
-            <a:pPr lvl="1"/>
-            <a:endParaRPr lang="en-US" altLang="ko-KR" dirty="0"/>
-          </a:p>
-          <a:p>
-            <a:pPr lvl="1"/>
-            <a:endParaRPr lang="en-US" altLang="ko-KR" dirty="0" smtClean="0"/>
-          </a:p>
-          <a:p>
-            <a:pPr lvl="1"/>
-            <a:endParaRPr lang="en-US" altLang="ko-KR" dirty="0" smtClean="0"/>
-          </a:p>
-          <a:p>
-            <a:pPr lvl="1"/>
-            <a:endParaRPr lang="en-US" altLang="ko-KR" dirty="0" smtClean="0"/>
-          </a:p>
-        </p:txBody>
-      </p:sp>
-      <p:pic>
-        <p:nvPicPr>
-          <p:cNvPr id="5" name="그림 4" descr="13-2.JPG"/>
-          <p:cNvPicPr>
-            <a:picLocks noChangeAspect="1"/>
-          </p:cNvPicPr>
-          <p:nvPr/>
-        </p:nvPicPr>
-        <p:blipFill>
-          <a:blip r:embed="rId2" cstate="print"/>
-          <a:stretch>
-            <a:fillRect/>
-          </a:stretch>
-        </p:blipFill>
-        <p:spPr>
-          <a:xfrm>
-            <a:off x="701570" y="1268760"/>
-            <a:ext cx="8039100" cy="4676775"/>
-          </a:xfrm>
-          <a:prstGeom prst="rect">
-            <a:avLst/>
-          </a:prstGeom>
-        </p:spPr>
-      </p:pic>
-    </p:spTree>
-    <p:extLst>
-      <p:ext uri="{BB962C8B-B14F-4D97-AF65-F5344CB8AC3E}">
-        <p14:creationId xmlns:p14="http://schemas.microsoft.com/office/powerpoint/2010/main" val="3682128107"/>
-      </p:ext>
-    </p:extLst>
-  </p:cSld>
-  <p:clrMapOvr>
-    <a:masterClrMapping/>
-  </p:clrMapOvr>
-  <p:timing>
-    <p:tnLst>
-      <p:par>
-        <p:cTn id="1" dur="indefinite" restart="never" nodeType="tmRoot"/>
-      </p:par>
-    </p:tnLst>
-  </p:timing>
-</p:sld>
-</file>
-
-<file path=ppt/slides/slide13.xml><?xml version="1.0" encoding="utf-8"?>
-<p:sld xmlns:a="http://schemas.openxmlformats.org/drawingml/2006/main" xmlns:r="http://schemas.openxmlformats.org/officeDocument/2006/relationships" xmlns:p="http://schemas.openxmlformats.org/presentationml/2006/main">
-  <p:cSld>
-    <p:spTree>
-      <p:nvGrpSpPr>
-        <p:cNvPr id="1" name=""/>
-        <p:cNvGrpSpPr/>
-        <p:nvPr/>
-      </p:nvGrpSpPr>
-      <p:grpSpPr>
-        <a:xfrm>
-          <a:off x="0" y="0"/>
-          <a:ext cx="0" cy="0"/>
-          <a:chOff x="0" y="0"/>
-          <a:chExt cx="0" cy="0"/>
-        </a:xfrm>
-      </p:grpSpPr>
-      <p:sp>
-        <p:nvSpPr>
-          <p:cNvPr id="6" name="제목 5"/>
-          <p:cNvSpPr>
-            <a:spLocks noGrp="1"/>
-          </p:cNvSpPr>
-          <p:nvPr>
-            <p:ph type="title"/>
-          </p:nvPr>
-        </p:nvSpPr>
-        <p:spPr/>
-        <p:txBody>
-          <a:bodyPr/>
-          <a:lstStyle/>
-          <a:p>
-            <a:r>
-              <a:rPr lang="en-US" altLang="ko-KR" spc="-150" dirty="0"/>
-              <a:t>Section</a:t>
-            </a:r>
-            <a:r>
-              <a:rPr lang="en-US" altLang="ko-KR" dirty="0"/>
-              <a:t> </a:t>
-            </a:r>
-            <a:r>
-              <a:rPr lang="en-US" altLang="ko-KR" dirty="0" smtClean="0"/>
               <a:t>04 </a:t>
             </a:r>
             <a:r>
@@ -6432,7 +6948,7 @@
 </p:sld>
 </file>
 
-<file path=ppt/slides/slide14.xml><?xml version="1.0" encoding="utf-8"?>
+<file path=ppt/slides/slide13.xml><?xml version="1.0" encoding="utf-8"?>
 <p:sld xmlns:a="http://schemas.openxmlformats.org/drawingml/2006/main" xmlns:r="http://schemas.openxmlformats.org/officeDocument/2006/relationships" xmlns:p="http://schemas.openxmlformats.org/presentationml/2006/main">
   <p:cSld>
     <p:spTree>
@@ -6646,7 +7162,7 @@
 </p:sld>
 </file>
 
-<file path=ppt/slides/slide15.xml><?xml version="1.0" encoding="utf-8"?>
+<file path=ppt/slides/slide14.xml><?xml version="1.0" encoding="utf-8"?>
 <p:sld xmlns:a="http://schemas.openxmlformats.org/drawingml/2006/main" xmlns:r="http://schemas.openxmlformats.org/officeDocument/2006/relationships" xmlns:p="http://schemas.openxmlformats.org/presentationml/2006/main">
   <p:cSld>
     <p:spTree>
@@ -6881,7 +7397,7 @@
 </p:sld>
 </file>
 
-<file path=ppt/slides/slide16.xml><?xml version="1.0" encoding="utf-8"?>
+<file path=ppt/slides/slide15.xml><?xml version="1.0" encoding="utf-8"?>
 <p:sld xmlns:a="http://schemas.openxmlformats.org/drawingml/2006/main" xmlns:r="http://schemas.openxmlformats.org/officeDocument/2006/relationships" xmlns:p="http://schemas.openxmlformats.org/presentationml/2006/main">
   <p:cSld>
     <p:spTree>
@@ -7095,7 +7611,7 @@
 </p:sld>
 </file>
 
-<file path=ppt/slides/slide17.xml><?xml version="1.0" encoding="utf-8"?>
+<file path=ppt/slides/slide16.xml><?xml version="1.0" encoding="utf-8"?>
 <p:sld xmlns:a="http://schemas.openxmlformats.org/drawingml/2006/main" xmlns:r="http://schemas.openxmlformats.org/officeDocument/2006/relationships" xmlns:p="http://schemas.openxmlformats.org/presentationml/2006/main">
   <p:cSld>
     <p:spTree>
@@ -7330,7 +7846,7 @@
 </p:sld>
 </file>
 
-<file path=ppt/slides/slide18.xml><?xml version="1.0" encoding="utf-8"?>
+<file path=ppt/slides/slide17.xml><?xml version="1.0" encoding="utf-8"?>
 <p:sld xmlns:a="http://schemas.openxmlformats.org/drawingml/2006/main" xmlns:r="http://schemas.openxmlformats.org/officeDocument/2006/relationships" xmlns:p="http://schemas.openxmlformats.org/presentationml/2006/main">
   <p:cSld>
     <p:spTree>
@@ -7564,7 +8080,7 @@
 </p:sld>
 </file>
 
-<file path=ppt/slides/slide19.xml><?xml version="1.0" encoding="utf-8"?>
+<file path=ppt/slides/slide18.xml><?xml version="1.0" encoding="utf-8"?>
 <p:sld xmlns:a="http://schemas.openxmlformats.org/drawingml/2006/main" xmlns:r="http://schemas.openxmlformats.org/officeDocument/2006/relationships" xmlns:p="http://schemas.openxmlformats.org/presentationml/2006/main">
   <p:cSld>
     <p:spTree>
@@ -7798,1399 +8314,7 @@
 </p:sld>
 </file>
 
-<file path=ppt/slides/slide2.xml><?xml version="1.0" encoding="utf-8"?>
-<p:sld xmlns:a="http://schemas.openxmlformats.org/drawingml/2006/main" xmlns:r="http://schemas.openxmlformats.org/officeDocument/2006/relationships" xmlns:p="http://schemas.openxmlformats.org/presentationml/2006/main">
-  <p:cSld>
-    <p:spTree>
-      <p:nvGrpSpPr>
-        <p:cNvPr id="1" name=""/>
-        <p:cNvGrpSpPr/>
-        <p:nvPr/>
-      </p:nvGrpSpPr>
-      <p:grpSpPr>
-        <a:xfrm>
-          <a:off x="0" y="0"/>
-          <a:ext cx="0" cy="0"/>
-          <a:chOff x="0" y="0"/>
-          <a:chExt cx="0" cy="0"/>
-        </a:xfrm>
-      </p:grpSpPr>
-      <p:sp>
-        <p:nvSpPr>
-          <p:cNvPr id="2" name="직사각형 1"/>
-          <p:cNvSpPr/>
-          <p:nvPr/>
-        </p:nvSpPr>
-        <p:spPr>
-          <a:xfrm>
-            <a:off x="3447095" y="1088740"/>
-            <a:ext cx="4185761" cy="1661993"/>
-          </a:xfrm>
-          <a:prstGeom prst="rect">
-            <a:avLst/>
-          </a:prstGeom>
-        </p:spPr>
-        <p:txBody>
-          <a:bodyPr wrap="none">
-            <a:spAutoFit/>
-          </a:bodyPr>
-          <a:lstStyle/>
-          <a:p>
-            <a:r>
-              <a:rPr lang="en-US" altLang="ko-KR" sz="4000" b="1" spc="-150" dirty="0" smtClean="0">
-                <a:gradFill flip="none" rotWithShape="1">
-                  <a:gsLst>
-                    <a:gs pos="0">
-                      <a:srgbClr val="0070C0">
-                        <a:shade val="30000"/>
-                        <a:satMod val="115000"/>
-                      </a:srgbClr>
-                    </a:gs>
-                    <a:gs pos="50000">
-                      <a:srgbClr val="0070C0">
-                        <a:shade val="67500"/>
-                        <a:satMod val="115000"/>
-                      </a:srgbClr>
-                    </a:gs>
-                    <a:gs pos="100000">
-                      <a:srgbClr val="0070C0">
-                        <a:shade val="100000"/>
-                        <a:satMod val="115000"/>
-                      </a:srgbClr>
-                    </a:gs>
-                  </a:gsLst>
-                  <a:lin ang="16200000" scaled="1"/>
-                  <a:tileRect/>
-                </a:gradFill>
-              </a:rPr>
-              <a:t>Chapter</a:t>
-            </a:r>
-            <a:r>
-              <a:rPr lang="en-US" altLang="ko-KR" sz="4000" b="1" spc="-300" dirty="0" smtClean="0">
-                <a:gradFill flip="none" rotWithShape="1">
-                  <a:gsLst>
-                    <a:gs pos="0">
-                      <a:srgbClr val="0070C0">
-                        <a:shade val="30000"/>
-                        <a:satMod val="115000"/>
-                      </a:srgbClr>
-                    </a:gs>
-                    <a:gs pos="50000">
-                      <a:srgbClr val="0070C0">
-                        <a:shade val="67500"/>
-                        <a:satMod val="115000"/>
-                      </a:srgbClr>
-                    </a:gs>
-                    <a:gs pos="100000">
-                      <a:srgbClr val="0070C0">
-                        <a:shade val="100000"/>
-                        <a:satMod val="115000"/>
-                      </a:srgbClr>
-                    </a:gs>
-                  </a:gsLst>
-                  <a:lin ang="16200000" scaled="1"/>
-                  <a:tileRect/>
-                </a:gradFill>
-              </a:rPr>
-              <a:t> </a:t>
-            </a:r>
-            <a:r>
-              <a:rPr lang="en-US" altLang="ko-KR" sz="6600" b="1" spc="-300" dirty="0" smtClean="0">
-                <a:gradFill flip="none" rotWithShape="1">
-                  <a:gsLst>
-                    <a:gs pos="0">
-                      <a:srgbClr val="0070C0">
-                        <a:shade val="30000"/>
-                        <a:satMod val="115000"/>
-                      </a:srgbClr>
-                    </a:gs>
-                    <a:gs pos="50000">
-                      <a:srgbClr val="0070C0">
-                        <a:shade val="67500"/>
-                        <a:satMod val="115000"/>
-                      </a:srgbClr>
-                    </a:gs>
-                    <a:gs pos="100000">
-                      <a:srgbClr val="0070C0">
-                        <a:shade val="100000"/>
-                        <a:satMod val="115000"/>
-                      </a:srgbClr>
-                    </a:gs>
-                  </a:gsLst>
-                  <a:lin ang="16200000" scaled="1"/>
-                  <a:tileRect/>
-                </a:gradFill>
-              </a:rPr>
-              <a:t>13</a:t>
-            </a:r>
-          </a:p>
-          <a:p>
-            <a:r>
-              <a:rPr lang="ko-KR" altLang="en-US" sz="3600" dirty="0" smtClean="0">
-                <a:solidFill>
-                  <a:srgbClr val="1F497D"/>
-                </a:solidFill>
-                <a:latin typeface="HY헤드라인M" pitchFamily="18" charset="-127"/>
-                <a:ea typeface="HY헤드라인M" pitchFamily="18" charset="-127"/>
-              </a:rPr>
-              <a:t>도서 관리 프로그램</a:t>
-            </a:r>
-            <a:endParaRPr lang="ko-KR" altLang="en-US" sz="5400" b="1" spc="-300" dirty="0">
-              <a:gradFill flip="none" rotWithShape="1">
-                <a:gsLst>
-                  <a:gs pos="0">
-                    <a:srgbClr val="1F497D">
-                      <a:lumMod val="75000"/>
-                      <a:shade val="30000"/>
-                      <a:satMod val="115000"/>
-                    </a:srgbClr>
-                  </a:gs>
-                  <a:gs pos="50000">
-                    <a:srgbClr val="1F497D">
-                      <a:lumMod val="75000"/>
-                      <a:shade val="67500"/>
-                      <a:satMod val="115000"/>
-                    </a:srgbClr>
-                  </a:gs>
-                  <a:gs pos="100000">
-                    <a:srgbClr val="1F497D">
-                      <a:lumMod val="75000"/>
-                      <a:shade val="100000"/>
-                      <a:satMod val="115000"/>
-                    </a:srgbClr>
-                  </a:gs>
-                </a:gsLst>
-                <a:lin ang="13500000" scaled="1"/>
-                <a:tileRect/>
-              </a:gradFill>
-            </a:endParaRPr>
-          </a:p>
-        </p:txBody>
-      </p:sp>
-      <p:sp>
-        <p:nvSpPr>
-          <p:cNvPr id="4" name="직사각형 3"/>
-          <p:cNvSpPr/>
-          <p:nvPr/>
-        </p:nvSpPr>
-        <p:spPr>
-          <a:xfrm>
-            <a:off x="3401870" y="3023955"/>
-            <a:ext cx="5420487" cy="3077766"/>
-          </a:xfrm>
-          <a:prstGeom prst="rect">
-            <a:avLst/>
-          </a:prstGeom>
-        </p:spPr>
-        <p:txBody>
-          <a:bodyPr wrap="square">
-            <a:spAutoFit/>
-          </a:bodyPr>
-          <a:lstStyle/>
-          <a:p>
-            <a:pPr>
-              <a:spcBef>
-                <a:spcPts val="1200"/>
-              </a:spcBef>
-            </a:pPr>
-            <a:r>
-              <a:rPr lang="en-US" altLang="ko-KR" sz="2000" b="1" spc="-150" dirty="0" smtClean="0">
-                <a:gradFill flip="none" rotWithShape="1">
-                  <a:gsLst>
-                    <a:gs pos="0">
-                      <a:srgbClr val="0070C0">
-                        <a:shade val="30000"/>
-                        <a:satMod val="115000"/>
-                      </a:srgbClr>
-                    </a:gs>
-                    <a:gs pos="50000">
-                      <a:srgbClr val="0070C0">
-                        <a:shade val="67500"/>
-                        <a:satMod val="115000"/>
-                      </a:srgbClr>
-                    </a:gs>
-                    <a:gs pos="100000">
-                      <a:srgbClr val="0070C0">
-                        <a:shade val="100000"/>
-                        <a:satMod val="115000"/>
-                      </a:srgbClr>
-                    </a:gs>
-                  </a:gsLst>
-                  <a:lin ang="16200000" scaled="1"/>
-                  <a:tileRect/>
-                </a:gradFill>
-              </a:rPr>
-              <a:t>01</a:t>
-            </a:r>
-            <a:r>
-              <a:rPr lang="en-US" altLang="ko-KR" b="1" spc="-100" dirty="0" smtClean="0">
-                <a:gradFill flip="none" rotWithShape="1">
-                  <a:gsLst>
-                    <a:gs pos="0">
-                      <a:prstClr val="black">
-                        <a:lumMod val="75000"/>
-                        <a:lumOff val="25000"/>
-                        <a:shade val="30000"/>
-                        <a:satMod val="115000"/>
-                      </a:prstClr>
-                    </a:gs>
-                    <a:gs pos="50000">
-                      <a:prstClr val="black">
-                        <a:lumMod val="75000"/>
-                        <a:lumOff val="25000"/>
-                        <a:shade val="67500"/>
-                        <a:satMod val="115000"/>
-                      </a:prstClr>
-                    </a:gs>
-                    <a:gs pos="100000">
-                      <a:prstClr val="black">
-                        <a:lumMod val="75000"/>
-                        <a:lumOff val="25000"/>
-                        <a:shade val="100000"/>
-                        <a:satMod val="115000"/>
-                      </a:prstClr>
-                    </a:gs>
-                  </a:gsLst>
-                  <a:lin ang="16200000" scaled="1"/>
-                  <a:tileRect/>
-                </a:gradFill>
-              </a:rPr>
-              <a:t> </a:t>
-            </a:r>
-            <a:r>
-              <a:rPr lang="ko-KR" altLang="en-US" b="1" spc="-100" dirty="0" smtClean="0">
-                <a:gradFill flip="none" rotWithShape="1">
-                  <a:gsLst>
-                    <a:gs pos="0">
-                      <a:prstClr val="black">
-                        <a:lumMod val="75000"/>
-                        <a:lumOff val="25000"/>
-                        <a:shade val="30000"/>
-                        <a:satMod val="115000"/>
-                      </a:prstClr>
-                    </a:gs>
-                    <a:gs pos="50000">
-                      <a:prstClr val="black">
-                        <a:lumMod val="75000"/>
-                        <a:lumOff val="25000"/>
-                        <a:shade val="67500"/>
-                        <a:satMod val="115000"/>
-                      </a:prstClr>
-                    </a:gs>
-                    <a:gs pos="100000">
-                      <a:prstClr val="black">
-                        <a:lumMod val="75000"/>
-                        <a:lumOff val="25000"/>
-                        <a:shade val="100000"/>
-                        <a:satMod val="115000"/>
-                      </a:prstClr>
-                    </a:gs>
-                  </a:gsLst>
-                  <a:lin ang="16200000" scaled="1"/>
-                  <a:tileRect/>
-                </a:gradFill>
-              </a:rPr>
-              <a:t>동작 확인                       </a:t>
-            </a:r>
-            <a:r>
-              <a:rPr lang="en-US" altLang="ko-KR" sz="2000" b="1" spc="-150" dirty="0" smtClean="0">
-                <a:gradFill flip="none" rotWithShape="1">
-                  <a:gsLst>
-                    <a:gs pos="0">
-                      <a:srgbClr val="0070C0">
-                        <a:shade val="30000"/>
-                        <a:satMod val="115000"/>
-                      </a:srgbClr>
-                    </a:gs>
-                    <a:gs pos="50000">
-                      <a:srgbClr val="0070C0">
-                        <a:shade val="67500"/>
-                        <a:satMod val="115000"/>
-                      </a:srgbClr>
-                    </a:gs>
-                    <a:gs pos="100000">
-                      <a:srgbClr val="0070C0">
-                        <a:shade val="100000"/>
-                        <a:satMod val="115000"/>
-                      </a:srgbClr>
-                    </a:gs>
-                  </a:gsLst>
-                  <a:lin ang="16200000" scaled="1"/>
-                  <a:tileRect/>
-                </a:gradFill>
-              </a:rPr>
-              <a:t>02</a:t>
-            </a:r>
-            <a:r>
-              <a:rPr lang="en-US" altLang="ko-KR" b="1" spc="-100" dirty="0" smtClean="0">
-                <a:gradFill flip="none" rotWithShape="1">
-                  <a:gsLst>
-                    <a:gs pos="0">
-                      <a:prstClr val="black">
-                        <a:lumMod val="75000"/>
-                        <a:lumOff val="25000"/>
-                        <a:shade val="30000"/>
-                        <a:satMod val="115000"/>
-                      </a:prstClr>
-                    </a:gs>
-                    <a:gs pos="50000">
-                      <a:prstClr val="black">
-                        <a:lumMod val="75000"/>
-                        <a:lumOff val="25000"/>
-                        <a:shade val="67500"/>
-                        <a:satMod val="115000"/>
-                      </a:prstClr>
-                    </a:gs>
-                    <a:gs pos="100000">
-                      <a:prstClr val="black">
-                        <a:lumMod val="75000"/>
-                        <a:lumOff val="25000"/>
-                        <a:shade val="100000"/>
-                        <a:satMod val="115000"/>
-                      </a:prstClr>
-                    </a:gs>
-                  </a:gsLst>
-                  <a:lin ang="16200000" scaled="1"/>
-                  <a:tileRect/>
-                </a:gradFill>
-              </a:rPr>
-              <a:t> </a:t>
-            </a:r>
-            <a:r>
-              <a:rPr lang="ko-KR" altLang="en-US" b="1" spc="-100" dirty="0" smtClean="0">
-                <a:gradFill flip="none" rotWithShape="1">
-                  <a:gsLst>
-                    <a:gs pos="0">
-                      <a:prstClr val="black">
-                        <a:lumMod val="75000"/>
-                        <a:lumOff val="25000"/>
-                        <a:shade val="30000"/>
-                        <a:satMod val="115000"/>
-                      </a:prstClr>
-                    </a:gs>
-                    <a:gs pos="50000">
-                      <a:prstClr val="black">
-                        <a:lumMod val="75000"/>
-                        <a:lumOff val="25000"/>
-                        <a:shade val="67500"/>
-                        <a:satMod val="115000"/>
-                      </a:prstClr>
-                    </a:gs>
-                    <a:gs pos="100000">
-                      <a:prstClr val="black">
-                        <a:lumMod val="75000"/>
-                        <a:lumOff val="25000"/>
-                        <a:shade val="100000"/>
-                        <a:satMod val="115000"/>
-                      </a:prstClr>
-                    </a:gs>
-                  </a:gsLst>
-                  <a:lin ang="16200000" scaled="1"/>
-                  <a:tileRect/>
-                </a:gradFill>
-              </a:rPr>
-              <a:t>프로젝트 구성</a:t>
-            </a:r>
-          </a:p>
-          <a:p>
-            <a:pPr>
-              <a:spcBef>
-                <a:spcPts val="1200"/>
-              </a:spcBef>
-            </a:pPr>
-            <a:r>
-              <a:rPr lang="en-US" altLang="ko-KR" sz="2000" b="1" spc="-150" dirty="0" smtClean="0">
-                <a:gradFill flip="none" rotWithShape="1">
-                  <a:gsLst>
-                    <a:gs pos="0">
-                      <a:srgbClr val="0070C0">
-                        <a:shade val="30000"/>
-                        <a:satMod val="115000"/>
-                      </a:srgbClr>
-                    </a:gs>
-                    <a:gs pos="50000">
-                      <a:srgbClr val="0070C0">
-                        <a:shade val="67500"/>
-                        <a:satMod val="115000"/>
-                      </a:srgbClr>
-                    </a:gs>
-                    <a:gs pos="100000">
-                      <a:srgbClr val="0070C0">
-                        <a:shade val="100000"/>
-                        <a:satMod val="115000"/>
-                      </a:srgbClr>
-                    </a:gs>
-                  </a:gsLst>
-                  <a:lin ang="16200000" scaled="1"/>
-                  <a:tileRect/>
-                </a:gradFill>
-              </a:rPr>
-              <a:t>03</a:t>
-            </a:r>
-            <a:r>
-              <a:rPr lang="en-US" altLang="ko-KR" b="1" spc="-100" dirty="0" smtClean="0">
-                <a:gradFill flip="none" rotWithShape="1">
-                  <a:gsLst>
-                    <a:gs pos="0">
-                      <a:prstClr val="black">
-                        <a:lumMod val="75000"/>
-                        <a:lumOff val="25000"/>
-                        <a:shade val="30000"/>
-                        <a:satMod val="115000"/>
-                      </a:prstClr>
-                    </a:gs>
-                    <a:gs pos="50000">
-                      <a:prstClr val="black">
-                        <a:lumMod val="75000"/>
-                        <a:lumOff val="25000"/>
-                        <a:shade val="67500"/>
-                        <a:satMod val="115000"/>
-                      </a:prstClr>
-                    </a:gs>
-                    <a:gs pos="100000">
-                      <a:prstClr val="black">
-                        <a:lumMod val="75000"/>
-                        <a:lumOff val="25000"/>
-                        <a:shade val="100000"/>
-                        <a:satMod val="115000"/>
-                      </a:prstClr>
-                    </a:gs>
-                  </a:gsLst>
-                  <a:lin ang="16200000" scaled="1"/>
-                  <a:tileRect/>
-                </a:gradFill>
-              </a:rPr>
-              <a:t> </a:t>
-            </a:r>
-            <a:r>
-              <a:rPr lang="ko-KR" altLang="en-US" b="1" spc="-100" dirty="0" smtClean="0">
-                <a:gradFill flip="none" rotWithShape="1">
-                  <a:gsLst>
-                    <a:gs pos="0">
-                      <a:prstClr val="black">
-                        <a:lumMod val="75000"/>
-                        <a:lumOff val="25000"/>
-                        <a:shade val="30000"/>
-                        <a:satMod val="115000"/>
-                      </a:prstClr>
-                    </a:gs>
-                    <a:gs pos="50000">
-                      <a:prstClr val="black">
-                        <a:lumMod val="75000"/>
-                        <a:lumOff val="25000"/>
-                        <a:shade val="67500"/>
-                        <a:satMod val="115000"/>
-                      </a:prstClr>
-                    </a:gs>
-                    <a:gs pos="100000">
-                      <a:prstClr val="black">
-                        <a:lumMod val="75000"/>
-                        <a:lumOff val="25000"/>
-                        <a:shade val="100000"/>
-                        <a:satMod val="115000"/>
-                      </a:prstClr>
-                    </a:gs>
-                  </a:gsLst>
-                  <a:lin ang="16200000" scaled="1"/>
-                  <a:tileRect/>
-                </a:gradFill>
-              </a:rPr>
-              <a:t>모델 클래스                    </a:t>
-            </a:r>
-            <a:r>
-              <a:rPr lang="en-US" altLang="ko-KR" sz="2000" b="1" spc="-150" dirty="0" smtClean="0">
-                <a:gradFill flip="none" rotWithShape="1">
-                  <a:gsLst>
-                    <a:gs pos="0">
-                      <a:srgbClr val="0070C0">
-                        <a:shade val="30000"/>
-                        <a:satMod val="115000"/>
-                      </a:srgbClr>
-                    </a:gs>
-                    <a:gs pos="50000">
-                      <a:srgbClr val="0070C0">
-                        <a:shade val="67500"/>
-                        <a:satMod val="115000"/>
-                      </a:srgbClr>
-                    </a:gs>
-                    <a:gs pos="100000">
-                      <a:srgbClr val="0070C0">
-                        <a:shade val="100000"/>
-                        <a:satMod val="115000"/>
-                      </a:srgbClr>
-                    </a:gs>
-                  </a:gsLst>
-                  <a:lin ang="16200000" scaled="1"/>
-                  <a:tileRect/>
-                </a:gradFill>
-              </a:rPr>
-              <a:t>04 </a:t>
-            </a:r>
-            <a:r>
-              <a:rPr lang="en-US" altLang="ko-KR" b="1" spc="-100" dirty="0" err="1" smtClean="0">
-                <a:gradFill flip="none" rotWithShape="1">
-                  <a:gsLst>
-                    <a:gs pos="0">
-                      <a:prstClr val="black">
-                        <a:lumMod val="75000"/>
-                        <a:lumOff val="25000"/>
-                        <a:shade val="30000"/>
-                        <a:satMod val="115000"/>
-                      </a:prstClr>
-                    </a:gs>
-                    <a:gs pos="50000">
-                      <a:prstClr val="black">
-                        <a:lumMod val="75000"/>
-                        <a:lumOff val="25000"/>
-                        <a:shade val="67500"/>
-                        <a:satMod val="115000"/>
-                      </a:prstClr>
-                    </a:gs>
-                    <a:gs pos="100000">
-                      <a:prstClr val="black">
-                        <a:lumMod val="75000"/>
-                        <a:lumOff val="25000"/>
-                        <a:shade val="100000"/>
-                        <a:satMod val="115000"/>
-                      </a:prstClr>
-                    </a:gs>
-                  </a:gsLst>
-                  <a:lin ang="16200000" scaled="1"/>
-                  <a:tileRect/>
-                </a:gradFill>
-              </a:rPr>
-              <a:t>DataManager</a:t>
-            </a:r>
-            <a:r>
-              <a:rPr lang="en-US" altLang="ko-KR" b="1" spc="-100" dirty="0" smtClean="0">
-                <a:gradFill flip="none" rotWithShape="1">
-                  <a:gsLst>
-                    <a:gs pos="0">
-                      <a:prstClr val="black">
-                        <a:lumMod val="75000"/>
-                        <a:lumOff val="25000"/>
-                        <a:shade val="30000"/>
-                        <a:satMod val="115000"/>
-                      </a:prstClr>
-                    </a:gs>
-                    <a:gs pos="50000">
-                      <a:prstClr val="black">
-                        <a:lumMod val="75000"/>
-                        <a:lumOff val="25000"/>
-                        <a:shade val="67500"/>
-                        <a:satMod val="115000"/>
-                      </a:prstClr>
-                    </a:gs>
-                    <a:gs pos="100000">
-                      <a:prstClr val="black">
-                        <a:lumMod val="75000"/>
-                        <a:lumOff val="25000"/>
-                        <a:shade val="100000"/>
-                        <a:satMod val="115000"/>
-                      </a:prstClr>
-                    </a:gs>
-                  </a:gsLst>
-                  <a:lin ang="16200000" scaled="1"/>
-                  <a:tileRect/>
-                </a:gradFill>
-              </a:rPr>
-              <a:t> </a:t>
-            </a:r>
-            <a:r>
-              <a:rPr lang="ko-KR" altLang="en-US" b="1" spc="-100" dirty="0" smtClean="0">
-                <a:gradFill flip="none" rotWithShape="1">
-                  <a:gsLst>
-                    <a:gs pos="0">
-                      <a:prstClr val="black">
-                        <a:lumMod val="75000"/>
-                        <a:lumOff val="25000"/>
-                        <a:shade val="30000"/>
-                        <a:satMod val="115000"/>
-                      </a:prstClr>
-                    </a:gs>
-                    <a:gs pos="50000">
-                      <a:prstClr val="black">
-                        <a:lumMod val="75000"/>
-                        <a:lumOff val="25000"/>
-                        <a:shade val="67500"/>
-                        <a:satMod val="115000"/>
-                      </a:prstClr>
-                    </a:gs>
-                    <a:gs pos="100000">
-                      <a:prstClr val="black">
-                        <a:lumMod val="75000"/>
-                        <a:lumOff val="25000"/>
-                        <a:shade val="100000"/>
-                        <a:satMod val="115000"/>
-                      </a:prstClr>
-                    </a:gs>
-                  </a:gsLst>
-                  <a:lin ang="16200000" scaled="1"/>
-                  <a:tileRect/>
-                </a:gradFill>
-              </a:rPr>
-              <a:t>클래스</a:t>
-            </a:r>
-          </a:p>
-          <a:p>
-            <a:pPr>
-              <a:spcBef>
-                <a:spcPts val="1200"/>
-              </a:spcBef>
-            </a:pPr>
-            <a:r>
-              <a:rPr lang="en-US" altLang="ko-KR" sz="2000" b="1" spc="-150" dirty="0" smtClean="0">
-                <a:gradFill flip="none" rotWithShape="1">
-                  <a:gsLst>
-                    <a:gs pos="0">
-                      <a:srgbClr val="0070C0">
-                        <a:shade val="30000"/>
-                        <a:satMod val="115000"/>
-                      </a:srgbClr>
-                    </a:gs>
-                    <a:gs pos="50000">
-                      <a:srgbClr val="0070C0">
-                        <a:shade val="67500"/>
-                        <a:satMod val="115000"/>
-                      </a:srgbClr>
-                    </a:gs>
-                    <a:gs pos="100000">
-                      <a:srgbClr val="0070C0">
-                        <a:shade val="100000"/>
-                        <a:satMod val="115000"/>
-                      </a:srgbClr>
-                    </a:gs>
-                  </a:gsLst>
-                  <a:lin ang="16200000" scaled="1"/>
-                  <a:tileRect/>
-                </a:gradFill>
-              </a:rPr>
-              <a:t>05</a:t>
-            </a:r>
-            <a:r>
-              <a:rPr lang="en-US" altLang="ko-KR" b="1" spc="-100" dirty="0" smtClean="0">
-                <a:gradFill flip="none" rotWithShape="1">
-                  <a:gsLst>
-                    <a:gs pos="0">
-                      <a:prstClr val="black">
-                        <a:lumMod val="75000"/>
-                        <a:lumOff val="25000"/>
-                        <a:shade val="30000"/>
-                        <a:satMod val="115000"/>
-                      </a:prstClr>
-                    </a:gs>
-                    <a:gs pos="50000">
-                      <a:prstClr val="black">
-                        <a:lumMod val="75000"/>
-                        <a:lumOff val="25000"/>
-                        <a:shade val="67500"/>
-                        <a:satMod val="115000"/>
-                      </a:prstClr>
-                    </a:gs>
-                    <a:gs pos="100000">
-                      <a:prstClr val="black">
-                        <a:lumMod val="75000"/>
-                        <a:lumOff val="25000"/>
-                        <a:shade val="100000"/>
-                        <a:satMod val="115000"/>
-                      </a:prstClr>
-                    </a:gs>
-                  </a:gsLst>
-                  <a:lin ang="16200000" scaled="1"/>
-                  <a:tileRect/>
-                </a:gradFill>
-              </a:rPr>
-              <a:t> </a:t>
-            </a:r>
-            <a:r>
-              <a:rPr lang="ko-KR" altLang="en-US" b="1" spc="-100" dirty="0" smtClean="0">
-                <a:gradFill flip="none" rotWithShape="1">
-                  <a:gsLst>
-                    <a:gs pos="0">
-                      <a:prstClr val="black">
-                        <a:lumMod val="75000"/>
-                        <a:lumOff val="25000"/>
-                        <a:shade val="30000"/>
-                        <a:satMod val="115000"/>
-                      </a:prstClr>
-                    </a:gs>
-                    <a:gs pos="50000">
-                      <a:prstClr val="black">
-                        <a:lumMod val="75000"/>
-                        <a:lumOff val="25000"/>
-                        <a:shade val="67500"/>
-                        <a:satMod val="115000"/>
-                      </a:prstClr>
-                    </a:gs>
-                    <a:gs pos="100000">
-                      <a:prstClr val="black">
-                        <a:lumMod val="75000"/>
-                        <a:lumOff val="25000"/>
-                        <a:shade val="100000"/>
-                        <a:satMod val="115000"/>
-                      </a:prstClr>
-                    </a:gs>
-                  </a:gsLst>
-                  <a:lin ang="16200000" scaled="1"/>
-                  <a:tileRect/>
-                </a:gradFill>
-              </a:rPr>
-              <a:t>디자인                           </a:t>
-            </a:r>
-            <a:r>
-              <a:rPr lang="en-US" altLang="ko-KR" sz="2000" b="1" spc="-150" dirty="0" smtClean="0">
-                <a:gradFill flip="none" rotWithShape="1">
-                  <a:gsLst>
-                    <a:gs pos="0">
-                      <a:srgbClr val="0070C0">
-                        <a:shade val="30000"/>
-                        <a:satMod val="115000"/>
-                      </a:srgbClr>
-                    </a:gs>
-                    <a:gs pos="50000">
-                      <a:srgbClr val="0070C0">
-                        <a:shade val="67500"/>
-                        <a:satMod val="115000"/>
-                      </a:srgbClr>
-                    </a:gs>
-                    <a:gs pos="100000">
-                      <a:srgbClr val="0070C0">
-                        <a:shade val="100000"/>
-                        <a:satMod val="115000"/>
-                      </a:srgbClr>
-                    </a:gs>
-                  </a:gsLst>
-                  <a:lin ang="16200000" scaled="1"/>
-                  <a:tileRect/>
-                </a:gradFill>
-              </a:rPr>
-              <a:t>06</a:t>
-            </a:r>
-            <a:r>
-              <a:rPr lang="en-US" altLang="ko-KR" b="1" spc="-100" dirty="0" smtClean="0">
-                <a:gradFill flip="none" rotWithShape="1">
-                  <a:gsLst>
-                    <a:gs pos="0">
-                      <a:prstClr val="black">
-                        <a:lumMod val="75000"/>
-                        <a:lumOff val="25000"/>
-                        <a:shade val="30000"/>
-                        <a:satMod val="115000"/>
-                      </a:prstClr>
-                    </a:gs>
-                    <a:gs pos="50000">
-                      <a:prstClr val="black">
-                        <a:lumMod val="75000"/>
-                        <a:lumOff val="25000"/>
-                        <a:shade val="67500"/>
-                        <a:satMod val="115000"/>
-                      </a:prstClr>
-                    </a:gs>
-                    <a:gs pos="100000">
-                      <a:prstClr val="black">
-                        <a:lumMod val="75000"/>
-                        <a:lumOff val="25000"/>
-                        <a:shade val="100000"/>
-                        <a:satMod val="115000"/>
-                      </a:prstClr>
-                    </a:gs>
-                  </a:gsLst>
-                  <a:lin ang="16200000" scaled="1"/>
-                  <a:tileRect/>
-                </a:gradFill>
-              </a:rPr>
-              <a:t> </a:t>
-            </a:r>
-            <a:r>
-              <a:rPr lang="ko-KR" altLang="en-US" b="1" spc="-100" dirty="0" smtClean="0">
-                <a:gradFill flip="none" rotWithShape="1">
-                  <a:gsLst>
-                    <a:gs pos="0">
-                      <a:prstClr val="black">
-                        <a:lumMod val="75000"/>
-                        <a:lumOff val="25000"/>
-                        <a:shade val="30000"/>
-                        <a:satMod val="115000"/>
-                      </a:prstClr>
-                    </a:gs>
-                    <a:gs pos="50000">
-                      <a:prstClr val="black">
-                        <a:lumMod val="75000"/>
-                        <a:lumOff val="25000"/>
-                        <a:shade val="67500"/>
-                        <a:satMod val="115000"/>
-                      </a:prstClr>
-                    </a:gs>
-                    <a:gs pos="100000">
-                      <a:prstClr val="black">
-                        <a:lumMod val="75000"/>
-                        <a:lumOff val="25000"/>
-                        <a:shade val="100000"/>
-                        <a:satMod val="115000"/>
-                      </a:prstClr>
-                    </a:gs>
-                  </a:gsLst>
-                  <a:lin ang="16200000" scaled="1"/>
-                  <a:tileRect/>
-                </a:gradFill>
-              </a:rPr>
-              <a:t>데이터 소스 구성</a:t>
-            </a:r>
-          </a:p>
-          <a:p>
-            <a:pPr>
-              <a:spcBef>
-                <a:spcPts val="1200"/>
-              </a:spcBef>
-            </a:pPr>
-            <a:r>
-              <a:rPr lang="en-US" altLang="ko-KR" sz="2000" b="1" spc="-150" dirty="0" smtClean="0">
-                <a:gradFill flip="none" rotWithShape="1">
-                  <a:gsLst>
-                    <a:gs pos="0">
-                      <a:srgbClr val="0070C0">
-                        <a:shade val="30000"/>
-                        <a:satMod val="115000"/>
-                      </a:srgbClr>
-                    </a:gs>
-                    <a:gs pos="50000">
-                      <a:srgbClr val="0070C0">
-                        <a:shade val="67500"/>
-                        <a:satMod val="115000"/>
-                      </a:srgbClr>
-                    </a:gs>
-                    <a:gs pos="100000">
-                      <a:srgbClr val="0070C0">
-                        <a:shade val="100000"/>
-                        <a:satMod val="115000"/>
-                      </a:srgbClr>
-                    </a:gs>
-                  </a:gsLst>
-                  <a:lin ang="16200000" scaled="1"/>
-                  <a:tileRect/>
-                </a:gradFill>
-              </a:rPr>
-              <a:t>07</a:t>
-            </a:r>
-            <a:r>
-              <a:rPr lang="en-US" altLang="ko-KR" b="1" spc="-100" dirty="0" smtClean="0">
-                <a:gradFill flip="none" rotWithShape="1">
-                  <a:gsLst>
-                    <a:gs pos="0">
-                      <a:prstClr val="black">
-                        <a:lumMod val="75000"/>
-                        <a:lumOff val="25000"/>
-                        <a:shade val="30000"/>
-                        <a:satMod val="115000"/>
-                      </a:prstClr>
-                    </a:gs>
-                    <a:gs pos="50000">
-                      <a:prstClr val="black">
-                        <a:lumMod val="75000"/>
-                        <a:lumOff val="25000"/>
-                        <a:shade val="67500"/>
-                        <a:satMod val="115000"/>
-                      </a:prstClr>
-                    </a:gs>
-                    <a:gs pos="100000">
-                      <a:prstClr val="black">
-                        <a:lumMod val="75000"/>
-                        <a:lumOff val="25000"/>
-                        <a:shade val="100000"/>
-                        <a:satMod val="115000"/>
-                      </a:prstClr>
-                    </a:gs>
-                  </a:gsLst>
-                  <a:lin ang="16200000" scaled="1"/>
-                  <a:tileRect/>
-                </a:gradFill>
-              </a:rPr>
-              <a:t> </a:t>
-            </a:r>
-            <a:r>
-              <a:rPr lang="ko-KR" altLang="en-US" b="1" spc="-100" dirty="0" smtClean="0">
-                <a:gradFill flip="none" rotWithShape="1">
-                  <a:gsLst>
-                    <a:gs pos="0">
-                      <a:prstClr val="black">
-                        <a:lumMod val="75000"/>
-                        <a:lumOff val="25000"/>
-                        <a:shade val="30000"/>
-                        <a:satMod val="115000"/>
-                      </a:prstClr>
-                    </a:gs>
-                    <a:gs pos="50000">
-                      <a:prstClr val="black">
-                        <a:lumMod val="75000"/>
-                        <a:lumOff val="25000"/>
-                        <a:shade val="67500"/>
-                        <a:satMod val="115000"/>
-                      </a:prstClr>
-                    </a:gs>
-                    <a:gs pos="100000">
-                      <a:prstClr val="black">
-                        <a:lumMod val="75000"/>
-                        <a:lumOff val="25000"/>
-                        <a:shade val="100000"/>
-                        <a:satMod val="115000"/>
-                      </a:prstClr>
-                    </a:gs>
-                  </a:gsLst>
-                  <a:lin ang="16200000" scaled="1"/>
-                  <a:tileRect/>
-                </a:gradFill>
-              </a:rPr>
-              <a:t>속성 지정과 이벤트 연결  </a:t>
-            </a:r>
-            <a:r>
-              <a:rPr lang="en-US" altLang="ko-KR" sz="2000" b="1" spc="-150" dirty="0" smtClean="0">
-                <a:gradFill flip="none" rotWithShape="1">
-                  <a:gsLst>
-                    <a:gs pos="0">
-                      <a:srgbClr val="0070C0">
-                        <a:shade val="30000"/>
-                        <a:satMod val="115000"/>
-                      </a:srgbClr>
-                    </a:gs>
-                    <a:gs pos="50000">
-                      <a:srgbClr val="0070C0">
-                        <a:shade val="67500"/>
-                        <a:satMod val="115000"/>
-                      </a:srgbClr>
-                    </a:gs>
-                    <a:gs pos="100000">
-                      <a:srgbClr val="0070C0">
-                        <a:shade val="100000"/>
-                        <a:satMod val="115000"/>
-                      </a:srgbClr>
-                    </a:gs>
-                  </a:gsLst>
-                  <a:lin ang="16200000" scaled="1"/>
-                  <a:tileRect/>
-                </a:gradFill>
-              </a:rPr>
-              <a:t>07</a:t>
-            </a:r>
-            <a:r>
-              <a:rPr lang="en-US" altLang="ko-KR" b="1" spc="-100" dirty="0" smtClean="0">
-                <a:gradFill flip="none" rotWithShape="1">
-                  <a:gsLst>
-                    <a:gs pos="0">
-                      <a:prstClr val="black">
-                        <a:lumMod val="75000"/>
-                        <a:lumOff val="25000"/>
-                        <a:shade val="30000"/>
-                        <a:satMod val="115000"/>
-                      </a:prstClr>
-                    </a:gs>
-                    <a:gs pos="50000">
-                      <a:prstClr val="black">
-                        <a:lumMod val="75000"/>
-                        <a:lumOff val="25000"/>
-                        <a:shade val="67500"/>
-                        <a:satMod val="115000"/>
-                      </a:prstClr>
-                    </a:gs>
-                    <a:gs pos="100000">
-                      <a:prstClr val="black">
-                        <a:lumMod val="75000"/>
-                        <a:lumOff val="25000"/>
-                        <a:shade val="100000"/>
-                        <a:satMod val="115000"/>
-                      </a:prstClr>
-                    </a:gs>
-                  </a:gsLst>
-                  <a:lin ang="16200000" scaled="1"/>
-                  <a:tileRect/>
-                </a:gradFill>
-              </a:rPr>
-              <a:t> </a:t>
-            </a:r>
-            <a:r>
-              <a:rPr lang="ko-KR" altLang="en-US" b="1" spc="-100" dirty="0" smtClean="0">
-                <a:gradFill flip="none" rotWithShape="1">
-                  <a:gsLst>
-                    <a:gs pos="0">
-                      <a:prstClr val="black">
-                        <a:lumMod val="75000"/>
-                        <a:lumOff val="25000"/>
-                        <a:shade val="30000"/>
-                        <a:satMod val="115000"/>
-                      </a:prstClr>
-                    </a:gs>
-                    <a:gs pos="50000">
-                      <a:prstClr val="black">
-                        <a:lumMod val="75000"/>
-                        <a:lumOff val="25000"/>
-                        <a:shade val="67500"/>
-                        <a:satMod val="115000"/>
-                      </a:prstClr>
-                    </a:gs>
-                    <a:gs pos="100000">
-                      <a:prstClr val="black">
-                        <a:lumMod val="75000"/>
-                        <a:lumOff val="25000"/>
-                        <a:shade val="100000"/>
-                        <a:satMod val="115000"/>
-                      </a:prstClr>
-                    </a:gs>
-                  </a:gsLst>
-                  <a:lin ang="16200000" scaled="1"/>
-                  <a:tileRect/>
-                </a:gradFill>
-              </a:rPr>
-              <a:t>책의 내용을 마치며</a:t>
-            </a:r>
-            <a:endParaRPr lang="en-US" altLang="ko-KR" b="1" spc="-100" dirty="0" smtClean="0">
-              <a:gradFill flip="none" rotWithShape="1">
-                <a:gsLst>
-                  <a:gs pos="0">
-                    <a:prstClr val="black">
-                      <a:lumMod val="75000"/>
-                      <a:lumOff val="25000"/>
-                      <a:shade val="30000"/>
-                      <a:satMod val="115000"/>
-                    </a:prstClr>
-                  </a:gs>
-                  <a:gs pos="50000">
-                    <a:prstClr val="black">
-                      <a:lumMod val="75000"/>
-                      <a:lumOff val="25000"/>
-                      <a:shade val="67500"/>
-                      <a:satMod val="115000"/>
-                    </a:prstClr>
-                  </a:gs>
-                  <a:gs pos="100000">
-                    <a:prstClr val="black">
-                      <a:lumMod val="75000"/>
-                      <a:lumOff val="25000"/>
-                      <a:shade val="100000"/>
-                      <a:satMod val="115000"/>
-                    </a:prstClr>
-                  </a:gs>
-                </a:gsLst>
-                <a:lin ang="16200000" scaled="1"/>
-                <a:tileRect/>
-              </a:gradFill>
-            </a:endParaRPr>
-          </a:p>
-          <a:p>
-            <a:pPr>
-              <a:spcBef>
-                <a:spcPts val="1200"/>
-              </a:spcBef>
-            </a:pPr>
-            <a:endParaRPr lang="en-US" altLang="ko-KR" b="1" spc="-100" dirty="0" smtClean="0">
-              <a:gradFill flip="none" rotWithShape="1">
-                <a:gsLst>
-                  <a:gs pos="0">
-                    <a:prstClr val="black">
-                      <a:lumMod val="75000"/>
-                      <a:lumOff val="25000"/>
-                      <a:shade val="30000"/>
-                      <a:satMod val="115000"/>
-                    </a:prstClr>
-                  </a:gs>
-                  <a:gs pos="50000">
-                    <a:prstClr val="black">
-                      <a:lumMod val="75000"/>
-                      <a:lumOff val="25000"/>
-                      <a:shade val="67500"/>
-                      <a:satMod val="115000"/>
-                    </a:prstClr>
-                  </a:gs>
-                  <a:gs pos="100000">
-                    <a:prstClr val="black">
-                      <a:lumMod val="75000"/>
-                      <a:lumOff val="25000"/>
-                      <a:shade val="100000"/>
-                      <a:satMod val="115000"/>
-                    </a:prstClr>
-                  </a:gs>
-                </a:gsLst>
-                <a:lin ang="16200000" scaled="1"/>
-                <a:tileRect/>
-              </a:gradFill>
-            </a:endParaRPr>
-          </a:p>
-          <a:p>
-            <a:pPr>
-              <a:spcBef>
-                <a:spcPts val="1200"/>
-              </a:spcBef>
-            </a:pPr>
-            <a:r>
-              <a:rPr lang="ko-KR" altLang="en-US" b="1" spc="-100" dirty="0" smtClean="0">
-                <a:gradFill flip="none" rotWithShape="1">
-                  <a:gsLst>
-                    <a:gs pos="0">
-                      <a:prstClr val="black">
-                        <a:lumMod val="75000"/>
-                        <a:lumOff val="25000"/>
-                        <a:shade val="30000"/>
-                        <a:satMod val="115000"/>
-                      </a:prstClr>
-                    </a:gs>
-                    <a:gs pos="50000">
-                      <a:prstClr val="black">
-                        <a:lumMod val="75000"/>
-                        <a:lumOff val="25000"/>
-                        <a:shade val="67500"/>
-                        <a:satMod val="115000"/>
-                      </a:prstClr>
-                    </a:gs>
-                    <a:gs pos="100000">
-                      <a:prstClr val="black">
-                        <a:lumMod val="75000"/>
-                        <a:lumOff val="25000"/>
-                        <a:shade val="100000"/>
-                        <a:satMod val="115000"/>
-                      </a:prstClr>
-                    </a:gs>
-                  </a:gsLst>
-                  <a:lin ang="16200000" scaled="1"/>
-                  <a:tileRect/>
-                </a:gradFill>
-              </a:rPr>
-              <a:t>요약</a:t>
-            </a:r>
-            <a:endParaRPr lang="ko-KR" altLang="en-US" b="1" spc="-100" dirty="0">
-              <a:gradFill flip="none" rotWithShape="1">
-                <a:gsLst>
-                  <a:gs pos="0">
-                    <a:prstClr val="black">
-                      <a:lumMod val="75000"/>
-                      <a:lumOff val="25000"/>
-                      <a:shade val="30000"/>
-                      <a:satMod val="115000"/>
-                    </a:prstClr>
-                  </a:gs>
-                  <a:gs pos="50000">
-                    <a:prstClr val="black">
-                      <a:lumMod val="75000"/>
-                      <a:lumOff val="25000"/>
-                      <a:shade val="67500"/>
-                      <a:satMod val="115000"/>
-                    </a:prstClr>
-                  </a:gs>
-                  <a:gs pos="100000">
-                    <a:prstClr val="black">
-                      <a:lumMod val="75000"/>
-                      <a:lumOff val="25000"/>
-                      <a:shade val="100000"/>
-                      <a:satMod val="115000"/>
-                    </a:prstClr>
-                  </a:gs>
-                </a:gsLst>
-                <a:lin ang="16200000" scaled="1"/>
-                <a:tileRect/>
-              </a:gradFill>
-            </a:endParaRPr>
-          </a:p>
-          <a:p>
-            <a:pPr>
-              <a:spcBef>
-                <a:spcPts val="1200"/>
-              </a:spcBef>
-            </a:pPr>
-            <a:r>
-              <a:rPr lang="ko-KR" altLang="en-US" b="1" spc="-100" dirty="0">
-                <a:gradFill flip="none" rotWithShape="1">
-                  <a:gsLst>
-                    <a:gs pos="0">
-                      <a:prstClr val="black">
-                        <a:lumMod val="75000"/>
-                        <a:lumOff val="25000"/>
-                        <a:shade val="30000"/>
-                        <a:satMod val="115000"/>
-                      </a:prstClr>
-                    </a:gs>
-                    <a:gs pos="50000">
-                      <a:prstClr val="black">
-                        <a:lumMod val="75000"/>
-                        <a:lumOff val="25000"/>
-                        <a:shade val="67500"/>
-                        <a:satMod val="115000"/>
-                      </a:prstClr>
-                    </a:gs>
-                    <a:gs pos="100000">
-                      <a:prstClr val="black">
-                        <a:lumMod val="75000"/>
-                        <a:lumOff val="25000"/>
-                        <a:shade val="100000"/>
-                        <a:satMod val="115000"/>
-                      </a:prstClr>
-                    </a:gs>
-                  </a:gsLst>
-                  <a:lin ang="16200000" scaled="1"/>
-                  <a:tileRect/>
-                </a:gradFill>
-              </a:rPr>
-              <a:t>연습문제</a:t>
-            </a:r>
-          </a:p>
-        </p:txBody>
-      </p:sp>
-      <p:sp>
-        <p:nvSpPr>
-          <p:cNvPr id="5" name="직사각형 4"/>
-          <p:cNvSpPr/>
-          <p:nvPr/>
-        </p:nvSpPr>
-        <p:spPr>
-          <a:xfrm>
-            <a:off x="6822250" y="0"/>
-            <a:ext cx="2790310" cy="1231106"/>
-          </a:xfrm>
-          <a:prstGeom prst="rect">
-            <a:avLst/>
-          </a:prstGeom>
-        </p:spPr>
-        <p:txBody>
-          <a:bodyPr wrap="square">
-            <a:spAutoFit/>
-          </a:bodyPr>
-          <a:lstStyle/>
-          <a:p>
-            <a:pPr>
-              <a:spcBef>
-                <a:spcPts val="1200"/>
-              </a:spcBef>
-            </a:pPr>
-            <a:endParaRPr lang="ko-KR" altLang="en-US" b="1" spc="-100" dirty="0" smtClean="0">
-              <a:gradFill flip="none" rotWithShape="1">
-                <a:gsLst>
-                  <a:gs pos="0">
-                    <a:prstClr val="black">
-                      <a:lumMod val="75000"/>
-                      <a:lumOff val="25000"/>
-                      <a:shade val="30000"/>
-                      <a:satMod val="115000"/>
-                    </a:prstClr>
-                  </a:gs>
-                  <a:gs pos="50000">
-                    <a:prstClr val="black">
-                      <a:lumMod val="75000"/>
-                      <a:lumOff val="25000"/>
-                      <a:shade val="67500"/>
-                      <a:satMod val="115000"/>
-                    </a:prstClr>
-                  </a:gs>
-                  <a:gs pos="100000">
-                    <a:prstClr val="black">
-                      <a:lumMod val="75000"/>
-                      <a:lumOff val="25000"/>
-                      <a:shade val="100000"/>
-                      <a:satMod val="115000"/>
-                    </a:prstClr>
-                  </a:gs>
-                </a:gsLst>
-                <a:lin ang="16200000" scaled="1"/>
-                <a:tileRect/>
-              </a:gradFill>
-            </a:endParaRPr>
-          </a:p>
-          <a:p>
-            <a:pPr>
-              <a:spcBef>
-                <a:spcPts val="1200"/>
-              </a:spcBef>
-            </a:pPr>
-            <a:endParaRPr lang="ko-KR" altLang="en-US" b="1" spc="-100" dirty="0" smtClean="0">
-              <a:gradFill flip="none" rotWithShape="1">
-                <a:gsLst>
-                  <a:gs pos="0">
-                    <a:prstClr val="black">
-                      <a:lumMod val="75000"/>
-                      <a:lumOff val="25000"/>
-                      <a:shade val="30000"/>
-                      <a:satMod val="115000"/>
-                    </a:prstClr>
-                  </a:gs>
-                  <a:gs pos="50000">
-                    <a:prstClr val="black">
-                      <a:lumMod val="75000"/>
-                      <a:lumOff val="25000"/>
-                      <a:shade val="67500"/>
-                      <a:satMod val="115000"/>
-                    </a:prstClr>
-                  </a:gs>
-                  <a:gs pos="100000">
-                    <a:prstClr val="black">
-                      <a:lumMod val="75000"/>
-                      <a:lumOff val="25000"/>
-                      <a:shade val="100000"/>
-                      <a:satMod val="115000"/>
-                    </a:prstClr>
-                  </a:gs>
-                </a:gsLst>
-                <a:lin ang="16200000" scaled="1"/>
-                <a:tileRect/>
-              </a:gradFill>
-            </a:endParaRPr>
-          </a:p>
-          <a:p>
-            <a:pPr>
-              <a:spcBef>
-                <a:spcPts val="1200"/>
-              </a:spcBef>
-            </a:pPr>
-            <a:endParaRPr lang="ko-KR" altLang="en-US" b="1" spc="-100" dirty="0" smtClean="0">
-              <a:gradFill flip="none" rotWithShape="1">
-                <a:gsLst>
-                  <a:gs pos="0">
-                    <a:prstClr val="black">
-                      <a:lumMod val="75000"/>
-                      <a:lumOff val="25000"/>
-                      <a:shade val="30000"/>
-                      <a:satMod val="115000"/>
-                    </a:prstClr>
-                  </a:gs>
-                  <a:gs pos="50000">
-                    <a:prstClr val="black">
-                      <a:lumMod val="75000"/>
-                      <a:lumOff val="25000"/>
-                      <a:shade val="67500"/>
-                      <a:satMod val="115000"/>
-                    </a:prstClr>
-                  </a:gs>
-                  <a:gs pos="100000">
-                    <a:prstClr val="black">
-                      <a:lumMod val="75000"/>
-                      <a:lumOff val="25000"/>
-                      <a:shade val="100000"/>
-                      <a:satMod val="115000"/>
-                    </a:prstClr>
-                  </a:gs>
-                </a:gsLst>
-                <a:lin ang="16200000" scaled="1"/>
-                <a:tileRect/>
-              </a:gradFill>
-            </a:endParaRPr>
-          </a:p>
-        </p:txBody>
-      </p:sp>
-    </p:spTree>
-    <p:extLst>
-      <p:ext uri="{BB962C8B-B14F-4D97-AF65-F5344CB8AC3E}">
-        <p14:creationId xmlns:p14="http://schemas.microsoft.com/office/powerpoint/2010/main" val="250776570"/>
-      </p:ext>
-    </p:extLst>
-  </p:cSld>
-  <p:clrMapOvr>
-    <a:masterClrMapping/>
-  </p:clrMapOvr>
-  <p:timing>
-    <p:tnLst>
-      <p:par>
-        <p:cTn id="1" dur="indefinite" restart="never" nodeType="tmRoot"/>
-      </p:par>
-    </p:tnLst>
-  </p:timing>
-</p:sld>
-</file>
-
-<file path=ppt/slides/slide20.xml><?xml version="1.0" encoding="utf-8"?>
+<file path=ppt/slides/slide19.xml><?xml version="1.0" encoding="utf-8"?>
 <p:sld xmlns:a="http://schemas.openxmlformats.org/drawingml/2006/main" xmlns:r="http://schemas.openxmlformats.org/officeDocument/2006/relationships" xmlns:p="http://schemas.openxmlformats.org/presentationml/2006/main">
   <p:cSld>
     <p:spTree>
@@ -9422,7 +8546,93 @@
 </p:sld>
 </file>
 
-<file path=ppt/slides/slide21.xml><?xml version="1.0" encoding="utf-8"?>
+<file path=ppt/slides/slide2.xml><?xml version="1.0" encoding="utf-8"?>
+<p:sld xmlns:a="http://schemas.openxmlformats.org/drawingml/2006/main" xmlns:r="http://schemas.openxmlformats.org/officeDocument/2006/relationships" xmlns:p="http://schemas.openxmlformats.org/presentationml/2006/main">
+  <p:cSld>
+    <p:spTree>
+      <p:nvGrpSpPr>
+        <p:cNvPr id="1" name=""/>
+        <p:cNvGrpSpPr/>
+        <p:nvPr/>
+      </p:nvGrpSpPr>
+      <p:grpSpPr>
+        <a:xfrm>
+          <a:off x="0" y="0"/>
+          <a:ext cx="0" cy="0"/>
+          <a:chOff x="0" y="0"/>
+          <a:chExt cx="0" cy="0"/>
+        </a:xfrm>
+      </p:grpSpPr>
+      <p:sp>
+        <p:nvSpPr>
+          <p:cNvPr id="5" name="제목 4"/>
+          <p:cNvSpPr>
+            <a:spLocks noGrp="1"/>
+          </p:cNvSpPr>
+          <p:nvPr>
+            <p:ph type="title"/>
+          </p:nvPr>
+        </p:nvSpPr>
+        <p:spPr/>
+        <p:txBody>
+          <a:bodyPr/>
+          <a:lstStyle/>
+          <a:p>
+            <a:endParaRPr lang="ko-KR" altLang="en-US"/>
+          </a:p>
+        </p:txBody>
+      </p:sp>
+      <p:sp>
+        <p:nvSpPr>
+          <p:cNvPr id="3" name="내용 개체 틀 2"/>
+          <p:cNvSpPr>
+            <a:spLocks noGrp="1"/>
+          </p:cNvSpPr>
+          <p:nvPr>
+            <p:ph sz="quarter" idx="10"/>
+          </p:nvPr>
+        </p:nvSpPr>
+        <p:spPr/>
+        <p:txBody>
+          <a:bodyPr/>
+          <a:lstStyle/>
+          <a:p>
+            <a:r>
+              <a:rPr lang="ko-KR" altLang="en-US" dirty="0" smtClean="0"/>
+              <a:t>지금까지 배운 내용을 모두 활용해 프로그램을 만든다</a:t>
+            </a:r>
+            <a:r>
+              <a:rPr lang="en-US" altLang="ko-KR" dirty="0" smtClean="0"/>
+              <a:t>.</a:t>
+            </a:r>
+          </a:p>
+          <a:p>
+            <a:r>
+              <a:rPr lang="ko-KR" altLang="en-US" dirty="0" smtClean="0"/>
+              <a:t>윈도 폼 프로젝트로 프로그램을 만드는 과정을 이해한다</a:t>
+            </a:r>
+            <a:r>
+              <a:rPr lang="en-US" altLang="ko-KR" dirty="0" smtClean="0"/>
+              <a:t>.</a:t>
+            </a:r>
+            <a:endParaRPr lang="ko-KR" altLang="en-US" dirty="0"/>
+          </a:p>
+        </p:txBody>
+      </p:sp>
+    </p:spTree>
+    <p:extLst>
+      <p:ext uri="{BB962C8B-B14F-4D97-AF65-F5344CB8AC3E}">
+        <p14:creationId xmlns:p14="http://schemas.microsoft.com/office/powerpoint/2010/main" val="3045442146"/>
+      </p:ext>
+    </p:extLst>
+  </p:cSld>
+  <p:clrMapOvr>
+    <a:masterClrMapping/>
+  </p:clrMapOvr>
+</p:sld>
+</file>
+
+<file path=ppt/slides/slide20.xml><?xml version="1.0" encoding="utf-8"?>
 <p:sld xmlns:a="http://schemas.openxmlformats.org/drawingml/2006/main" xmlns:r="http://schemas.openxmlformats.org/officeDocument/2006/relationships" xmlns:p="http://schemas.openxmlformats.org/presentationml/2006/main">
   <p:cSld>
     <p:spTree>
@@ -9648,7 +8858,7 @@
 </p:sld>
 </file>
 
-<file path=ppt/slides/slide22.xml><?xml version="1.0" encoding="utf-8"?>
+<file path=ppt/slides/slide21.xml><?xml version="1.0" encoding="utf-8"?>
 <p:sld xmlns:a="http://schemas.openxmlformats.org/drawingml/2006/main" xmlns:r="http://schemas.openxmlformats.org/officeDocument/2006/relationships" xmlns:p="http://schemas.openxmlformats.org/presentationml/2006/main">
   <p:cSld>
     <p:spTree>
@@ -9872,7 +9082,7 @@
 </p:sld>
 </file>
 
-<file path=ppt/slides/slide23.xml><?xml version="1.0" encoding="utf-8"?>
+<file path=ppt/slides/slide22.xml><?xml version="1.0" encoding="utf-8"?>
 <p:sld xmlns:a="http://schemas.openxmlformats.org/drawingml/2006/main" xmlns:r="http://schemas.openxmlformats.org/officeDocument/2006/relationships" xmlns:p="http://schemas.openxmlformats.org/presentationml/2006/main">
   <p:cSld>
     <p:spTree>
@@ -10074,6 +9284,156 @@
 </p:sld>
 </file>
 
+<file path=ppt/slides/slide23.xml><?xml version="1.0" encoding="utf-8"?>
+<p:sld xmlns:a="http://schemas.openxmlformats.org/drawingml/2006/main" xmlns:r="http://schemas.openxmlformats.org/officeDocument/2006/relationships" xmlns:p="http://schemas.openxmlformats.org/presentationml/2006/main">
+  <p:cSld>
+    <p:spTree>
+      <p:nvGrpSpPr>
+        <p:cNvPr id="1" name=""/>
+        <p:cNvGrpSpPr/>
+        <p:nvPr/>
+      </p:nvGrpSpPr>
+      <p:grpSpPr>
+        <a:xfrm>
+          <a:off x="0" y="0"/>
+          <a:ext cx="0" cy="0"/>
+          <a:chOff x="0" y="0"/>
+          <a:chExt cx="0" cy="0"/>
+        </a:xfrm>
+      </p:grpSpPr>
+      <p:sp>
+        <p:nvSpPr>
+          <p:cNvPr id="6" name="제목 5"/>
+          <p:cNvSpPr>
+            <a:spLocks noGrp="1"/>
+          </p:cNvSpPr>
+          <p:nvPr>
+            <p:ph type="title"/>
+          </p:nvPr>
+        </p:nvSpPr>
+        <p:spPr/>
+        <p:txBody>
+          <a:bodyPr/>
+          <a:lstStyle/>
+          <a:p>
+            <a:r>
+              <a:rPr lang="en-US" altLang="ko-KR" spc="-150" dirty="0"/>
+              <a:t>Section</a:t>
+            </a:r>
+            <a:r>
+              <a:rPr lang="en-US" altLang="ko-KR" dirty="0"/>
+              <a:t> </a:t>
+            </a:r>
+            <a:r>
+              <a:rPr lang="en-US" altLang="ko-KR" dirty="0" smtClean="0"/>
+              <a:t>07 </a:t>
+            </a:r>
+            <a:r>
+              <a:rPr lang="ko-KR" altLang="en-US" dirty="0" smtClean="0"/>
+              <a:t>속성 지정과 이벤트 연결</a:t>
+            </a:r>
+            <a:r>
+              <a:rPr lang="en-US" altLang="ko-KR" dirty="0" smtClean="0"/>
+              <a:t>(1)</a:t>
+            </a:r>
+            <a:endParaRPr lang="ko-KR" altLang="en-US" dirty="0"/>
+          </a:p>
+        </p:txBody>
+      </p:sp>
+      <p:sp>
+        <p:nvSpPr>
+          <p:cNvPr id="7" name="내용 개체 틀 6"/>
+          <p:cNvSpPr>
+            <a:spLocks noGrp="1"/>
+          </p:cNvSpPr>
+          <p:nvPr>
+            <p:ph sz="quarter" idx="10"/>
+          </p:nvPr>
+        </p:nvSpPr>
+        <p:spPr/>
+        <p:txBody>
+          <a:bodyPr>
+            <a:normAutofit/>
+          </a:bodyPr>
+          <a:lstStyle/>
+          <a:p>
+            <a:pPr lvl="1"/>
+            <a:r>
+              <a:rPr lang="ko-KR" altLang="en-US" dirty="0" smtClean="0"/>
+              <a:t>윈도 폼 코드 작성</a:t>
+            </a:r>
+            <a:endParaRPr lang="en-US" altLang="ko-KR" dirty="0" smtClean="0"/>
+          </a:p>
+          <a:p>
+            <a:pPr lvl="1"/>
+            <a:endParaRPr lang="en-US" altLang="ko-KR" dirty="0" smtClean="0">
+              <a:solidFill>
+                <a:srgbClr val="0070C0"/>
+              </a:solidFill>
+            </a:endParaRPr>
+          </a:p>
+          <a:p>
+            <a:pPr lvl="1"/>
+            <a:endParaRPr lang="en-US" altLang="ko-KR" dirty="0"/>
+          </a:p>
+          <a:p>
+            <a:pPr lvl="1"/>
+            <a:endParaRPr lang="en-US" altLang="ko-KR" dirty="0" smtClean="0"/>
+          </a:p>
+          <a:p>
+            <a:pPr lvl="1"/>
+            <a:endParaRPr lang="en-US" altLang="ko-KR" dirty="0" smtClean="0"/>
+          </a:p>
+          <a:p>
+            <a:pPr lvl="1"/>
+            <a:endParaRPr lang="en-US" altLang="ko-KR" dirty="0" smtClean="0"/>
+          </a:p>
+        </p:txBody>
+      </p:sp>
+      <p:pic>
+        <p:nvPicPr>
+          <p:cNvPr id="10" name="그림 9" descr="13-5.JPG"/>
+          <p:cNvPicPr>
+            <a:picLocks noChangeAspect="1"/>
+          </p:cNvPicPr>
+          <p:nvPr/>
+        </p:nvPicPr>
+        <p:blipFill>
+          <a:blip r:embed="rId2" cstate="print"/>
+          <a:stretch>
+            <a:fillRect/>
+          </a:stretch>
+        </p:blipFill>
+        <p:spPr>
+          <a:xfrm>
+            <a:off x="881590" y="1268760"/>
+            <a:ext cx="5327933" cy="5445605"/>
+          </a:xfrm>
+          <a:prstGeom prst="rect">
+            <a:avLst/>
+          </a:prstGeom>
+        </p:spPr>
+      </p:pic>
+    </p:spTree>
+    <p:extLst>
+      <p:ext uri="{BB962C8B-B14F-4D97-AF65-F5344CB8AC3E}">
+        <p14:creationId xmlns:p14="http://schemas.microsoft.com/office/powerpoint/2010/main" val="3682128107"/>
+      </p:ext>
+    </p:extLst>
+  </p:cSld>
+  <p:clrMapOvr>
+    <a:masterClrMapping/>
+  </p:clrMapOvr>
+  <p:timing>
+    <p:tnLst>
+      <p:par>
+        <p:cTn id="1" dur="indefinite" restart="never" nodeType="tmRoot"/>
+      </p:par>
+    </p:tnLst>
+  </p:timing>
+</p:sld>
+</file>
+
 <file path=ppt/slides/slide24.xml><?xml version="1.0" encoding="utf-8"?>
 <p:sld xmlns:a="http://schemas.openxmlformats.org/drawingml/2006/main" xmlns:r="http://schemas.openxmlformats.org/officeDocument/2006/relationships" xmlns:p="http://schemas.openxmlformats.org/presentationml/2006/main">
   <p:cSld>
@@ -10124,7 +9484,7 @@
             </a:r>
             <a:r>
               <a:rPr lang="en-US" altLang="ko-KR" dirty="0" smtClean="0"/>
-              <a:t>(1)</a:t>
+              <a:t>(2)</a:t>
             </a:r>
             <a:endParaRPr lang="ko-KR" altLang="en-US" dirty="0"/>
           </a:p>
@@ -10148,14 +9508,6 @@
           <a:lstStyle/>
           <a:p>
             <a:pPr lvl="1"/>
-            <a:r>
-              <a:rPr lang="ko-KR" altLang="en-US" dirty="0" smtClean="0"/>
-              <a:t>윈도 폼 코드 작성</a:t>
-            </a:r>
-            <a:endParaRPr lang="en-US" altLang="ko-KR" dirty="0" smtClean="0"/>
-          </a:p>
-          <a:p>
-            <a:pPr lvl="1"/>
             <a:endParaRPr lang="en-US" altLang="ko-KR" dirty="0" smtClean="0">
               <a:solidFill>
                 <a:srgbClr val="0070C0"/>
@@ -10182,7 +9534,7 @@
       </p:sp>
       <p:pic>
         <p:nvPicPr>
-          <p:cNvPr id="10" name="그림 9" descr="13-5.JPG"/>
+          <p:cNvPr id="5" name="그림 4" descr="13-5-1.JPG"/>
           <p:cNvPicPr>
             <a:picLocks noChangeAspect="1"/>
           </p:cNvPicPr>
@@ -10196,8 +9548,8 @@
         </p:blipFill>
         <p:spPr>
           <a:xfrm>
-            <a:off x="881590" y="1268760"/>
-            <a:ext cx="5327933" cy="5445605"/>
+            <a:off x="1196625" y="773705"/>
+            <a:ext cx="6025764" cy="5894292"/>
           </a:xfrm>
           <a:prstGeom prst="rect">
             <a:avLst/>
@@ -10274,7 +9626,7 @@
             </a:r>
             <a:r>
               <a:rPr lang="en-US" altLang="ko-KR" dirty="0" smtClean="0"/>
-              <a:t>(2)</a:t>
+              <a:t>(3)</a:t>
             </a:r>
             <a:endParaRPr lang="ko-KR" altLang="en-US" dirty="0"/>
           </a:p>
@@ -10324,7 +9676,7 @@
       </p:sp>
       <p:pic>
         <p:nvPicPr>
-          <p:cNvPr id="5" name="그림 4" descr="13-5-1.JPG"/>
+          <p:cNvPr id="8" name="그림 7" descr="13-5-2.JPG"/>
           <p:cNvPicPr>
             <a:picLocks noChangeAspect="1"/>
           </p:cNvPicPr>
@@ -10338,8 +9690,8 @@
         </p:blipFill>
         <p:spPr>
           <a:xfrm>
-            <a:off x="1196625" y="773705"/>
-            <a:ext cx="6025764" cy="5894292"/>
+            <a:off x="881590" y="1088740"/>
+            <a:ext cx="6981825" cy="4105275"/>
           </a:xfrm>
           <a:prstGeom prst="rect">
             <a:avLst/>
@@ -10416,7 +9768,7 @@
             </a:r>
             <a:r>
               <a:rPr lang="en-US" altLang="ko-KR" dirty="0" smtClean="0"/>
-              <a:t>(3)</a:t>
+              <a:t>(4)</a:t>
             </a:r>
             <a:endParaRPr lang="ko-KR" altLang="en-US" dirty="0"/>
           </a:p>
@@ -10466,7 +9818,7 @@
       </p:sp>
       <p:pic>
         <p:nvPicPr>
-          <p:cNvPr id="8" name="그림 7" descr="13-5-2.JPG"/>
+          <p:cNvPr id="5" name="그림 4" descr="13-5-3.JPG"/>
           <p:cNvPicPr>
             <a:picLocks noChangeAspect="1"/>
           </p:cNvPicPr>
@@ -10480,8 +9832,8 @@
         </p:blipFill>
         <p:spPr>
           <a:xfrm>
-            <a:off x="881590" y="1088740"/>
-            <a:ext cx="6981825" cy="4105275"/>
+            <a:off x="296525" y="863715"/>
+            <a:ext cx="7905750" cy="5400675"/>
           </a:xfrm>
           <a:prstGeom prst="rect">
             <a:avLst/>
@@ -10558,7 +9910,7 @@
             </a:r>
             <a:r>
               <a:rPr lang="en-US" altLang="ko-KR" dirty="0" smtClean="0"/>
-              <a:t>(4)</a:t>
+              <a:t>(5)</a:t>
             </a:r>
             <a:endParaRPr lang="ko-KR" altLang="en-US" dirty="0"/>
           </a:p>
@@ -10608,7 +9960,7 @@
       </p:sp>
       <p:pic>
         <p:nvPicPr>
-          <p:cNvPr id="5" name="그림 4" descr="13-5-3.JPG"/>
+          <p:cNvPr id="9" name="그림 8" descr="13-5-4.JPG"/>
           <p:cNvPicPr>
             <a:picLocks noChangeAspect="1"/>
           </p:cNvPicPr>
@@ -10622,8 +9974,8 @@
         </p:blipFill>
         <p:spPr>
           <a:xfrm>
-            <a:off x="296525" y="863715"/>
-            <a:ext cx="7905750" cy="5400675"/>
+            <a:off x="881590" y="773704"/>
+            <a:ext cx="6840760" cy="5673027"/>
           </a:xfrm>
           <a:prstGeom prst="rect">
             <a:avLst/>
@@ -10700,7 +10052,7 @@
             </a:r>
             <a:r>
               <a:rPr lang="en-US" altLang="ko-KR" dirty="0" smtClean="0"/>
-              <a:t>(5)</a:t>
+              <a:t>(6)</a:t>
             </a:r>
             <a:endParaRPr lang="ko-KR" altLang="en-US" dirty="0"/>
           </a:p>
@@ -10750,7 +10102,7 @@
       </p:sp>
       <p:pic>
         <p:nvPicPr>
-          <p:cNvPr id="9" name="그림 8" descr="13-5-4.JPG"/>
+          <p:cNvPr id="5" name="그림 4" descr="13-5-5.JPG"/>
           <p:cNvPicPr>
             <a:picLocks noChangeAspect="1"/>
           </p:cNvPicPr>
@@ -10764,8 +10116,8 @@
         </p:blipFill>
         <p:spPr>
           <a:xfrm>
-            <a:off x="881590" y="773704"/>
-            <a:ext cx="6840760" cy="5673027"/>
+            <a:off x="611559" y="773704"/>
+            <a:ext cx="7681651" cy="5715635"/>
           </a:xfrm>
           <a:prstGeom prst="rect">
             <a:avLst/>
@@ -10842,234 +10194,6 @@
             </a:r>
             <a:r>
               <a:rPr lang="en-US" altLang="ko-KR" dirty="0" smtClean="0"/>
-              <a:t>(6)</a:t>
-            </a:r>
-            <a:endParaRPr lang="ko-KR" altLang="en-US" dirty="0"/>
-          </a:p>
-        </p:txBody>
-      </p:sp>
-      <p:sp>
-        <p:nvSpPr>
-          <p:cNvPr id="7" name="내용 개체 틀 6"/>
-          <p:cNvSpPr>
-            <a:spLocks noGrp="1"/>
-          </p:cNvSpPr>
-          <p:nvPr>
-            <p:ph sz="quarter" idx="10"/>
-          </p:nvPr>
-        </p:nvSpPr>
-        <p:spPr/>
-        <p:txBody>
-          <a:bodyPr>
-            <a:normAutofit/>
-          </a:bodyPr>
-          <a:lstStyle/>
-          <a:p>
-            <a:pPr lvl="1"/>
-            <a:endParaRPr lang="en-US" altLang="ko-KR" dirty="0" smtClean="0">
-              <a:solidFill>
-                <a:srgbClr val="0070C0"/>
-              </a:solidFill>
-            </a:endParaRPr>
-          </a:p>
-          <a:p>
-            <a:pPr lvl="1"/>
-            <a:endParaRPr lang="en-US" altLang="ko-KR" dirty="0"/>
-          </a:p>
-          <a:p>
-            <a:pPr lvl="1"/>
-            <a:endParaRPr lang="en-US" altLang="ko-KR" dirty="0" smtClean="0"/>
-          </a:p>
-          <a:p>
-            <a:pPr lvl="1"/>
-            <a:endParaRPr lang="en-US" altLang="ko-KR" dirty="0" smtClean="0"/>
-          </a:p>
-          <a:p>
-            <a:pPr lvl="1"/>
-            <a:endParaRPr lang="en-US" altLang="ko-KR" dirty="0" smtClean="0"/>
-          </a:p>
-        </p:txBody>
-      </p:sp>
-      <p:pic>
-        <p:nvPicPr>
-          <p:cNvPr id="5" name="그림 4" descr="13-5-5.JPG"/>
-          <p:cNvPicPr>
-            <a:picLocks noChangeAspect="1"/>
-          </p:cNvPicPr>
-          <p:nvPr/>
-        </p:nvPicPr>
-        <p:blipFill>
-          <a:blip r:embed="rId2" cstate="print"/>
-          <a:stretch>
-            <a:fillRect/>
-          </a:stretch>
-        </p:blipFill>
-        <p:spPr>
-          <a:xfrm>
-            <a:off x="611559" y="773704"/>
-            <a:ext cx="7681651" cy="5715635"/>
-          </a:xfrm>
-          <a:prstGeom prst="rect">
-            <a:avLst/>
-          </a:prstGeom>
-        </p:spPr>
-      </p:pic>
-    </p:spTree>
-    <p:extLst>
-      <p:ext uri="{BB962C8B-B14F-4D97-AF65-F5344CB8AC3E}">
-        <p14:creationId xmlns:p14="http://schemas.microsoft.com/office/powerpoint/2010/main" val="3682128107"/>
-      </p:ext>
-    </p:extLst>
-  </p:cSld>
-  <p:clrMapOvr>
-    <a:masterClrMapping/>
-  </p:clrMapOvr>
-  <p:timing>
-    <p:tnLst>
-      <p:par>
-        <p:cTn id="1" dur="indefinite" restart="never" nodeType="tmRoot"/>
-      </p:par>
-    </p:tnLst>
-  </p:timing>
-</p:sld>
-</file>
-
-<file path=ppt/slides/slide3.xml><?xml version="1.0" encoding="utf-8"?>
-<p:sld xmlns:a="http://schemas.openxmlformats.org/drawingml/2006/main" xmlns:r="http://schemas.openxmlformats.org/officeDocument/2006/relationships" xmlns:p="http://schemas.openxmlformats.org/presentationml/2006/main">
-  <p:cSld>
-    <p:spTree>
-      <p:nvGrpSpPr>
-        <p:cNvPr id="1" name=""/>
-        <p:cNvGrpSpPr/>
-        <p:nvPr/>
-      </p:nvGrpSpPr>
-      <p:grpSpPr>
-        <a:xfrm>
-          <a:off x="0" y="0"/>
-          <a:ext cx="0" cy="0"/>
-          <a:chOff x="0" y="0"/>
-          <a:chExt cx="0" cy="0"/>
-        </a:xfrm>
-      </p:grpSpPr>
-      <p:sp>
-        <p:nvSpPr>
-          <p:cNvPr id="5" name="제목 4"/>
-          <p:cNvSpPr>
-            <a:spLocks noGrp="1"/>
-          </p:cNvSpPr>
-          <p:nvPr>
-            <p:ph type="title"/>
-          </p:nvPr>
-        </p:nvSpPr>
-        <p:spPr/>
-        <p:txBody>
-          <a:bodyPr/>
-          <a:lstStyle/>
-          <a:p>
-            <a:endParaRPr lang="ko-KR" altLang="en-US"/>
-          </a:p>
-        </p:txBody>
-      </p:sp>
-      <p:sp>
-        <p:nvSpPr>
-          <p:cNvPr id="3" name="내용 개체 틀 2"/>
-          <p:cNvSpPr>
-            <a:spLocks noGrp="1"/>
-          </p:cNvSpPr>
-          <p:nvPr>
-            <p:ph sz="quarter" idx="10"/>
-          </p:nvPr>
-        </p:nvSpPr>
-        <p:spPr/>
-        <p:txBody>
-          <a:bodyPr/>
-          <a:lstStyle/>
-          <a:p>
-            <a:r>
-              <a:rPr lang="ko-KR" altLang="en-US" dirty="0" smtClean="0"/>
-              <a:t>지금까지 배운 내용을 모두 활용해 프로그램을 만든다</a:t>
-            </a:r>
-            <a:r>
-              <a:rPr lang="en-US" altLang="ko-KR" dirty="0" smtClean="0"/>
-              <a:t>.</a:t>
-            </a:r>
-          </a:p>
-          <a:p>
-            <a:r>
-              <a:rPr lang="ko-KR" altLang="en-US" dirty="0" smtClean="0"/>
-              <a:t>윈도 폼 프로젝트로 프로그램을 만드는 과정을 이해한다</a:t>
-            </a:r>
-            <a:r>
-              <a:rPr lang="en-US" altLang="ko-KR" dirty="0" smtClean="0"/>
-              <a:t>.</a:t>
-            </a:r>
-            <a:endParaRPr lang="ko-KR" altLang="en-US" dirty="0"/>
-          </a:p>
-        </p:txBody>
-      </p:sp>
-    </p:spTree>
-    <p:extLst>
-      <p:ext uri="{BB962C8B-B14F-4D97-AF65-F5344CB8AC3E}">
-        <p14:creationId xmlns:p14="http://schemas.microsoft.com/office/powerpoint/2010/main" val="3045442146"/>
-      </p:ext>
-    </p:extLst>
-  </p:cSld>
-  <p:clrMapOvr>
-    <a:masterClrMapping/>
-  </p:clrMapOvr>
-</p:sld>
-</file>
-
-<file path=ppt/slides/slide30.xml><?xml version="1.0" encoding="utf-8"?>
-<p:sld xmlns:a="http://schemas.openxmlformats.org/drawingml/2006/main" xmlns:r="http://schemas.openxmlformats.org/officeDocument/2006/relationships" xmlns:p="http://schemas.openxmlformats.org/presentationml/2006/main">
-  <p:cSld>
-    <p:spTree>
-      <p:nvGrpSpPr>
-        <p:cNvPr id="1" name=""/>
-        <p:cNvGrpSpPr/>
-        <p:nvPr/>
-      </p:nvGrpSpPr>
-      <p:grpSpPr>
-        <a:xfrm>
-          <a:off x="0" y="0"/>
-          <a:ext cx="0" cy="0"/>
-          <a:chOff x="0" y="0"/>
-          <a:chExt cx="0" cy="0"/>
-        </a:xfrm>
-      </p:grpSpPr>
-      <p:sp>
-        <p:nvSpPr>
-          <p:cNvPr id="6" name="제목 5"/>
-          <p:cNvSpPr>
-            <a:spLocks noGrp="1"/>
-          </p:cNvSpPr>
-          <p:nvPr>
-            <p:ph type="title"/>
-          </p:nvPr>
-        </p:nvSpPr>
-        <p:spPr/>
-        <p:txBody>
-          <a:bodyPr/>
-          <a:lstStyle/>
-          <a:p>
-            <a:r>
-              <a:rPr lang="en-US" altLang="ko-KR" spc="-150" dirty="0"/>
-              <a:t>Section</a:t>
-            </a:r>
-            <a:r>
-              <a:rPr lang="en-US" altLang="ko-KR" dirty="0"/>
-              <a:t> </a:t>
-            </a:r>
-            <a:r>
-              <a:rPr lang="en-US" altLang="ko-KR" dirty="0" smtClean="0"/>
-              <a:t>07 </a:t>
-            </a:r>
-            <a:r>
-              <a:rPr lang="ko-KR" altLang="en-US" dirty="0" smtClean="0"/>
-              <a:t>속성 지정과 이벤트 연결</a:t>
-            </a:r>
-            <a:r>
-              <a:rPr lang="en-US" altLang="ko-KR" dirty="0" smtClean="0"/>
               <a:t>(7)</a:t>
             </a:r>
             <a:endParaRPr lang="ko-KR" altLang="en-US" dirty="0"/>
@@ -11162,1285 +10286,7 @@
 </p:sld>
 </file>
 
-<file path=ppt/slides/slide31.xml><?xml version="1.0" encoding="utf-8"?>
-<p:sld xmlns:a="http://schemas.openxmlformats.org/drawingml/2006/main" xmlns:r="http://schemas.openxmlformats.org/officeDocument/2006/relationships" xmlns:p="http://schemas.openxmlformats.org/presentationml/2006/main">
-  <p:cSld>
-    <p:spTree>
-      <p:nvGrpSpPr>
-        <p:cNvPr id="1" name=""/>
-        <p:cNvGrpSpPr/>
-        <p:nvPr/>
-      </p:nvGrpSpPr>
-      <p:grpSpPr>
-        <a:xfrm>
-          <a:off x="0" y="0"/>
-          <a:ext cx="0" cy="0"/>
-          <a:chOff x="0" y="0"/>
-          <a:chExt cx="0" cy="0"/>
-        </a:xfrm>
-      </p:grpSpPr>
-      <p:sp>
-        <p:nvSpPr>
-          <p:cNvPr id="6" name="제목 5"/>
-          <p:cNvSpPr>
-            <a:spLocks noGrp="1"/>
-          </p:cNvSpPr>
-          <p:nvPr>
-            <p:ph type="title"/>
-          </p:nvPr>
-        </p:nvSpPr>
-        <p:spPr/>
-        <p:txBody>
-          <a:bodyPr/>
-          <a:lstStyle/>
-          <a:p>
-            <a:r>
-              <a:rPr lang="en-US" altLang="ko-KR" spc="-150" dirty="0"/>
-              <a:t>Section</a:t>
-            </a:r>
-            <a:r>
-              <a:rPr lang="en-US" altLang="ko-KR" dirty="0"/>
-              <a:t> </a:t>
-            </a:r>
-            <a:r>
-              <a:rPr lang="en-US" altLang="ko-KR" dirty="0" smtClean="0"/>
-              <a:t>07 </a:t>
-            </a:r>
-            <a:r>
-              <a:rPr lang="ko-KR" altLang="en-US" dirty="0" smtClean="0"/>
-              <a:t>속성 지정과 이벤트 연결</a:t>
-            </a:r>
-            <a:r>
-              <a:rPr lang="en-US" altLang="ko-KR" dirty="0" smtClean="0"/>
-              <a:t>(8)</a:t>
-            </a:r>
-            <a:endParaRPr lang="ko-KR" altLang="en-US" dirty="0"/>
-          </a:p>
-        </p:txBody>
-      </p:sp>
-      <p:sp>
-        <p:nvSpPr>
-          <p:cNvPr id="7" name="내용 개체 틀 6"/>
-          <p:cNvSpPr>
-            <a:spLocks noGrp="1"/>
-          </p:cNvSpPr>
-          <p:nvPr>
-            <p:ph sz="quarter" idx="10"/>
-          </p:nvPr>
-        </p:nvSpPr>
-        <p:spPr/>
-        <p:txBody>
-          <a:bodyPr>
-            <a:normAutofit/>
-          </a:bodyPr>
-          <a:lstStyle/>
-          <a:p>
-            <a:pPr lvl="1"/>
-            <a:endParaRPr lang="en-US" altLang="ko-KR" dirty="0" smtClean="0">
-              <a:solidFill>
-                <a:srgbClr val="0070C0"/>
-              </a:solidFill>
-            </a:endParaRPr>
-          </a:p>
-          <a:p>
-            <a:pPr lvl="1"/>
-            <a:endParaRPr lang="en-US" altLang="ko-KR" dirty="0"/>
-          </a:p>
-          <a:p>
-            <a:pPr lvl="1"/>
-            <a:endParaRPr lang="en-US" altLang="ko-KR" dirty="0" smtClean="0"/>
-          </a:p>
-          <a:p>
-            <a:pPr lvl="1"/>
-            <a:endParaRPr lang="en-US" altLang="ko-KR" dirty="0" smtClean="0"/>
-          </a:p>
-          <a:p>
-            <a:pPr lvl="1"/>
-            <a:endParaRPr lang="en-US" altLang="ko-KR" dirty="0" smtClean="0"/>
-          </a:p>
-        </p:txBody>
-      </p:sp>
-      <p:pic>
-        <p:nvPicPr>
-          <p:cNvPr id="5" name="그림 4" descr="13-6-1.JPG"/>
-          <p:cNvPicPr>
-            <a:picLocks noChangeAspect="1"/>
-          </p:cNvPicPr>
-          <p:nvPr/>
-        </p:nvPicPr>
-        <p:blipFill>
-          <a:blip r:embed="rId2" cstate="print"/>
-          <a:stretch>
-            <a:fillRect/>
-          </a:stretch>
-        </p:blipFill>
-        <p:spPr>
-          <a:xfrm>
-            <a:off x="701570" y="863715"/>
-            <a:ext cx="7200800" cy="5863508"/>
-          </a:xfrm>
-          <a:prstGeom prst="rect">
-            <a:avLst/>
-          </a:prstGeom>
-        </p:spPr>
-      </p:pic>
-    </p:spTree>
-    <p:extLst>
-      <p:ext uri="{BB962C8B-B14F-4D97-AF65-F5344CB8AC3E}">
-        <p14:creationId xmlns:p14="http://schemas.microsoft.com/office/powerpoint/2010/main" val="3682128107"/>
-      </p:ext>
-    </p:extLst>
-  </p:cSld>
-  <p:clrMapOvr>
-    <a:masterClrMapping/>
-  </p:clrMapOvr>
-  <p:timing>
-    <p:tnLst>
-      <p:par>
-        <p:cTn id="1" dur="indefinite" restart="never" nodeType="tmRoot"/>
-      </p:par>
-    </p:tnLst>
-  </p:timing>
-</p:sld>
-</file>
-
-<file path=ppt/slides/slide32.xml><?xml version="1.0" encoding="utf-8"?>
-<p:sld xmlns:a="http://schemas.openxmlformats.org/drawingml/2006/main" xmlns:r="http://schemas.openxmlformats.org/officeDocument/2006/relationships" xmlns:p="http://schemas.openxmlformats.org/presentationml/2006/main">
-  <p:cSld>
-    <p:spTree>
-      <p:nvGrpSpPr>
-        <p:cNvPr id="1" name=""/>
-        <p:cNvGrpSpPr/>
-        <p:nvPr/>
-      </p:nvGrpSpPr>
-      <p:grpSpPr>
-        <a:xfrm>
-          <a:off x="0" y="0"/>
-          <a:ext cx="0" cy="0"/>
-          <a:chOff x="0" y="0"/>
-          <a:chExt cx="0" cy="0"/>
-        </a:xfrm>
-      </p:grpSpPr>
-      <p:sp>
-        <p:nvSpPr>
-          <p:cNvPr id="6" name="제목 5"/>
-          <p:cNvSpPr>
-            <a:spLocks noGrp="1"/>
-          </p:cNvSpPr>
-          <p:nvPr>
-            <p:ph type="title"/>
-          </p:nvPr>
-        </p:nvSpPr>
-        <p:spPr/>
-        <p:txBody>
-          <a:bodyPr/>
-          <a:lstStyle/>
-          <a:p>
-            <a:r>
-              <a:rPr lang="en-US" altLang="ko-KR" spc="-150" dirty="0"/>
-              <a:t>Section</a:t>
-            </a:r>
-            <a:r>
-              <a:rPr lang="en-US" altLang="ko-KR" dirty="0"/>
-              <a:t> </a:t>
-            </a:r>
-            <a:r>
-              <a:rPr lang="en-US" altLang="ko-KR" dirty="0" smtClean="0"/>
-              <a:t>07 </a:t>
-            </a:r>
-            <a:r>
-              <a:rPr lang="ko-KR" altLang="en-US" dirty="0" smtClean="0"/>
-              <a:t>속성 지정과 이벤트 연결</a:t>
-            </a:r>
-            <a:r>
-              <a:rPr lang="en-US" altLang="ko-KR" dirty="0" smtClean="0"/>
-              <a:t>(9)</a:t>
-            </a:r>
-            <a:endParaRPr lang="ko-KR" altLang="en-US" dirty="0"/>
-          </a:p>
-        </p:txBody>
-      </p:sp>
-      <p:sp>
-        <p:nvSpPr>
-          <p:cNvPr id="7" name="내용 개체 틀 6"/>
-          <p:cNvSpPr>
-            <a:spLocks noGrp="1"/>
-          </p:cNvSpPr>
-          <p:nvPr>
-            <p:ph sz="quarter" idx="10"/>
-          </p:nvPr>
-        </p:nvSpPr>
-        <p:spPr/>
-        <p:txBody>
-          <a:bodyPr>
-            <a:normAutofit/>
-          </a:bodyPr>
-          <a:lstStyle/>
-          <a:p>
-            <a:pPr lvl="1"/>
-            <a:endParaRPr lang="en-US" altLang="ko-KR" dirty="0" smtClean="0">
-              <a:solidFill>
-                <a:srgbClr val="0070C0"/>
-              </a:solidFill>
-            </a:endParaRPr>
-          </a:p>
-          <a:p>
-            <a:pPr lvl="1"/>
-            <a:endParaRPr lang="en-US" altLang="ko-KR" dirty="0"/>
-          </a:p>
-          <a:p>
-            <a:pPr lvl="1"/>
-            <a:endParaRPr lang="en-US" altLang="ko-KR" dirty="0" smtClean="0"/>
-          </a:p>
-          <a:p>
-            <a:pPr lvl="1"/>
-            <a:endParaRPr lang="en-US" altLang="ko-KR" dirty="0" smtClean="0"/>
-          </a:p>
-          <a:p>
-            <a:pPr lvl="1"/>
-            <a:endParaRPr lang="en-US" altLang="ko-KR" dirty="0" smtClean="0"/>
-          </a:p>
-        </p:txBody>
-      </p:sp>
-      <p:pic>
-        <p:nvPicPr>
-          <p:cNvPr id="9" name="그림 8" descr="13-6-2.JPG"/>
-          <p:cNvPicPr>
-            <a:picLocks noChangeAspect="1"/>
-          </p:cNvPicPr>
-          <p:nvPr/>
-        </p:nvPicPr>
-        <p:blipFill>
-          <a:blip r:embed="rId2" cstate="print"/>
-          <a:stretch>
-            <a:fillRect/>
-          </a:stretch>
-        </p:blipFill>
-        <p:spPr>
-          <a:xfrm>
-            <a:off x="746575" y="863715"/>
-            <a:ext cx="7729672" cy="5400600"/>
-          </a:xfrm>
-          <a:prstGeom prst="rect">
-            <a:avLst/>
-          </a:prstGeom>
-        </p:spPr>
-      </p:pic>
-    </p:spTree>
-    <p:extLst>
-      <p:ext uri="{BB962C8B-B14F-4D97-AF65-F5344CB8AC3E}">
-        <p14:creationId xmlns:p14="http://schemas.microsoft.com/office/powerpoint/2010/main" val="3682128107"/>
-      </p:ext>
-    </p:extLst>
-  </p:cSld>
-  <p:clrMapOvr>
-    <a:masterClrMapping/>
-  </p:clrMapOvr>
-  <p:timing>
-    <p:tnLst>
-      <p:par>
-        <p:cTn id="1" dur="indefinite" restart="never" nodeType="tmRoot"/>
-      </p:par>
-    </p:tnLst>
-  </p:timing>
-</p:sld>
-</file>
-
-<file path=ppt/slides/slide33.xml><?xml version="1.0" encoding="utf-8"?>
-<p:sld xmlns:a="http://schemas.openxmlformats.org/drawingml/2006/main" xmlns:r="http://schemas.openxmlformats.org/officeDocument/2006/relationships" xmlns:p="http://schemas.openxmlformats.org/presentationml/2006/main">
-  <p:cSld>
-    <p:spTree>
-      <p:nvGrpSpPr>
-        <p:cNvPr id="1" name=""/>
-        <p:cNvGrpSpPr/>
-        <p:nvPr/>
-      </p:nvGrpSpPr>
-      <p:grpSpPr>
-        <a:xfrm>
-          <a:off x="0" y="0"/>
-          <a:ext cx="0" cy="0"/>
-          <a:chOff x="0" y="0"/>
-          <a:chExt cx="0" cy="0"/>
-        </a:xfrm>
-      </p:grpSpPr>
-      <p:sp>
-        <p:nvSpPr>
-          <p:cNvPr id="6" name="제목 5"/>
-          <p:cNvSpPr>
-            <a:spLocks noGrp="1"/>
-          </p:cNvSpPr>
-          <p:nvPr>
-            <p:ph type="title"/>
-          </p:nvPr>
-        </p:nvSpPr>
-        <p:spPr/>
-        <p:txBody>
-          <a:bodyPr/>
-          <a:lstStyle/>
-          <a:p>
-            <a:r>
-              <a:rPr lang="en-US" altLang="ko-KR" spc="-150" dirty="0"/>
-              <a:t>Section</a:t>
-            </a:r>
-            <a:r>
-              <a:rPr lang="en-US" altLang="ko-KR" dirty="0"/>
-              <a:t> </a:t>
-            </a:r>
-            <a:r>
-              <a:rPr lang="en-US" altLang="ko-KR" dirty="0" smtClean="0"/>
-              <a:t>07 </a:t>
-            </a:r>
-            <a:r>
-              <a:rPr lang="ko-KR" altLang="en-US" dirty="0" smtClean="0"/>
-              <a:t>속성 지정과 이벤트 연결</a:t>
-            </a:r>
-            <a:r>
-              <a:rPr lang="en-US" altLang="ko-KR" dirty="0" smtClean="0"/>
-              <a:t>(10)</a:t>
-            </a:r>
-            <a:endParaRPr lang="ko-KR" altLang="en-US" dirty="0"/>
-          </a:p>
-        </p:txBody>
-      </p:sp>
-      <p:sp>
-        <p:nvSpPr>
-          <p:cNvPr id="7" name="내용 개체 틀 6"/>
-          <p:cNvSpPr>
-            <a:spLocks noGrp="1"/>
-          </p:cNvSpPr>
-          <p:nvPr>
-            <p:ph sz="quarter" idx="10"/>
-          </p:nvPr>
-        </p:nvSpPr>
-        <p:spPr/>
-        <p:txBody>
-          <a:bodyPr>
-            <a:normAutofit/>
-          </a:bodyPr>
-          <a:lstStyle/>
-          <a:p>
-            <a:pPr lvl="1"/>
-            <a:endParaRPr lang="en-US" altLang="ko-KR" dirty="0" smtClean="0">
-              <a:solidFill>
-                <a:srgbClr val="0070C0"/>
-              </a:solidFill>
-            </a:endParaRPr>
-          </a:p>
-          <a:p>
-            <a:pPr lvl="1"/>
-            <a:endParaRPr lang="en-US" altLang="ko-KR" dirty="0"/>
-          </a:p>
-          <a:p>
-            <a:pPr lvl="1"/>
-            <a:endParaRPr lang="en-US" altLang="ko-KR" dirty="0" smtClean="0"/>
-          </a:p>
-          <a:p>
-            <a:pPr lvl="1"/>
-            <a:endParaRPr lang="en-US" altLang="ko-KR" dirty="0" smtClean="0"/>
-          </a:p>
-          <a:p>
-            <a:pPr lvl="1"/>
-            <a:endParaRPr lang="en-US" altLang="ko-KR" dirty="0" smtClean="0"/>
-          </a:p>
-        </p:txBody>
-      </p:sp>
-      <p:pic>
-        <p:nvPicPr>
-          <p:cNvPr id="5" name="그림 4" descr="13-6-3.JPG"/>
-          <p:cNvPicPr>
-            <a:picLocks noChangeAspect="1"/>
-          </p:cNvPicPr>
-          <p:nvPr/>
-        </p:nvPicPr>
-        <p:blipFill>
-          <a:blip r:embed="rId2" cstate="print"/>
-          <a:stretch>
-            <a:fillRect/>
-          </a:stretch>
-        </p:blipFill>
-        <p:spPr>
-          <a:xfrm>
-            <a:off x="746574" y="863715"/>
-            <a:ext cx="6705745" cy="5805234"/>
-          </a:xfrm>
-          <a:prstGeom prst="rect">
-            <a:avLst/>
-          </a:prstGeom>
-        </p:spPr>
-      </p:pic>
-    </p:spTree>
-    <p:extLst>
-      <p:ext uri="{BB962C8B-B14F-4D97-AF65-F5344CB8AC3E}">
-        <p14:creationId xmlns:p14="http://schemas.microsoft.com/office/powerpoint/2010/main" val="3682128107"/>
-      </p:ext>
-    </p:extLst>
-  </p:cSld>
-  <p:clrMapOvr>
-    <a:masterClrMapping/>
-  </p:clrMapOvr>
-  <p:timing>
-    <p:tnLst>
-      <p:par>
-        <p:cTn id="1" dur="indefinite" restart="never" nodeType="tmRoot"/>
-      </p:par>
-    </p:tnLst>
-  </p:timing>
-</p:sld>
-</file>
-
-<file path=ppt/slides/slide34.xml><?xml version="1.0" encoding="utf-8"?>
-<p:sld xmlns:a="http://schemas.openxmlformats.org/drawingml/2006/main" xmlns:r="http://schemas.openxmlformats.org/officeDocument/2006/relationships" xmlns:p="http://schemas.openxmlformats.org/presentationml/2006/main">
-  <p:cSld>
-    <p:spTree>
-      <p:nvGrpSpPr>
-        <p:cNvPr id="1" name=""/>
-        <p:cNvGrpSpPr/>
-        <p:nvPr/>
-      </p:nvGrpSpPr>
-      <p:grpSpPr>
-        <a:xfrm>
-          <a:off x="0" y="0"/>
-          <a:ext cx="0" cy="0"/>
-          <a:chOff x="0" y="0"/>
-          <a:chExt cx="0" cy="0"/>
-        </a:xfrm>
-      </p:grpSpPr>
-      <p:sp>
-        <p:nvSpPr>
-          <p:cNvPr id="6" name="제목 5"/>
-          <p:cNvSpPr>
-            <a:spLocks noGrp="1"/>
-          </p:cNvSpPr>
-          <p:nvPr>
-            <p:ph type="title"/>
-          </p:nvPr>
-        </p:nvSpPr>
-        <p:spPr/>
-        <p:txBody>
-          <a:bodyPr/>
-          <a:lstStyle/>
-          <a:p>
-            <a:r>
-              <a:rPr lang="en-US" altLang="ko-KR" spc="-150" dirty="0"/>
-              <a:t>Section</a:t>
-            </a:r>
-            <a:r>
-              <a:rPr lang="en-US" altLang="ko-KR" dirty="0"/>
-              <a:t> </a:t>
-            </a:r>
-            <a:r>
-              <a:rPr lang="en-US" altLang="ko-KR" dirty="0" smtClean="0"/>
-              <a:t>07 </a:t>
-            </a:r>
-            <a:r>
-              <a:rPr lang="ko-KR" altLang="en-US" dirty="0" smtClean="0"/>
-              <a:t>속성 지정과 이벤트 연결</a:t>
-            </a:r>
-            <a:r>
-              <a:rPr lang="en-US" altLang="ko-KR" dirty="0" smtClean="0"/>
-              <a:t>(11)</a:t>
-            </a:r>
-            <a:endParaRPr lang="ko-KR" altLang="en-US" dirty="0"/>
-          </a:p>
-        </p:txBody>
-      </p:sp>
-      <p:sp>
-        <p:nvSpPr>
-          <p:cNvPr id="7" name="내용 개체 틀 6"/>
-          <p:cNvSpPr>
-            <a:spLocks noGrp="1"/>
-          </p:cNvSpPr>
-          <p:nvPr>
-            <p:ph sz="quarter" idx="10"/>
-          </p:nvPr>
-        </p:nvSpPr>
-        <p:spPr/>
-        <p:txBody>
-          <a:bodyPr>
-            <a:normAutofit/>
-          </a:bodyPr>
-          <a:lstStyle/>
-          <a:p>
-            <a:pPr lvl="1"/>
-            <a:endParaRPr lang="en-US" altLang="ko-KR" dirty="0" smtClean="0">
-              <a:solidFill>
-                <a:srgbClr val="0070C0"/>
-              </a:solidFill>
-            </a:endParaRPr>
-          </a:p>
-          <a:p>
-            <a:pPr lvl="1"/>
-            <a:endParaRPr lang="en-US" altLang="ko-KR" dirty="0"/>
-          </a:p>
-          <a:p>
-            <a:pPr lvl="1"/>
-            <a:endParaRPr lang="en-US" altLang="ko-KR" dirty="0" smtClean="0"/>
-          </a:p>
-          <a:p>
-            <a:pPr lvl="1"/>
-            <a:endParaRPr lang="en-US" altLang="ko-KR" dirty="0" smtClean="0"/>
-          </a:p>
-          <a:p>
-            <a:pPr lvl="1"/>
-            <a:endParaRPr lang="en-US" altLang="ko-KR" dirty="0" smtClean="0"/>
-          </a:p>
-        </p:txBody>
-      </p:sp>
-      <p:pic>
-        <p:nvPicPr>
-          <p:cNvPr id="8" name="그림 7" descr="13-6-4.JPG"/>
-          <p:cNvPicPr>
-            <a:picLocks noChangeAspect="1"/>
-          </p:cNvPicPr>
-          <p:nvPr/>
-        </p:nvPicPr>
-        <p:blipFill>
-          <a:blip r:embed="rId2" cstate="print"/>
-          <a:stretch>
-            <a:fillRect/>
-          </a:stretch>
-        </p:blipFill>
-        <p:spPr>
-          <a:xfrm>
-            <a:off x="791580" y="863715"/>
-            <a:ext cx="7677752" cy="5265585"/>
-          </a:xfrm>
-          <a:prstGeom prst="rect">
-            <a:avLst/>
-          </a:prstGeom>
-        </p:spPr>
-      </p:pic>
-    </p:spTree>
-    <p:extLst>
-      <p:ext uri="{BB962C8B-B14F-4D97-AF65-F5344CB8AC3E}">
-        <p14:creationId xmlns:p14="http://schemas.microsoft.com/office/powerpoint/2010/main" val="3682128107"/>
-      </p:ext>
-    </p:extLst>
-  </p:cSld>
-  <p:clrMapOvr>
-    <a:masterClrMapping/>
-  </p:clrMapOvr>
-  <p:timing>
-    <p:tnLst>
-      <p:par>
-        <p:cTn id="1" dur="indefinite" restart="never" nodeType="tmRoot"/>
-      </p:par>
-    </p:tnLst>
-  </p:timing>
-</p:sld>
-</file>
-
-<file path=ppt/slides/slide35.xml><?xml version="1.0" encoding="utf-8"?>
-<p:sld xmlns:a="http://schemas.openxmlformats.org/drawingml/2006/main" xmlns:r="http://schemas.openxmlformats.org/officeDocument/2006/relationships" xmlns:p="http://schemas.openxmlformats.org/presentationml/2006/main">
-  <p:cSld>
-    <p:spTree>
-      <p:nvGrpSpPr>
-        <p:cNvPr id="1" name=""/>
-        <p:cNvGrpSpPr/>
-        <p:nvPr/>
-      </p:nvGrpSpPr>
-      <p:grpSpPr>
-        <a:xfrm>
-          <a:off x="0" y="0"/>
-          <a:ext cx="0" cy="0"/>
-          <a:chOff x="0" y="0"/>
-          <a:chExt cx="0" cy="0"/>
-        </a:xfrm>
-      </p:grpSpPr>
-      <p:sp>
-        <p:nvSpPr>
-          <p:cNvPr id="6" name="제목 5"/>
-          <p:cNvSpPr>
-            <a:spLocks noGrp="1"/>
-          </p:cNvSpPr>
-          <p:nvPr>
-            <p:ph type="title"/>
-          </p:nvPr>
-        </p:nvSpPr>
-        <p:spPr/>
-        <p:txBody>
-          <a:bodyPr/>
-          <a:lstStyle/>
-          <a:p>
-            <a:r>
-              <a:rPr lang="en-US" altLang="ko-KR" spc="-150" dirty="0"/>
-              <a:t>Section</a:t>
-            </a:r>
-            <a:r>
-              <a:rPr lang="en-US" altLang="ko-KR" dirty="0"/>
-              <a:t> </a:t>
-            </a:r>
-            <a:r>
-              <a:rPr lang="en-US" altLang="ko-KR" dirty="0" smtClean="0"/>
-              <a:t>07 </a:t>
-            </a:r>
-            <a:r>
-              <a:rPr lang="ko-KR" altLang="en-US" dirty="0" smtClean="0"/>
-              <a:t>속성 지정과 이벤트 연결</a:t>
-            </a:r>
-            <a:r>
-              <a:rPr lang="en-US" altLang="ko-KR" dirty="0" smtClean="0"/>
-              <a:t>(12)</a:t>
-            </a:r>
-            <a:endParaRPr lang="ko-KR" altLang="en-US" dirty="0"/>
-          </a:p>
-        </p:txBody>
-      </p:sp>
-      <p:sp>
-        <p:nvSpPr>
-          <p:cNvPr id="7" name="내용 개체 틀 6"/>
-          <p:cNvSpPr>
-            <a:spLocks noGrp="1"/>
-          </p:cNvSpPr>
-          <p:nvPr>
-            <p:ph sz="quarter" idx="10"/>
-          </p:nvPr>
-        </p:nvSpPr>
-        <p:spPr/>
-        <p:txBody>
-          <a:bodyPr>
-            <a:normAutofit/>
-          </a:bodyPr>
-          <a:lstStyle/>
-          <a:p>
-            <a:pPr lvl="1"/>
-            <a:endParaRPr lang="en-US" altLang="ko-KR" dirty="0" smtClean="0">
-              <a:solidFill>
-                <a:srgbClr val="0070C0"/>
-              </a:solidFill>
-            </a:endParaRPr>
-          </a:p>
-          <a:p>
-            <a:pPr lvl="1"/>
-            <a:endParaRPr lang="en-US" altLang="ko-KR" dirty="0"/>
-          </a:p>
-          <a:p>
-            <a:pPr lvl="1"/>
-            <a:endParaRPr lang="en-US" altLang="ko-KR" dirty="0" smtClean="0"/>
-          </a:p>
-          <a:p>
-            <a:pPr lvl="1"/>
-            <a:endParaRPr lang="en-US" altLang="ko-KR" dirty="0" smtClean="0"/>
-          </a:p>
-          <a:p>
-            <a:pPr lvl="1"/>
-            <a:endParaRPr lang="en-US" altLang="ko-KR" dirty="0" smtClean="0"/>
-          </a:p>
-        </p:txBody>
-      </p:sp>
-      <p:pic>
-        <p:nvPicPr>
-          <p:cNvPr id="5" name="그림 4" descr="13-6-5.JPG"/>
-          <p:cNvPicPr>
-            <a:picLocks noChangeAspect="1"/>
-          </p:cNvPicPr>
-          <p:nvPr/>
-        </p:nvPicPr>
-        <p:blipFill>
-          <a:blip r:embed="rId2" cstate="print"/>
-          <a:stretch>
-            <a:fillRect/>
-          </a:stretch>
-        </p:blipFill>
-        <p:spPr>
-          <a:xfrm>
-            <a:off x="566555" y="1043735"/>
-            <a:ext cx="8317198" cy="5220580"/>
-          </a:xfrm>
-          <a:prstGeom prst="rect">
-            <a:avLst/>
-          </a:prstGeom>
-        </p:spPr>
-      </p:pic>
-    </p:spTree>
-    <p:extLst>
-      <p:ext uri="{BB962C8B-B14F-4D97-AF65-F5344CB8AC3E}">
-        <p14:creationId xmlns:p14="http://schemas.microsoft.com/office/powerpoint/2010/main" val="3682128107"/>
-      </p:ext>
-    </p:extLst>
-  </p:cSld>
-  <p:clrMapOvr>
-    <a:masterClrMapping/>
-  </p:clrMapOvr>
-  <p:timing>
-    <p:tnLst>
-      <p:par>
-        <p:cTn id="1" dur="indefinite" restart="never" nodeType="tmRoot"/>
-      </p:par>
-    </p:tnLst>
-  </p:timing>
-</p:sld>
-</file>
-
-<file path=ppt/slides/slide36.xml><?xml version="1.0" encoding="utf-8"?>
-<p:sld xmlns:a="http://schemas.openxmlformats.org/drawingml/2006/main" xmlns:r="http://schemas.openxmlformats.org/officeDocument/2006/relationships" xmlns:p="http://schemas.openxmlformats.org/presentationml/2006/main">
-  <p:cSld>
-    <p:spTree>
-      <p:nvGrpSpPr>
-        <p:cNvPr id="1" name=""/>
-        <p:cNvGrpSpPr/>
-        <p:nvPr/>
-      </p:nvGrpSpPr>
-      <p:grpSpPr>
-        <a:xfrm>
-          <a:off x="0" y="0"/>
-          <a:ext cx="0" cy="0"/>
-          <a:chOff x="0" y="0"/>
-          <a:chExt cx="0" cy="0"/>
-        </a:xfrm>
-      </p:grpSpPr>
-      <p:sp>
-        <p:nvSpPr>
-          <p:cNvPr id="6" name="제목 5"/>
-          <p:cNvSpPr>
-            <a:spLocks noGrp="1"/>
-          </p:cNvSpPr>
-          <p:nvPr>
-            <p:ph type="title"/>
-          </p:nvPr>
-        </p:nvSpPr>
-        <p:spPr/>
-        <p:txBody>
-          <a:bodyPr/>
-          <a:lstStyle/>
-          <a:p>
-            <a:r>
-              <a:rPr lang="en-US" altLang="ko-KR" spc="-150" dirty="0"/>
-              <a:t>Section</a:t>
-            </a:r>
-            <a:r>
-              <a:rPr lang="en-US" altLang="ko-KR" dirty="0"/>
-              <a:t> </a:t>
-            </a:r>
-            <a:r>
-              <a:rPr lang="en-US" altLang="ko-KR" dirty="0" smtClean="0"/>
-              <a:t>07 </a:t>
-            </a:r>
-            <a:r>
-              <a:rPr lang="ko-KR" altLang="en-US" dirty="0" smtClean="0"/>
-              <a:t>속성 지정과 이벤트 연결</a:t>
-            </a:r>
-            <a:r>
-              <a:rPr lang="en-US" altLang="ko-KR" dirty="0" smtClean="0"/>
-              <a:t>(13)</a:t>
-            </a:r>
-            <a:endParaRPr lang="ko-KR" altLang="en-US" dirty="0"/>
-          </a:p>
-        </p:txBody>
-      </p:sp>
-      <p:sp>
-        <p:nvSpPr>
-          <p:cNvPr id="7" name="내용 개체 틀 6"/>
-          <p:cNvSpPr>
-            <a:spLocks noGrp="1"/>
-          </p:cNvSpPr>
-          <p:nvPr>
-            <p:ph sz="quarter" idx="10"/>
-          </p:nvPr>
-        </p:nvSpPr>
-        <p:spPr/>
-        <p:txBody>
-          <a:bodyPr>
-            <a:normAutofit/>
-          </a:bodyPr>
-          <a:lstStyle/>
-          <a:p>
-            <a:pPr lvl="1"/>
-            <a:endParaRPr lang="en-US" altLang="ko-KR" dirty="0" smtClean="0">
-              <a:solidFill>
-                <a:srgbClr val="0070C0"/>
-              </a:solidFill>
-            </a:endParaRPr>
-          </a:p>
-          <a:p>
-            <a:pPr lvl="1"/>
-            <a:endParaRPr lang="en-US" altLang="ko-KR" dirty="0"/>
-          </a:p>
-          <a:p>
-            <a:pPr lvl="1"/>
-            <a:endParaRPr lang="en-US" altLang="ko-KR" dirty="0" smtClean="0"/>
-          </a:p>
-          <a:p>
-            <a:pPr lvl="1"/>
-            <a:endParaRPr lang="en-US" altLang="ko-KR" dirty="0" smtClean="0"/>
-          </a:p>
-          <a:p>
-            <a:pPr lvl="1"/>
-            <a:endParaRPr lang="en-US" altLang="ko-KR" dirty="0" smtClean="0"/>
-          </a:p>
-        </p:txBody>
-      </p:sp>
-      <p:pic>
-        <p:nvPicPr>
-          <p:cNvPr id="8" name="그림 7" descr="13-7.JPG"/>
-          <p:cNvPicPr>
-            <a:picLocks noChangeAspect="1"/>
-          </p:cNvPicPr>
-          <p:nvPr/>
-        </p:nvPicPr>
-        <p:blipFill>
-          <a:blip r:embed="rId2" cstate="print"/>
-          <a:stretch>
-            <a:fillRect/>
-          </a:stretch>
-        </p:blipFill>
-        <p:spPr>
-          <a:xfrm>
-            <a:off x="836585" y="728700"/>
-            <a:ext cx="7245805" cy="5875908"/>
-          </a:xfrm>
-          <a:prstGeom prst="rect">
-            <a:avLst/>
-          </a:prstGeom>
-        </p:spPr>
-      </p:pic>
-    </p:spTree>
-    <p:extLst>
-      <p:ext uri="{BB962C8B-B14F-4D97-AF65-F5344CB8AC3E}">
-        <p14:creationId xmlns:p14="http://schemas.microsoft.com/office/powerpoint/2010/main" val="3682128107"/>
-      </p:ext>
-    </p:extLst>
-  </p:cSld>
-  <p:clrMapOvr>
-    <a:masterClrMapping/>
-  </p:clrMapOvr>
-  <p:timing>
-    <p:tnLst>
-      <p:par>
-        <p:cTn id="1" dur="indefinite" restart="never" nodeType="tmRoot"/>
-      </p:par>
-    </p:tnLst>
-  </p:timing>
-</p:sld>
-</file>
-
-<file path=ppt/slides/slide37.xml><?xml version="1.0" encoding="utf-8"?>
-<p:sld xmlns:a="http://schemas.openxmlformats.org/drawingml/2006/main" xmlns:r="http://schemas.openxmlformats.org/officeDocument/2006/relationships" xmlns:p="http://schemas.openxmlformats.org/presentationml/2006/main">
-  <p:cSld>
-    <p:spTree>
-      <p:nvGrpSpPr>
-        <p:cNvPr id="1" name=""/>
-        <p:cNvGrpSpPr/>
-        <p:nvPr/>
-      </p:nvGrpSpPr>
-      <p:grpSpPr>
-        <a:xfrm>
-          <a:off x="0" y="0"/>
-          <a:ext cx="0" cy="0"/>
-          <a:chOff x="0" y="0"/>
-          <a:chExt cx="0" cy="0"/>
-        </a:xfrm>
-      </p:grpSpPr>
-      <p:sp>
-        <p:nvSpPr>
-          <p:cNvPr id="6" name="제목 5"/>
-          <p:cNvSpPr>
-            <a:spLocks noGrp="1"/>
-          </p:cNvSpPr>
-          <p:nvPr>
-            <p:ph type="title"/>
-          </p:nvPr>
-        </p:nvSpPr>
-        <p:spPr/>
-        <p:txBody>
-          <a:bodyPr/>
-          <a:lstStyle/>
-          <a:p>
-            <a:r>
-              <a:rPr lang="en-US" altLang="ko-KR" spc="-150" dirty="0"/>
-              <a:t>Section</a:t>
-            </a:r>
-            <a:r>
-              <a:rPr lang="en-US" altLang="ko-KR" dirty="0"/>
-              <a:t> </a:t>
-            </a:r>
-            <a:r>
-              <a:rPr lang="en-US" altLang="ko-KR" dirty="0" smtClean="0"/>
-              <a:t>07 </a:t>
-            </a:r>
-            <a:r>
-              <a:rPr lang="ko-KR" altLang="en-US" dirty="0" smtClean="0"/>
-              <a:t>속성 지정과 이벤트 연결</a:t>
-            </a:r>
-            <a:r>
-              <a:rPr lang="en-US" altLang="ko-KR" dirty="0" smtClean="0"/>
-              <a:t>(14)</a:t>
-            </a:r>
-            <a:endParaRPr lang="ko-KR" altLang="en-US" dirty="0"/>
-          </a:p>
-        </p:txBody>
-      </p:sp>
-      <p:sp>
-        <p:nvSpPr>
-          <p:cNvPr id="7" name="내용 개체 틀 6"/>
-          <p:cNvSpPr>
-            <a:spLocks noGrp="1"/>
-          </p:cNvSpPr>
-          <p:nvPr>
-            <p:ph sz="quarter" idx="10"/>
-          </p:nvPr>
-        </p:nvSpPr>
-        <p:spPr/>
-        <p:txBody>
-          <a:bodyPr>
-            <a:normAutofit/>
-          </a:bodyPr>
-          <a:lstStyle/>
-          <a:p>
-            <a:pPr lvl="1"/>
-            <a:endParaRPr lang="en-US" altLang="ko-KR" dirty="0" smtClean="0">
-              <a:solidFill>
-                <a:srgbClr val="0070C0"/>
-              </a:solidFill>
-            </a:endParaRPr>
-          </a:p>
-          <a:p>
-            <a:pPr lvl="1"/>
-            <a:endParaRPr lang="en-US" altLang="ko-KR" dirty="0"/>
-          </a:p>
-          <a:p>
-            <a:pPr lvl="1"/>
-            <a:endParaRPr lang="en-US" altLang="ko-KR" dirty="0" smtClean="0"/>
-          </a:p>
-          <a:p>
-            <a:pPr lvl="1"/>
-            <a:endParaRPr lang="en-US" altLang="ko-KR" dirty="0" smtClean="0"/>
-          </a:p>
-          <a:p>
-            <a:pPr lvl="1"/>
-            <a:endParaRPr lang="en-US" altLang="ko-KR" dirty="0" smtClean="0"/>
-          </a:p>
-        </p:txBody>
-      </p:sp>
-      <p:pic>
-        <p:nvPicPr>
-          <p:cNvPr id="5" name="그림 4" descr="13-7-1.JPG"/>
-          <p:cNvPicPr>
-            <a:picLocks noChangeAspect="1"/>
-          </p:cNvPicPr>
-          <p:nvPr/>
-        </p:nvPicPr>
-        <p:blipFill>
-          <a:blip r:embed="rId2" cstate="print"/>
-          <a:stretch>
-            <a:fillRect/>
-          </a:stretch>
-        </p:blipFill>
-        <p:spPr>
-          <a:xfrm>
-            <a:off x="926594" y="773704"/>
-            <a:ext cx="6345705" cy="5743265"/>
-          </a:xfrm>
-          <a:prstGeom prst="rect">
-            <a:avLst/>
-          </a:prstGeom>
-        </p:spPr>
-      </p:pic>
-    </p:spTree>
-    <p:extLst>
-      <p:ext uri="{BB962C8B-B14F-4D97-AF65-F5344CB8AC3E}">
-        <p14:creationId xmlns:p14="http://schemas.microsoft.com/office/powerpoint/2010/main" val="3682128107"/>
-      </p:ext>
-    </p:extLst>
-  </p:cSld>
-  <p:clrMapOvr>
-    <a:masterClrMapping/>
-  </p:clrMapOvr>
-  <p:timing>
-    <p:tnLst>
-      <p:par>
-        <p:cTn id="1" dur="indefinite" restart="never" nodeType="tmRoot"/>
-      </p:par>
-    </p:tnLst>
-  </p:timing>
-</p:sld>
-</file>
-
-<file path=ppt/slides/slide38.xml><?xml version="1.0" encoding="utf-8"?>
-<p:sld xmlns:a="http://schemas.openxmlformats.org/drawingml/2006/main" xmlns:r="http://schemas.openxmlformats.org/officeDocument/2006/relationships" xmlns:p="http://schemas.openxmlformats.org/presentationml/2006/main">
-  <p:cSld>
-    <p:spTree>
-      <p:nvGrpSpPr>
-        <p:cNvPr id="1" name=""/>
-        <p:cNvGrpSpPr/>
-        <p:nvPr/>
-      </p:nvGrpSpPr>
-      <p:grpSpPr>
-        <a:xfrm>
-          <a:off x="0" y="0"/>
-          <a:ext cx="0" cy="0"/>
-          <a:chOff x="0" y="0"/>
-          <a:chExt cx="0" cy="0"/>
-        </a:xfrm>
-      </p:grpSpPr>
-      <p:sp>
-        <p:nvSpPr>
-          <p:cNvPr id="6" name="제목 5"/>
-          <p:cNvSpPr>
-            <a:spLocks noGrp="1"/>
-          </p:cNvSpPr>
-          <p:nvPr>
-            <p:ph type="title"/>
-          </p:nvPr>
-        </p:nvSpPr>
-        <p:spPr/>
-        <p:txBody>
-          <a:bodyPr/>
-          <a:lstStyle/>
-          <a:p>
-            <a:r>
-              <a:rPr lang="en-US" altLang="ko-KR" spc="-150" dirty="0"/>
-              <a:t>Section</a:t>
-            </a:r>
-            <a:r>
-              <a:rPr lang="en-US" altLang="ko-KR" dirty="0"/>
-              <a:t> </a:t>
-            </a:r>
-            <a:r>
-              <a:rPr lang="en-US" altLang="ko-KR" dirty="0" smtClean="0"/>
-              <a:t>07 </a:t>
-            </a:r>
-            <a:r>
-              <a:rPr lang="ko-KR" altLang="en-US" dirty="0" smtClean="0"/>
-              <a:t>속성 지정과 이벤트 연결</a:t>
-            </a:r>
-            <a:r>
-              <a:rPr lang="en-US" altLang="ko-KR" dirty="0" smtClean="0"/>
-              <a:t>(15)</a:t>
-            </a:r>
-            <a:endParaRPr lang="ko-KR" altLang="en-US" dirty="0"/>
-          </a:p>
-        </p:txBody>
-      </p:sp>
-      <p:sp>
-        <p:nvSpPr>
-          <p:cNvPr id="7" name="내용 개체 틀 6"/>
-          <p:cNvSpPr>
-            <a:spLocks noGrp="1"/>
-          </p:cNvSpPr>
-          <p:nvPr>
-            <p:ph sz="quarter" idx="10"/>
-          </p:nvPr>
-        </p:nvSpPr>
-        <p:spPr/>
-        <p:txBody>
-          <a:bodyPr>
-            <a:normAutofit/>
-          </a:bodyPr>
-          <a:lstStyle/>
-          <a:p>
-            <a:pPr lvl="1"/>
-            <a:endParaRPr lang="en-US" altLang="ko-KR" dirty="0" smtClean="0">
-              <a:solidFill>
-                <a:srgbClr val="0070C0"/>
-              </a:solidFill>
-            </a:endParaRPr>
-          </a:p>
-          <a:p>
-            <a:pPr lvl="1"/>
-            <a:endParaRPr lang="en-US" altLang="ko-KR" dirty="0"/>
-          </a:p>
-          <a:p>
-            <a:pPr lvl="1"/>
-            <a:endParaRPr lang="en-US" altLang="ko-KR" dirty="0" smtClean="0"/>
-          </a:p>
-          <a:p>
-            <a:pPr lvl="1"/>
-            <a:endParaRPr lang="en-US" altLang="ko-KR" dirty="0" smtClean="0"/>
-          </a:p>
-          <a:p>
-            <a:pPr lvl="1"/>
-            <a:endParaRPr lang="en-US" altLang="ko-KR" dirty="0" smtClean="0"/>
-          </a:p>
-        </p:txBody>
-      </p:sp>
-      <p:pic>
-        <p:nvPicPr>
-          <p:cNvPr id="9" name="그림 8" descr="13-7-2.JPG"/>
-          <p:cNvPicPr>
-            <a:picLocks noChangeAspect="1"/>
-          </p:cNvPicPr>
-          <p:nvPr/>
-        </p:nvPicPr>
-        <p:blipFill>
-          <a:blip r:embed="rId2" cstate="print"/>
-          <a:stretch>
-            <a:fillRect/>
-          </a:stretch>
-        </p:blipFill>
-        <p:spPr>
-          <a:xfrm>
-            <a:off x="566555" y="998730"/>
-            <a:ext cx="7717347" cy="4860540"/>
-          </a:xfrm>
-          <a:prstGeom prst="rect">
-            <a:avLst/>
-          </a:prstGeom>
-        </p:spPr>
-      </p:pic>
-    </p:spTree>
-    <p:extLst>
-      <p:ext uri="{BB962C8B-B14F-4D97-AF65-F5344CB8AC3E}">
-        <p14:creationId xmlns:p14="http://schemas.microsoft.com/office/powerpoint/2010/main" val="3682128107"/>
-      </p:ext>
-    </p:extLst>
-  </p:cSld>
-  <p:clrMapOvr>
-    <a:masterClrMapping/>
-  </p:clrMapOvr>
-  <p:timing>
-    <p:tnLst>
-      <p:par>
-        <p:cTn id="1" dur="indefinite" restart="never" nodeType="tmRoot"/>
-      </p:par>
-    </p:tnLst>
-  </p:timing>
-</p:sld>
-</file>
-
-<file path=ppt/slides/slide39.xml><?xml version="1.0" encoding="utf-8"?>
-<p:sld xmlns:a="http://schemas.openxmlformats.org/drawingml/2006/main" xmlns:r="http://schemas.openxmlformats.org/officeDocument/2006/relationships" xmlns:p="http://schemas.openxmlformats.org/presentationml/2006/main">
-  <p:cSld>
-    <p:spTree>
-      <p:nvGrpSpPr>
-        <p:cNvPr id="1" name=""/>
-        <p:cNvGrpSpPr/>
-        <p:nvPr/>
-      </p:nvGrpSpPr>
-      <p:grpSpPr>
-        <a:xfrm>
-          <a:off x="0" y="0"/>
-          <a:ext cx="0" cy="0"/>
-          <a:chOff x="0" y="0"/>
-          <a:chExt cx="0" cy="0"/>
-        </a:xfrm>
-      </p:grpSpPr>
-      <p:sp>
-        <p:nvSpPr>
-          <p:cNvPr id="6" name="제목 5"/>
-          <p:cNvSpPr>
-            <a:spLocks noGrp="1"/>
-          </p:cNvSpPr>
-          <p:nvPr>
-            <p:ph type="title"/>
-          </p:nvPr>
-        </p:nvSpPr>
-        <p:spPr/>
-        <p:txBody>
-          <a:bodyPr/>
-          <a:lstStyle/>
-          <a:p>
-            <a:r>
-              <a:rPr lang="en-US" altLang="ko-KR" spc="-150" dirty="0"/>
-              <a:t>Section</a:t>
-            </a:r>
-            <a:r>
-              <a:rPr lang="en-US" altLang="ko-KR" dirty="0"/>
-              <a:t> </a:t>
-            </a:r>
-            <a:r>
-              <a:rPr lang="en-US" altLang="ko-KR" dirty="0" smtClean="0"/>
-              <a:t>07 </a:t>
-            </a:r>
-            <a:r>
-              <a:rPr lang="ko-KR" altLang="en-US" dirty="0" smtClean="0"/>
-              <a:t>속성 지정과 이벤트 연결</a:t>
-            </a:r>
-            <a:r>
-              <a:rPr lang="en-US" altLang="ko-KR" dirty="0" smtClean="0"/>
-              <a:t>(16)</a:t>
-            </a:r>
-            <a:endParaRPr lang="ko-KR" altLang="en-US" dirty="0"/>
-          </a:p>
-        </p:txBody>
-      </p:sp>
-      <p:sp>
-        <p:nvSpPr>
-          <p:cNvPr id="7" name="내용 개체 틀 6"/>
-          <p:cNvSpPr>
-            <a:spLocks noGrp="1"/>
-          </p:cNvSpPr>
-          <p:nvPr>
-            <p:ph sz="quarter" idx="10"/>
-          </p:nvPr>
-        </p:nvSpPr>
-        <p:spPr/>
-        <p:txBody>
-          <a:bodyPr>
-            <a:normAutofit/>
-          </a:bodyPr>
-          <a:lstStyle/>
-          <a:p>
-            <a:pPr lvl="1"/>
-            <a:endParaRPr lang="en-US" altLang="ko-KR" dirty="0" smtClean="0">
-              <a:solidFill>
-                <a:srgbClr val="0070C0"/>
-              </a:solidFill>
-            </a:endParaRPr>
-          </a:p>
-          <a:p>
-            <a:pPr lvl="1"/>
-            <a:endParaRPr lang="en-US" altLang="ko-KR" dirty="0"/>
-          </a:p>
-          <a:p>
-            <a:pPr lvl="1"/>
-            <a:endParaRPr lang="en-US" altLang="ko-KR" dirty="0" smtClean="0"/>
-          </a:p>
-          <a:p>
-            <a:pPr lvl="1"/>
-            <a:endParaRPr lang="en-US" altLang="ko-KR" dirty="0" smtClean="0"/>
-          </a:p>
-          <a:p>
-            <a:pPr lvl="1"/>
-            <a:endParaRPr lang="en-US" altLang="ko-KR" dirty="0" smtClean="0"/>
-          </a:p>
-        </p:txBody>
-      </p:sp>
-      <p:pic>
-        <p:nvPicPr>
-          <p:cNvPr id="5" name="그림 4" descr="13-7-3.JPG"/>
-          <p:cNvPicPr>
-            <a:picLocks noChangeAspect="1"/>
-          </p:cNvPicPr>
-          <p:nvPr/>
-        </p:nvPicPr>
-        <p:blipFill>
-          <a:blip r:embed="rId2" cstate="print"/>
-          <a:stretch>
-            <a:fillRect/>
-          </a:stretch>
-        </p:blipFill>
-        <p:spPr>
-          <a:xfrm>
-            <a:off x="521550" y="818710"/>
-            <a:ext cx="8085074" cy="5490610"/>
-          </a:xfrm>
-          <a:prstGeom prst="rect">
-            <a:avLst/>
-          </a:prstGeom>
-        </p:spPr>
-      </p:pic>
-    </p:spTree>
-    <p:extLst>
-      <p:ext uri="{BB962C8B-B14F-4D97-AF65-F5344CB8AC3E}">
-        <p14:creationId xmlns:p14="http://schemas.microsoft.com/office/powerpoint/2010/main" val="3682128107"/>
-      </p:ext>
-    </p:extLst>
-  </p:cSld>
-  <p:clrMapOvr>
-    <a:masterClrMapping/>
-  </p:clrMapOvr>
-  <p:timing>
-    <p:tnLst>
-      <p:par>
-        <p:cTn id="1" dur="indefinite" restart="never" nodeType="tmRoot"/>
-      </p:par>
-    </p:tnLst>
-  </p:timing>
-</p:sld>
-</file>
-
-<file path=ppt/slides/slide4.xml><?xml version="1.0" encoding="utf-8"?>
+<file path=ppt/slides/slide3.xml><?xml version="1.0" encoding="utf-8"?>
 <p:sld xmlns:a="http://schemas.openxmlformats.org/drawingml/2006/main" xmlns:r="http://schemas.openxmlformats.org/officeDocument/2006/relationships" xmlns:p="http://schemas.openxmlformats.org/presentationml/2006/main">
   <p:cSld>
     <p:spTree>
@@ -12660,7 +10506,1285 @@
 </p:sld>
 </file>
 
-<file path=ppt/slides/slide40.xml><?xml version="1.0" encoding="utf-8"?>
+<file path=ppt/slides/slide30.xml><?xml version="1.0" encoding="utf-8"?>
+<p:sld xmlns:a="http://schemas.openxmlformats.org/drawingml/2006/main" xmlns:r="http://schemas.openxmlformats.org/officeDocument/2006/relationships" xmlns:p="http://schemas.openxmlformats.org/presentationml/2006/main">
+  <p:cSld>
+    <p:spTree>
+      <p:nvGrpSpPr>
+        <p:cNvPr id="1" name=""/>
+        <p:cNvGrpSpPr/>
+        <p:nvPr/>
+      </p:nvGrpSpPr>
+      <p:grpSpPr>
+        <a:xfrm>
+          <a:off x="0" y="0"/>
+          <a:ext cx="0" cy="0"/>
+          <a:chOff x="0" y="0"/>
+          <a:chExt cx="0" cy="0"/>
+        </a:xfrm>
+      </p:grpSpPr>
+      <p:sp>
+        <p:nvSpPr>
+          <p:cNvPr id="6" name="제목 5"/>
+          <p:cNvSpPr>
+            <a:spLocks noGrp="1"/>
+          </p:cNvSpPr>
+          <p:nvPr>
+            <p:ph type="title"/>
+          </p:nvPr>
+        </p:nvSpPr>
+        <p:spPr/>
+        <p:txBody>
+          <a:bodyPr/>
+          <a:lstStyle/>
+          <a:p>
+            <a:r>
+              <a:rPr lang="en-US" altLang="ko-KR" spc="-150" dirty="0"/>
+              <a:t>Section</a:t>
+            </a:r>
+            <a:r>
+              <a:rPr lang="en-US" altLang="ko-KR" dirty="0"/>
+              <a:t> </a:t>
+            </a:r>
+            <a:r>
+              <a:rPr lang="en-US" altLang="ko-KR" dirty="0" smtClean="0"/>
+              <a:t>07 </a:t>
+            </a:r>
+            <a:r>
+              <a:rPr lang="ko-KR" altLang="en-US" dirty="0" smtClean="0"/>
+              <a:t>속성 지정과 이벤트 연결</a:t>
+            </a:r>
+            <a:r>
+              <a:rPr lang="en-US" altLang="ko-KR" dirty="0" smtClean="0"/>
+              <a:t>(8)</a:t>
+            </a:r>
+            <a:endParaRPr lang="ko-KR" altLang="en-US" dirty="0"/>
+          </a:p>
+        </p:txBody>
+      </p:sp>
+      <p:sp>
+        <p:nvSpPr>
+          <p:cNvPr id="7" name="내용 개체 틀 6"/>
+          <p:cNvSpPr>
+            <a:spLocks noGrp="1"/>
+          </p:cNvSpPr>
+          <p:nvPr>
+            <p:ph sz="quarter" idx="10"/>
+          </p:nvPr>
+        </p:nvSpPr>
+        <p:spPr/>
+        <p:txBody>
+          <a:bodyPr>
+            <a:normAutofit/>
+          </a:bodyPr>
+          <a:lstStyle/>
+          <a:p>
+            <a:pPr lvl="1"/>
+            <a:endParaRPr lang="en-US" altLang="ko-KR" dirty="0" smtClean="0">
+              <a:solidFill>
+                <a:srgbClr val="0070C0"/>
+              </a:solidFill>
+            </a:endParaRPr>
+          </a:p>
+          <a:p>
+            <a:pPr lvl="1"/>
+            <a:endParaRPr lang="en-US" altLang="ko-KR" dirty="0"/>
+          </a:p>
+          <a:p>
+            <a:pPr lvl="1"/>
+            <a:endParaRPr lang="en-US" altLang="ko-KR" dirty="0" smtClean="0"/>
+          </a:p>
+          <a:p>
+            <a:pPr lvl="1"/>
+            <a:endParaRPr lang="en-US" altLang="ko-KR" dirty="0" smtClean="0"/>
+          </a:p>
+          <a:p>
+            <a:pPr lvl="1"/>
+            <a:endParaRPr lang="en-US" altLang="ko-KR" dirty="0" smtClean="0"/>
+          </a:p>
+        </p:txBody>
+      </p:sp>
+      <p:pic>
+        <p:nvPicPr>
+          <p:cNvPr id="5" name="그림 4" descr="13-6-1.JPG"/>
+          <p:cNvPicPr>
+            <a:picLocks noChangeAspect="1"/>
+          </p:cNvPicPr>
+          <p:nvPr/>
+        </p:nvPicPr>
+        <p:blipFill>
+          <a:blip r:embed="rId2" cstate="print"/>
+          <a:stretch>
+            <a:fillRect/>
+          </a:stretch>
+        </p:blipFill>
+        <p:spPr>
+          <a:xfrm>
+            <a:off x="701570" y="863715"/>
+            <a:ext cx="7200800" cy="5863508"/>
+          </a:xfrm>
+          <a:prstGeom prst="rect">
+            <a:avLst/>
+          </a:prstGeom>
+        </p:spPr>
+      </p:pic>
+    </p:spTree>
+    <p:extLst>
+      <p:ext uri="{BB962C8B-B14F-4D97-AF65-F5344CB8AC3E}">
+        <p14:creationId xmlns:p14="http://schemas.microsoft.com/office/powerpoint/2010/main" val="3682128107"/>
+      </p:ext>
+    </p:extLst>
+  </p:cSld>
+  <p:clrMapOvr>
+    <a:masterClrMapping/>
+  </p:clrMapOvr>
+  <p:timing>
+    <p:tnLst>
+      <p:par>
+        <p:cTn id="1" dur="indefinite" restart="never" nodeType="tmRoot"/>
+      </p:par>
+    </p:tnLst>
+  </p:timing>
+</p:sld>
+</file>
+
+<file path=ppt/slides/slide31.xml><?xml version="1.0" encoding="utf-8"?>
+<p:sld xmlns:a="http://schemas.openxmlformats.org/drawingml/2006/main" xmlns:r="http://schemas.openxmlformats.org/officeDocument/2006/relationships" xmlns:p="http://schemas.openxmlformats.org/presentationml/2006/main">
+  <p:cSld>
+    <p:spTree>
+      <p:nvGrpSpPr>
+        <p:cNvPr id="1" name=""/>
+        <p:cNvGrpSpPr/>
+        <p:nvPr/>
+      </p:nvGrpSpPr>
+      <p:grpSpPr>
+        <a:xfrm>
+          <a:off x="0" y="0"/>
+          <a:ext cx="0" cy="0"/>
+          <a:chOff x="0" y="0"/>
+          <a:chExt cx="0" cy="0"/>
+        </a:xfrm>
+      </p:grpSpPr>
+      <p:sp>
+        <p:nvSpPr>
+          <p:cNvPr id="6" name="제목 5"/>
+          <p:cNvSpPr>
+            <a:spLocks noGrp="1"/>
+          </p:cNvSpPr>
+          <p:nvPr>
+            <p:ph type="title"/>
+          </p:nvPr>
+        </p:nvSpPr>
+        <p:spPr/>
+        <p:txBody>
+          <a:bodyPr/>
+          <a:lstStyle/>
+          <a:p>
+            <a:r>
+              <a:rPr lang="en-US" altLang="ko-KR" spc="-150" dirty="0"/>
+              <a:t>Section</a:t>
+            </a:r>
+            <a:r>
+              <a:rPr lang="en-US" altLang="ko-KR" dirty="0"/>
+              <a:t> </a:t>
+            </a:r>
+            <a:r>
+              <a:rPr lang="en-US" altLang="ko-KR" dirty="0" smtClean="0"/>
+              <a:t>07 </a:t>
+            </a:r>
+            <a:r>
+              <a:rPr lang="ko-KR" altLang="en-US" dirty="0" smtClean="0"/>
+              <a:t>속성 지정과 이벤트 연결</a:t>
+            </a:r>
+            <a:r>
+              <a:rPr lang="en-US" altLang="ko-KR" dirty="0" smtClean="0"/>
+              <a:t>(9)</a:t>
+            </a:r>
+            <a:endParaRPr lang="ko-KR" altLang="en-US" dirty="0"/>
+          </a:p>
+        </p:txBody>
+      </p:sp>
+      <p:sp>
+        <p:nvSpPr>
+          <p:cNvPr id="7" name="내용 개체 틀 6"/>
+          <p:cNvSpPr>
+            <a:spLocks noGrp="1"/>
+          </p:cNvSpPr>
+          <p:nvPr>
+            <p:ph sz="quarter" idx="10"/>
+          </p:nvPr>
+        </p:nvSpPr>
+        <p:spPr/>
+        <p:txBody>
+          <a:bodyPr>
+            <a:normAutofit/>
+          </a:bodyPr>
+          <a:lstStyle/>
+          <a:p>
+            <a:pPr lvl="1"/>
+            <a:endParaRPr lang="en-US" altLang="ko-KR" dirty="0" smtClean="0">
+              <a:solidFill>
+                <a:srgbClr val="0070C0"/>
+              </a:solidFill>
+            </a:endParaRPr>
+          </a:p>
+          <a:p>
+            <a:pPr lvl="1"/>
+            <a:endParaRPr lang="en-US" altLang="ko-KR" dirty="0"/>
+          </a:p>
+          <a:p>
+            <a:pPr lvl="1"/>
+            <a:endParaRPr lang="en-US" altLang="ko-KR" dirty="0" smtClean="0"/>
+          </a:p>
+          <a:p>
+            <a:pPr lvl="1"/>
+            <a:endParaRPr lang="en-US" altLang="ko-KR" dirty="0" smtClean="0"/>
+          </a:p>
+          <a:p>
+            <a:pPr lvl="1"/>
+            <a:endParaRPr lang="en-US" altLang="ko-KR" dirty="0" smtClean="0"/>
+          </a:p>
+        </p:txBody>
+      </p:sp>
+      <p:pic>
+        <p:nvPicPr>
+          <p:cNvPr id="9" name="그림 8" descr="13-6-2.JPG"/>
+          <p:cNvPicPr>
+            <a:picLocks noChangeAspect="1"/>
+          </p:cNvPicPr>
+          <p:nvPr/>
+        </p:nvPicPr>
+        <p:blipFill>
+          <a:blip r:embed="rId2" cstate="print"/>
+          <a:stretch>
+            <a:fillRect/>
+          </a:stretch>
+        </p:blipFill>
+        <p:spPr>
+          <a:xfrm>
+            <a:off x="746575" y="863715"/>
+            <a:ext cx="7729672" cy="5400600"/>
+          </a:xfrm>
+          <a:prstGeom prst="rect">
+            <a:avLst/>
+          </a:prstGeom>
+        </p:spPr>
+      </p:pic>
+    </p:spTree>
+    <p:extLst>
+      <p:ext uri="{BB962C8B-B14F-4D97-AF65-F5344CB8AC3E}">
+        <p14:creationId xmlns:p14="http://schemas.microsoft.com/office/powerpoint/2010/main" val="3682128107"/>
+      </p:ext>
+    </p:extLst>
+  </p:cSld>
+  <p:clrMapOvr>
+    <a:masterClrMapping/>
+  </p:clrMapOvr>
+  <p:timing>
+    <p:tnLst>
+      <p:par>
+        <p:cTn id="1" dur="indefinite" restart="never" nodeType="tmRoot"/>
+      </p:par>
+    </p:tnLst>
+  </p:timing>
+</p:sld>
+</file>
+
+<file path=ppt/slides/slide32.xml><?xml version="1.0" encoding="utf-8"?>
+<p:sld xmlns:a="http://schemas.openxmlformats.org/drawingml/2006/main" xmlns:r="http://schemas.openxmlformats.org/officeDocument/2006/relationships" xmlns:p="http://schemas.openxmlformats.org/presentationml/2006/main">
+  <p:cSld>
+    <p:spTree>
+      <p:nvGrpSpPr>
+        <p:cNvPr id="1" name=""/>
+        <p:cNvGrpSpPr/>
+        <p:nvPr/>
+      </p:nvGrpSpPr>
+      <p:grpSpPr>
+        <a:xfrm>
+          <a:off x="0" y="0"/>
+          <a:ext cx="0" cy="0"/>
+          <a:chOff x="0" y="0"/>
+          <a:chExt cx="0" cy="0"/>
+        </a:xfrm>
+      </p:grpSpPr>
+      <p:sp>
+        <p:nvSpPr>
+          <p:cNvPr id="6" name="제목 5"/>
+          <p:cNvSpPr>
+            <a:spLocks noGrp="1"/>
+          </p:cNvSpPr>
+          <p:nvPr>
+            <p:ph type="title"/>
+          </p:nvPr>
+        </p:nvSpPr>
+        <p:spPr/>
+        <p:txBody>
+          <a:bodyPr/>
+          <a:lstStyle/>
+          <a:p>
+            <a:r>
+              <a:rPr lang="en-US" altLang="ko-KR" spc="-150" dirty="0"/>
+              <a:t>Section</a:t>
+            </a:r>
+            <a:r>
+              <a:rPr lang="en-US" altLang="ko-KR" dirty="0"/>
+              <a:t> </a:t>
+            </a:r>
+            <a:r>
+              <a:rPr lang="en-US" altLang="ko-KR" dirty="0" smtClean="0"/>
+              <a:t>07 </a:t>
+            </a:r>
+            <a:r>
+              <a:rPr lang="ko-KR" altLang="en-US" dirty="0" smtClean="0"/>
+              <a:t>속성 지정과 이벤트 연결</a:t>
+            </a:r>
+            <a:r>
+              <a:rPr lang="en-US" altLang="ko-KR" dirty="0" smtClean="0"/>
+              <a:t>(10)</a:t>
+            </a:r>
+            <a:endParaRPr lang="ko-KR" altLang="en-US" dirty="0"/>
+          </a:p>
+        </p:txBody>
+      </p:sp>
+      <p:sp>
+        <p:nvSpPr>
+          <p:cNvPr id="7" name="내용 개체 틀 6"/>
+          <p:cNvSpPr>
+            <a:spLocks noGrp="1"/>
+          </p:cNvSpPr>
+          <p:nvPr>
+            <p:ph sz="quarter" idx="10"/>
+          </p:nvPr>
+        </p:nvSpPr>
+        <p:spPr/>
+        <p:txBody>
+          <a:bodyPr>
+            <a:normAutofit/>
+          </a:bodyPr>
+          <a:lstStyle/>
+          <a:p>
+            <a:pPr lvl="1"/>
+            <a:endParaRPr lang="en-US" altLang="ko-KR" dirty="0" smtClean="0">
+              <a:solidFill>
+                <a:srgbClr val="0070C0"/>
+              </a:solidFill>
+            </a:endParaRPr>
+          </a:p>
+          <a:p>
+            <a:pPr lvl="1"/>
+            <a:endParaRPr lang="en-US" altLang="ko-KR" dirty="0"/>
+          </a:p>
+          <a:p>
+            <a:pPr lvl="1"/>
+            <a:endParaRPr lang="en-US" altLang="ko-KR" dirty="0" smtClean="0"/>
+          </a:p>
+          <a:p>
+            <a:pPr lvl="1"/>
+            <a:endParaRPr lang="en-US" altLang="ko-KR" dirty="0" smtClean="0"/>
+          </a:p>
+          <a:p>
+            <a:pPr lvl="1"/>
+            <a:endParaRPr lang="en-US" altLang="ko-KR" dirty="0" smtClean="0"/>
+          </a:p>
+        </p:txBody>
+      </p:sp>
+      <p:pic>
+        <p:nvPicPr>
+          <p:cNvPr id="5" name="그림 4" descr="13-6-3.JPG"/>
+          <p:cNvPicPr>
+            <a:picLocks noChangeAspect="1"/>
+          </p:cNvPicPr>
+          <p:nvPr/>
+        </p:nvPicPr>
+        <p:blipFill>
+          <a:blip r:embed="rId2" cstate="print"/>
+          <a:stretch>
+            <a:fillRect/>
+          </a:stretch>
+        </p:blipFill>
+        <p:spPr>
+          <a:xfrm>
+            <a:off x="746574" y="863715"/>
+            <a:ext cx="6705745" cy="5805234"/>
+          </a:xfrm>
+          <a:prstGeom prst="rect">
+            <a:avLst/>
+          </a:prstGeom>
+        </p:spPr>
+      </p:pic>
+    </p:spTree>
+    <p:extLst>
+      <p:ext uri="{BB962C8B-B14F-4D97-AF65-F5344CB8AC3E}">
+        <p14:creationId xmlns:p14="http://schemas.microsoft.com/office/powerpoint/2010/main" val="3682128107"/>
+      </p:ext>
+    </p:extLst>
+  </p:cSld>
+  <p:clrMapOvr>
+    <a:masterClrMapping/>
+  </p:clrMapOvr>
+  <p:timing>
+    <p:tnLst>
+      <p:par>
+        <p:cTn id="1" dur="indefinite" restart="never" nodeType="tmRoot"/>
+      </p:par>
+    </p:tnLst>
+  </p:timing>
+</p:sld>
+</file>
+
+<file path=ppt/slides/slide33.xml><?xml version="1.0" encoding="utf-8"?>
+<p:sld xmlns:a="http://schemas.openxmlformats.org/drawingml/2006/main" xmlns:r="http://schemas.openxmlformats.org/officeDocument/2006/relationships" xmlns:p="http://schemas.openxmlformats.org/presentationml/2006/main">
+  <p:cSld>
+    <p:spTree>
+      <p:nvGrpSpPr>
+        <p:cNvPr id="1" name=""/>
+        <p:cNvGrpSpPr/>
+        <p:nvPr/>
+      </p:nvGrpSpPr>
+      <p:grpSpPr>
+        <a:xfrm>
+          <a:off x="0" y="0"/>
+          <a:ext cx="0" cy="0"/>
+          <a:chOff x="0" y="0"/>
+          <a:chExt cx="0" cy="0"/>
+        </a:xfrm>
+      </p:grpSpPr>
+      <p:sp>
+        <p:nvSpPr>
+          <p:cNvPr id="6" name="제목 5"/>
+          <p:cNvSpPr>
+            <a:spLocks noGrp="1"/>
+          </p:cNvSpPr>
+          <p:nvPr>
+            <p:ph type="title"/>
+          </p:nvPr>
+        </p:nvSpPr>
+        <p:spPr/>
+        <p:txBody>
+          <a:bodyPr/>
+          <a:lstStyle/>
+          <a:p>
+            <a:r>
+              <a:rPr lang="en-US" altLang="ko-KR" spc="-150" dirty="0"/>
+              <a:t>Section</a:t>
+            </a:r>
+            <a:r>
+              <a:rPr lang="en-US" altLang="ko-KR" dirty="0"/>
+              <a:t> </a:t>
+            </a:r>
+            <a:r>
+              <a:rPr lang="en-US" altLang="ko-KR" dirty="0" smtClean="0"/>
+              <a:t>07 </a:t>
+            </a:r>
+            <a:r>
+              <a:rPr lang="ko-KR" altLang="en-US" dirty="0" smtClean="0"/>
+              <a:t>속성 지정과 이벤트 연결</a:t>
+            </a:r>
+            <a:r>
+              <a:rPr lang="en-US" altLang="ko-KR" dirty="0" smtClean="0"/>
+              <a:t>(11)</a:t>
+            </a:r>
+            <a:endParaRPr lang="ko-KR" altLang="en-US" dirty="0"/>
+          </a:p>
+        </p:txBody>
+      </p:sp>
+      <p:sp>
+        <p:nvSpPr>
+          <p:cNvPr id="7" name="내용 개체 틀 6"/>
+          <p:cNvSpPr>
+            <a:spLocks noGrp="1"/>
+          </p:cNvSpPr>
+          <p:nvPr>
+            <p:ph sz="quarter" idx="10"/>
+          </p:nvPr>
+        </p:nvSpPr>
+        <p:spPr/>
+        <p:txBody>
+          <a:bodyPr>
+            <a:normAutofit/>
+          </a:bodyPr>
+          <a:lstStyle/>
+          <a:p>
+            <a:pPr lvl="1"/>
+            <a:endParaRPr lang="en-US" altLang="ko-KR" dirty="0" smtClean="0">
+              <a:solidFill>
+                <a:srgbClr val="0070C0"/>
+              </a:solidFill>
+            </a:endParaRPr>
+          </a:p>
+          <a:p>
+            <a:pPr lvl="1"/>
+            <a:endParaRPr lang="en-US" altLang="ko-KR" dirty="0"/>
+          </a:p>
+          <a:p>
+            <a:pPr lvl="1"/>
+            <a:endParaRPr lang="en-US" altLang="ko-KR" dirty="0" smtClean="0"/>
+          </a:p>
+          <a:p>
+            <a:pPr lvl="1"/>
+            <a:endParaRPr lang="en-US" altLang="ko-KR" dirty="0" smtClean="0"/>
+          </a:p>
+          <a:p>
+            <a:pPr lvl="1"/>
+            <a:endParaRPr lang="en-US" altLang="ko-KR" dirty="0" smtClean="0"/>
+          </a:p>
+        </p:txBody>
+      </p:sp>
+      <p:pic>
+        <p:nvPicPr>
+          <p:cNvPr id="8" name="그림 7" descr="13-6-4.JPG"/>
+          <p:cNvPicPr>
+            <a:picLocks noChangeAspect="1"/>
+          </p:cNvPicPr>
+          <p:nvPr/>
+        </p:nvPicPr>
+        <p:blipFill>
+          <a:blip r:embed="rId2" cstate="print"/>
+          <a:stretch>
+            <a:fillRect/>
+          </a:stretch>
+        </p:blipFill>
+        <p:spPr>
+          <a:xfrm>
+            <a:off x="791580" y="863715"/>
+            <a:ext cx="7677752" cy="5265585"/>
+          </a:xfrm>
+          <a:prstGeom prst="rect">
+            <a:avLst/>
+          </a:prstGeom>
+        </p:spPr>
+      </p:pic>
+    </p:spTree>
+    <p:extLst>
+      <p:ext uri="{BB962C8B-B14F-4D97-AF65-F5344CB8AC3E}">
+        <p14:creationId xmlns:p14="http://schemas.microsoft.com/office/powerpoint/2010/main" val="3682128107"/>
+      </p:ext>
+    </p:extLst>
+  </p:cSld>
+  <p:clrMapOvr>
+    <a:masterClrMapping/>
+  </p:clrMapOvr>
+  <p:timing>
+    <p:tnLst>
+      <p:par>
+        <p:cTn id="1" dur="indefinite" restart="never" nodeType="tmRoot"/>
+      </p:par>
+    </p:tnLst>
+  </p:timing>
+</p:sld>
+</file>
+
+<file path=ppt/slides/slide34.xml><?xml version="1.0" encoding="utf-8"?>
+<p:sld xmlns:a="http://schemas.openxmlformats.org/drawingml/2006/main" xmlns:r="http://schemas.openxmlformats.org/officeDocument/2006/relationships" xmlns:p="http://schemas.openxmlformats.org/presentationml/2006/main">
+  <p:cSld>
+    <p:spTree>
+      <p:nvGrpSpPr>
+        <p:cNvPr id="1" name=""/>
+        <p:cNvGrpSpPr/>
+        <p:nvPr/>
+      </p:nvGrpSpPr>
+      <p:grpSpPr>
+        <a:xfrm>
+          <a:off x="0" y="0"/>
+          <a:ext cx="0" cy="0"/>
+          <a:chOff x="0" y="0"/>
+          <a:chExt cx="0" cy="0"/>
+        </a:xfrm>
+      </p:grpSpPr>
+      <p:sp>
+        <p:nvSpPr>
+          <p:cNvPr id="6" name="제목 5"/>
+          <p:cNvSpPr>
+            <a:spLocks noGrp="1"/>
+          </p:cNvSpPr>
+          <p:nvPr>
+            <p:ph type="title"/>
+          </p:nvPr>
+        </p:nvSpPr>
+        <p:spPr/>
+        <p:txBody>
+          <a:bodyPr/>
+          <a:lstStyle/>
+          <a:p>
+            <a:r>
+              <a:rPr lang="en-US" altLang="ko-KR" spc="-150" dirty="0"/>
+              <a:t>Section</a:t>
+            </a:r>
+            <a:r>
+              <a:rPr lang="en-US" altLang="ko-KR" dirty="0"/>
+              <a:t> </a:t>
+            </a:r>
+            <a:r>
+              <a:rPr lang="en-US" altLang="ko-KR" dirty="0" smtClean="0"/>
+              <a:t>07 </a:t>
+            </a:r>
+            <a:r>
+              <a:rPr lang="ko-KR" altLang="en-US" dirty="0" smtClean="0"/>
+              <a:t>속성 지정과 이벤트 연결</a:t>
+            </a:r>
+            <a:r>
+              <a:rPr lang="en-US" altLang="ko-KR" dirty="0" smtClean="0"/>
+              <a:t>(12)</a:t>
+            </a:r>
+            <a:endParaRPr lang="ko-KR" altLang="en-US" dirty="0"/>
+          </a:p>
+        </p:txBody>
+      </p:sp>
+      <p:sp>
+        <p:nvSpPr>
+          <p:cNvPr id="7" name="내용 개체 틀 6"/>
+          <p:cNvSpPr>
+            <a:spLocks noGrp="1"/>
+          </p:cNvSpPr>
+          <p:nvPr>
+            <p:ph sz="quarter" idx="10"/>
+          </p:nvPr>
+        </p:nvSpPr>
+        <p:spPr/>
+        <p:txBody>
+          <a:bodyPr>
+            <a:normAutofit/>
+          </a:bodyPr>
+          <a:lstStyle/>
+          <a:p>
+            <a:pPr lvl="1"/>
+            <a:endParaRPr lang="en-US" altLang="ko-KR" dirty="0" smtClean="0">
+              <a:solidFill>
+                <a:srgbClr val="0070C0"/>
+              </a:solidFill>
+            </a:endParaRPr>
+          </a:p>
+          <a:p>
+            <a:pPr lvl="1"/>
+            <a:endParaRPr lang="en-US" altLang="ko-KR" dirty="0"/>
+          </a:p>
+          <a:p>
+            <a:pPr lvl="1"/>
+            <a:endParaRPr lang="en-US" altLang="ko-KR" dirty="0" smtClean="0"/>
+          </a:p>
+          <a:p>
+            <a:pPr lvl="1"/>
+            <a:endParaRPr lang="en-US" altLang="ko-KR" dirty="0" smtClean="0"/>
+          </a:p>
+          <a:p>
+            <a:pPr lvl="1"/>
+            <a:endParaRPr lang="en-US" altLang="ko-KR" dirty="0" smtClean="0"/>
+          </a:p>
+        </p:txBody>
+      </p:sp>
+      <p:pic>
+        <p:nvPicPr>
+          <p:cNvPr id="5" name="그림 4" descr="13-6-5.JPG"/>
+          <p:cNvPicPr>
+            <a:picLocks noChangeAspect="1"/>
+          </p:cNvPicPr>
+          <p:nvPr/>
+        </p:nvPicPr>
+        <p:blipFill>
+          <a:blip r:embed="rId2" cstate="print"/>
+          <a:stretch>
+            <a:fillRect/>
+          </a:stretch>
+        </p:blipFill>
+        <p:spPr>
+          <a:xfrm>
+            <a:off x="566555" y="1043735"/>
+            <a:ext cx="8317198" cy="5220580"/>
+          </a:xfrm>
+          <a:prstGeom prst="rect">
+            <a:avLst/>
+          </a:prstGeom>
+        </p:spPr>
+      </p:pic>
+    </p:spTree>
+    <p:extLst>
+      <p:ext uri="{BB962C8B-B14F-4D97-AF65-F5344CB8AC3E}">
+        <p14:creationId xmlns:p14="http://schemas.microsoft.com/office/powerpoint/2010/main" val="3682128107"/>
+      </p:ext>
+    </p:extLst>
+  </p:cSld>
+  <p:clrMapOvr>
+    <a:masterClrMapping/>
+  </p:clrMapOvr>
+  <p:timing>
+    <p:tnLst>
+      <p:par>
+        <p:cTn id="1" dur="indefinite" restart="never" nodeType="tmRoot"/>
+      </p:par>
+    </p:tnLst>
+  </p:timing>
+</p:sld>
+</file>
+
+<file path=ppt/slides/slide35.xml><?xml version="1.0" encoding="utf-8"?>
+<p:sld xmlns:a="http://schemas.openxmlformats.org/drawingml/2006/main" xmlns:r="http://schemas.openxmlformats.org/officeDocument/2006/relationships" xmlns:p="http://schemas.openxmlformats.org/presentationml/2006/main">
+  <p:cSld>
+    <p:spTree>
+      <p:nvGrpSpPr>
+        <p:cNvPr id="1" name=""/>
+        <p:cNvGrpSpPr/>
+        <p:nvPr/>
+      </p:nvGrpSpPr>
+      <p:grpSpPr>
+        <a:xfrm>
+          <a:off x="0" y="0"/>
+          <a:ext cx="0" cy="0"/>
+          <a:chOff x="0" y="0"/>
+          <a:chExt cx="0" cy="0"/>
+        </a:xfrm>
+      </p:grpSpPr>
+      <p:sp>
+        <p:nvSpPr>
+          <p:cNvPr id="6" name="제목 5"/>
+          <p:cNvSpPr>
+            <a:spLocks noGrp="1"/>
+          </p:cNvSpPr>
+          <p:nvPr>
+            <p:ph type="title"/>
+          </p:nvPr>
+        </p:nvSpPr>
+        <p:spPr/>
+        <p:txBody>
+          <a:bodyPr/>
+          <a:lstStyle/>
+          <a:p>
+            <a:r>
+              <a:rPr lang="en-US" altLang="ko-KR" spc="-150" dirty="0"/>
+              <a:t>Section</a:t>
+            </a:r>
+            <a:r>
+              <a:rPr lang="en-US" altLang="ko-KR" dirty="0"/>
+              <a:t> </a:t>
+            </a:r>
+            <a:r>
+              <a:rPr lang="en-US" altLang="ko-KR" dirty="0" smtClean="0"/>
+              <a:t>07 </a:t>
+            </a:r>
+            <a:r>
+              <a:rPr lang="ko-KR" altLang="en-US" dirty="0" smtClean="0"/>
+              <a:t>속성 지정과 이벤트 연결</a:t>
+            </a:r>
+            <a:r>
+              <a:rPr lang="en-US" altLang="ko-KR" dirty="0" smtClean="0"/>
+              <a:t>(13)</a:t>
+            </a:r>
+            <a:endParaRPr lang="ko-KR" altLang="en-US" dirty="0"/>
+          </a:p>
+        </p:txBody>
+      </p:sp>
+      <p:sp>
+        <p:nvSpPr>
+          <p:cNvPr id="7" name="내용 개체 틀 6"/>
+          <p:cNvSpPr>
+            <a:spLocks noGrp="1"/>
+          </p:cNvSpPr>
+          <p:nvPr>
+            <p:ph sz="quarter" idx="10"/>
+          </p:nvPr>
+        </p:nvSpPr>
+        <p:spPr/>
+        <p:txBody>
+          <a:bodyPr>
+            <a:normAutofit/>
+          </a:bodyPr>
+          <a:lstStyle/>
+          <a:p>
+            <a:pPr lvl="1"/>
+            <a:endParaRPr lang="en-US" altLang="ko-KR" dirty="0" smtClean="0">
+              <a:solidFill>
+                <a:srgbClr val="0070C0"/>
+              </a:solidFill>
+            </a:endParaRPr>
+          </a:p>
+          <a:p>
+            <a:pPr lvl="1"/>
+            <a:endParaRPr lang="en-US" altLang="ko-KR" dirty="0"/>
+          </a:p>
+          <a:p>
+            <a:pPr lvl="1"/>
+            <a:endParaRPr lang="en-US" altLang="ko-KR" dirty="0" smtClean="0"/>
+          </a:p>
+          <a:p>
+            <a:pPr lvl="1"/>
+            <a:endParaRPr lang="en-US" altLang="ko-KR" dirty="0" smtClean="0"/>
+          </a:p>
+          <a:p>
+            <a:pPr lvl="1"/>
+            <a:endParaRPr lang="en-US" altLang="ko-KR" dirty="0" smtClean="0"/>
+          </a:p>
+        </p:txBody>
+      </p:sp>
+      <p:pic>
+        <p:nvPicPr>
+          <p:cNvPr id="8" name="그림 7" descr="13-7.JPG"/>
+          <p:cNvPicPr>
+            <a:picLocks noChangeAspect="1"/>
+          </p:cNvPicPr>
+          <p:nvPr/>
+        </p:nvPicPr>
+        <p:blipFill>
+          <a:blip r:embed="rId2" cstate="print"/>
+          <a:stretch>
+            <a:fillRect/>
+          </a:stretch>
+        </p:blipFill>
+        <p:spPr>
+          <a:xfrm>
+            <a:off x="836585" y="728700"/>
+            <a:ext cx="7245805" cy="5875908"/>
+          </a:xfrm>
+          <a:prstGeom prst="rect">
+            <a:avLst/>
+          </a:prstGeom>
+        </p:spPr>
+      </p:pic>
+    </p:spTree>
+    <p:extLst>
+      <p:ext uri="{BB962C8B-B14F-4D97-AF65-F5344CB8AC3E}">
+        <p14:creationId xmlns:p14="http://schemas.microsoft.com/office/powerpoint/2010/main" val="3682128107"/>
+      </p:ext>
+    </p:extLst>
+  </p:cSld>
+  <p:clrMapOvr>
+    <a:masterClrMapping/>
+  </p:clrMapOvr>
+  <p:timing>
+    <p:tnLst>
+      <p:par>
+        <p:cTn id="1" dur="indefinite" restart="never" nodeType="tmRoot"/>
+      </p:par>
+    </p:tnLst>
+  </p:timing>
+</p:sld>
+</file>
+
+<file path=ppt/slides/slide36.xml><?xml version="1.0" encoding="utf-8"?>
+<p:sld xmlns:a="http://schemas.openxmlformats.org/drawingml/2006/main" xmlns:r="http://schemas.openxmlformats.org/officeDocument/2006/relationships" xmlns:p="http://schemas.openxmlformats.org/presentationml/2006/main">
+  <p:cSld>
+    <p:spTree>
+      <p:nvGrpSpPr>
+        <p:cNvPr id="1" name=""/>
+        <p:cNvGrpSpPr/>
+        <p:nvPr/>
+      </p:nvGrpSpPr>
+      <p:grpSpPr>
+        <a:xfrm>
+          <a:off x="0" y="0"/>
+          <a:ext cx="0" cy="0"/>
+          <a:chOff x="0" y="0"/>
+          <a:chExt cx="0" cy="0"/>
+        </a:xfrm>
+      </p:grpSpPr>
+      <p:sp>
+        <p:nvSpPr>
+          <p:cNvPr id="6" name="제목 5"/>
+          <p:cNvSpPr>
+            <a:spLocks noGrp="1"/>
+          </p:cNvSpPr>
+          <p:nvPr>
+            <p:ph type="title"/>
+          </p:nvPr>
+        </p:nvSpPr>
+        <p:spPr/>
+        <p:txBody>
+          <a:bodyPr/>
+          <a:lstStyle/>
+          <a:p>
+            <a:r>
+              <a:rPr lang="en-US" altLang="ko-KR" spc="-150" dirty="0"/>
+              <a:t>Section</a:t>
+            </a:r>
+            <a:r>
+              <a:rPr lang="en-US" altLang="ko-KR" dirty="0"/>
+              <a:t> </a:t>
+            </a:r>
+            <a:r>
+              <a:rPr lang="en-US" altLang="ko-KR" dirty="0" smtClean="0"/>
+              <a:t>07 </a:t>
+            </a:r>
+            <a:r>
+              <a:rPr lang="ko-KR" altLang="en-US" dirty="0" smtClean="0"/>
+              <a:t>속성 지정과 이벤트 연결</a:t>
+            </a:r>
+            <a:r>
+              <a:rPr lang="en-US" altLang="ko-KR" dirty="0" smtClean="0"/>
+              <a:t>(14)</a:t>
+            </a:r>
+            <a:endParaRPr lang="ko-KR" altLang="en-US" dirty="0"/>
+          </a:p>
+        </p:txBody>
+      </p:sp>
+      <p:sp>
+        <p:nvSpPr>
+          <p:cNvPr id="7" name="내용 개체 틀 6"/>
+          <p:cNvSpPr>
+            <a:spLocks noGrp="1"/>
+          </p:cNvSpPr>
+          <p:nvPr>
+            <p:ph sz="quarter" idx="10"/>
+          </p:nvPr>
+        </p:nvSpPr>
+        <p:spPr/>
+        <p:txBody>
+          <a:bodyPr>
+            <a:normAutofit/>
+          </a:bodyPr>
+          <a:lstStyle/>
+          <a:p>
+            <a:pPr lvl="1"/>
+            <a:endParaRPr lang="en-US" altLang="ko-KR" dirty="0" smtClean="0">
+              <a:solidFill>
+                <a:srgbClr val="0070C0"/>
+              </a:solidFill>
+            </a:endParaRPr>
+          </a:p>
+          <a:p>
+            <a:pPr lvl="1"/>
+            <a:endParaRPr lang="en-US" altLang="ko-KR" dirty="0"/>
+          </a:p>
+          <a:p>
+            <a:pPr lvl="1"/>
+            <a:endParaRPr lang="en-US" altLang="ko-KR" dirty="0" smtClean="0"/>
+          </a:p>
+          <a:p>
+            <a:pPr lvl="1"/>
+            <a:endParaRPr lang="en-US" altLang="ko-KR" dirty="0" smtClean="0"/>
+          </a:p>
+          <a:p>
+            <a:pPr lvl="1"/>
+            <a:endParaRPr lang="en-US" altLang="ko-KR" dirty="0" smtClean="0"/>
+          </a:p>
+        </p:txBody>
+      </p:sp>
+      <p:pic>
+        <p:nvPicPr>
+          <p:cNvPr id="5" name="그림 4" descr="13-7-1.JPG"/>
+          <p:cNvPicPr>
+            <a:picLocks noChangeAspect="1"/>
+          </p:cNvPicPr>
+          <p:nvPr/>
+        </p:nvPicPr>
+        <p:blipFill>
+          <a:blip r:embed="rId2" cstate="print"/>
+          <a:stretch>
+            <a:fillRect/>
+          </a:stretch>
+        </p:blipFill>
+        <p:spPr>
+          <a:xfrm>
+            <a:off x="926594" y="773704"/>
+            <a:ext cx="6345705" cy="5743265"/>
+          </a:xfrm>
+          <a:prstGeom prst="rect">
+            <a:avLst/>
+          </a:prstGeom>
+        </p:spPr>
+      </p:pic>
+    </p:spTree>
+    <p:extLst>
+      <p:ext uri="{BB962C8B-B14F-4D97-AF65-F5344CB8AC3E}">
+        <p14:creationId xmlns:p14="http://schemas.microsoft.com/office/powerpoint/2010/main" val="3682128107"/>
+      </p:ext>
+    </p:extLst>
+  </p:cSld>
+  <p:clrMapOvr>
+    <a:masterClrMapping/>
+  </p:clrMapOvr>
+  <p:timing>
+    <p:tnLst>
+      <p:par>
+        <p:cTn id="1" dur="indefinite" restart="never" nodeType="tmRoot"/>
+      </p:par>
+    </p:tnLst>
+  </p:timing>
+</p:sld>
+</file>
+
+<file path=ppt/slides/slide37.xml><?xml version="1.0" encoding="utf-8"?>
+<p:sld xmlns:a="http://schemas.openxmlformats.org/drawingml/2006/main" xmlns:r="http://schemas.openxmlformats.org/officeDocument/2006/relationships" xmlns:p="http://schemas.openxmlformats.org/presentationml/2006/main">
+  <p:cSld>
+    <p:spTree>
+      <p:nvGrpSpPr>
+        <p:cNvPr id="1" name=""/>
+        <p:cNvGrpSpPr/>
+        <p:nvPr/>
+      </p:nvGrpSpPr>
+      <p:grpSpPr>
+        <a:xfrm>
+          <a:off x="0" y="0"/>
+          <a:ext cx="0" cy="0"/>
+          <a:chOff x="0" y="0"/>
+          <a:chExt cx="0" cy="0"/>
+        </a:xfrm>
+      </p:grpSpPr>
+      <p:sp>
+        <p:nvSpPr>
+          <p:cNvPr id="6" name="제목 5"/>
+          <p:cNvSpPr>
+            <a:spLocks noGrp="1"/>
+          </p:cNvSpPr>
+          <p:nvPr>
+            <p:ph type="title"/>
+          </p:nvPr>
+        </p:nvSpPr>
+        <p:spPr/>
+        <p:txBody>
+          <a:bodyPr/>
+          <a:lstStyle/>
+          <a:p>
+            <a:r>
+              <a:rPr lang="en-US" altLang="ko-KR" spc="-150" dirty="0"/>
+              <a:t>Section</a:t>
+            </a:r>
+            <a:r>
+              <a:rPr lang="en-US" altLang="ko-KR" dirty="0"/>
+              <a:t> </a:t>
+            </a:r>
+            <a:r>
+              <a:rPr lang="en-US" altLang="ko-KR" dirty="0" smtClean="0"/>
+              <a:t>07 </a:t>
+            </a:r>
+            <a:r>
+              <a:rPr lang="ko-KR" altLang="en-US" dirty="0" smtClean="0"/>
+              <a:t>속성 지정과 이벤트 연결</a:t>
+            </a:r>
+            <a:r>
+              <a:rPr lang="en-US" altLang="ko-KR" dirty="0" smtClean="0"/>
+              <a:t>(15)</a:t>
+            </a:r>
+            <a:endParaRPr lang="ko-KR" altLang="en-US" dirty="0"/>
+          </a:p>
+        </p:txBody>
+      </p:sp>
+      <p:sp>
+        <p:nvSpPr>
+          <p:cNvPr id="7" name="내용 개체 틀 6"/>
+          <p:cNvSpPr>
+            <a:spLocks noGrp="1"/>
+          </p:cNvSpPr>
+          <p:nvPr>
+            <p:ph sz="quarter" idx="10"/>
+          </p:nvPr>
+        </p:nvSpPr>
+        <p:spPr/>
+        <p:txBody>
+          <a:bodyPr>
+            <a:normAutofit/>
+          </a:bodyPr>
+          <a:lstStyle/>
+          <a:p>
+            <a:pPr lvl="1"/>
+            <a:endParaRPr lang="en-US" altLang="ko-KR" dirty="0" smtClean="0">
+              <a:solidFill>
+                <a:srgbClr val="0070C0"/>
+              </a:solidFill>
+            </a:endParaRPr>
+          </a:p>
+          <a:p>
+            <a:pPr lvl="1"/>
+            <a:endParaRPr lang="en-US" altLang="ko-KR" dirty="0"/>
+          </a:p>
+          <a:p>
+            <a:pPr lvl="1"/>
+            <a:endParaRPr lang="en-US" altLang="ko-KR" dirty="0" smtClean="0"/>
+          </a:p>
+          <a:p>
+            <a:pPr lvl="1"/>
+            <a:endParaRPr lang="en-US" altLang="ko-KR" dirty="0" smtClean="0"/>
+          </a:p>
+          <a:p>
+            <a:pPr lvl="1"/>
+            <a:endParaRPr lang="en-US" altLang="ko-KR" dirty="0" smtClean="0"/>
+          </a:p>
+        </p:txBody>
+      </p:sp>
+      <p:pic>
+        <p:nvPicPr>
+          <p:cNvPr id="9" name="그림 8" descr="13-7-2.JPG"/>
+          <p:cNvPicPr>
+            <a:picLocks noChangeAspect="1"/>
+          </p:cNvPicPr>
+          <p:nvPr/>
+        </p:nvPicPr>
+        <p:blipFill>
+          <a:blip r:embed="rId2" cstate="print"/>
+          <a:stretch>
+            <a:fillRect/>
+          </a:stretch>
+        </p:blipFill>
+        <p:spPr>
+          <a:xfrm>
+            <a:off x="566555" y="998730"/>
+            <a:ext cx="7717347" cy="4860540"/>
+          </a:xfrm>
+          <a:prstGeom prst="rect">
+            <a:avLst/>
+          </a:prstGeom>
+        </p:spPr>
+      </p:pic>
+    </p:spTree>
+    <p:extLst>
+      <p:ext uri="{BB962C8B-B14F-4D97-AF65-F5344CB8AC3E}">
+        <p14:creationId xmlns:p14="http://schemas.microsoft.com/office/powerpoint/2010/main" val="3682128107"/>
+      </p:ext>
+    </p:extLst>
+  </p:cSld>
+  <p:clrMapOvr>
+    <a:masterClrMapping/>
+  </p:clrMapOvr>
+  <p:timing>
+    <p:tnLst>
+      <p:par>
+        <p:cTn id="1" dur="indefinite" restart="never" nodeType="tmRoot"/>
+      </p:par>
+    </p:tnLst>
+  </p:timing>
+</p:sld>
+</file>
+
+<file path=ppt/slides/slide38.xml><?xml version="1.0" encoding="utf-8"?>
+<p:sld xmlns:a="http://schemas.openxmlformats.org/drawingml/2006/main" xmlns:r="http://schemas.openxmlformats.org/officeDocument/2006/relationships" xmlns:p="http://schemas.openxmlformats.org/presentationml/2006/main">
+  <p:cSld>
+    <p:spTree>
+      <p:nvGrpSpPr>
+        <p:cNvPr id="1" name=""/>
+        <p:cNvGrpSpPr/>
+        <p:nvPr/>
+      </p:nvGrpSpPr>
+      <p:grpSpPr>
+        <a:xfrm>
+          <a:off x="0" y="0"/>
+          <a:ext cx="0" cy="0"/>
+          <a:chOff x="0" y="0"/>
+          <a:chExt cx="0" cy="0"/>
+        </a:xfrm>
+      </p:grpSpPr>
+      <p:sp>
+        <p:nvSpPr>
+          <p:cNvPr id="6" name="제목 5"/>
+          <p:cNvSpPr>
+            <a:spLocks noGrp="1"/>
+          </p:cNvSpPr>
+          <p:nvPr>
+            <p:ph type="title"/>
+          </p:nvPr>
+        </p:nvSpPr>
+        <p:spPr/>
+        <p:txBody>
+          <a:bodyPr/>
+          <a:lstStyle/>
+          <a:p>
+            <a:r>
+              <a:rPr lang="en-US" altLang="ko-KR" spc="-150" dirty="0"/>
+              <a:t>Section</a:t>
+            </a:r>
+            <a:r>
+              <a:rPr lang="en-US" altLang="ko-KR" dirty="0"/>
+              <a:t> </a:t>
+            </a:r>
+            <a:r>
+              <a:rPr lang="en-US" altLang="ko-KR" dirty="0" smtClean="0"/>
+              <a:t>07 </a:t>
+            </a:r>
+            <a:r>
+              <a:rPr lang="ko-KR" altLang="en-US" dirty="0" smtClean="0"/>
+              <a:t>속성 지정과 이벤트 연결</a:t>
+            </a:r>
+            <a:r>
+              <a:rPr lang="en-US" altLang="ko-KR" dirty="0" smtClean="0"/>
+              <a:t>(16)</a:t>
+            </a:r>
+            <a:endParaRPr lang="ko-KR" altLang="en-US" dirty="0"/>
+          </a:p>
+        </p:txBody>
+      </p:sp>
+      <p:sp>
+        <p:nvSpPr>
+          <p:cNvPr id="7" name="내용 개체 틀 6"/>
+          <p:cNvSpPr>
+            <a:spLocks noGrp="1"/>
+          </p:cNvSpPr>
+          <p:nvPr>
+            <p:ph sz="quarter" idx="10"/>
+          </p:nvPr>
+        </p:nvSpPr>
+        <p:spPr/>
+        <p:txBody>
+          <a:bodyPr>
+            <a:normAutofit/>
+          </a:bodyPr>
+          <a:lstStyle/>
+          <a:p>
+            <a:pPr lvl="1"/>
+            <a:endParaRPr lang="en-US" altLang="ko-KR" dirty="0" smtClean="0">
+              <a:solidFill>
+                <a:srgbClr val="0070C0"/>
+              </a:solidFill>
+            </a:endParaRPr>
+          </a:p>
+          <a:p>
+            <a:pPr lvl="1"/>
+            <a:endParaRPr lang="en-US" altLang="ko-KR" dirty="0"/>
+          </a:p>
+          <a:p>
+            <a:pPr lvl="1"/>
+            <a:endParaRPr lang="en-US" altLang="ko-KR" dirty="0" smtClean="0"/>
+          </a:p>
+          <a:p>
+            <a:pPr lvl="1"/>
+            <a:endParaRPr lang="en-US" altLang="ko-KR" dirty="0" smtClean="0"/>
+          </a:p>
+          <a:p>
+            <a:pPr lvl="1"/>
+            <a:endParaRPr lang="en-US" altLang="ko-KR" dirty="0" smtClean="0"/>
+          </a:p>
+        </p:txBody>
+      </p:sp>
+      <p:pic>
+        <p:nvPicPr>
+          <p:cNvPr id="5" name="그림 4" descr="13-7-3.JPG"/>
+          <p:cNvPicPr>
+            <a:picLocks noChangeAspect="1"/>
+          </p:cNvPicPr>
+          <p:nvPr/>
+        </p:nvPicPr>
+        <p:blipFill>
+          <a:blip r:embed="rId2" cstate="print"/>
+          <a:stretch>
+            <a:fillRect/>
+          </a:stretch>
+        </p:blipFill>
+        <p:spPr>
+          <a:xfrm>
+            <a:off x="521550" y="818710"/>
+            <a:ext cx="8085074" cy="5490610"/>
+          </a:xfrm>
+          <a:prstGeom prst="rect">
+            <a:avLst/>
+          </a:prstGeom>
+        </p:spPr>
+      </p:pic>
+    </p:spTree>
+    <p:extLst>
+      <p:ext uri="{BB962C8B-B14F-4D97-AF65-F5344CB8AC3E}">
+        <p14:creationId xmlns:p14="http://schemas.microsoft.com/office/powerpoint/2010/main" val="3682128107"/>
+      </p:ext>
+    </p:extLst>
+  </p:cSld>
+  <p:clrMapOvr>
+    <a:masterClrMapping/>
+  </p:clrMapOvr>
+  <p:timing>
+    <p:tnLst>
+      <p:par>
+        <p:cTn id="1" dur="indefinite" restart="never" nodeType="tmRoot"/>
+      </p:par>
+    </p:tnLst>
+  </p:timing>
+</p:sld>
+</file>
+
+<file path=ppt/slides/slide39.xml><?xml version="1.0" encoding="utf-8"?>
 <p:sld xmlns:a="http://schemas.openxmlformats.org/drawingml/2006/main" xmlns:r="http://schemas.openxmlformats.org/officeDocument/2006/relationships" xmlns:p="http://schemas.openxmlformats.org/presentationml/2006/main">
   <p:cSld>
     <p:spTree>
@@ -12802,259 +11926,7 @@
 </p:sld>
 </file>
 
-<file path=ppt/slides/slide41.xml><?xml version="1.0" encoding="utf-8"?>
-<p:sld xmlns:a="http://schemas.openxmlformats.org/drawingml/2006/main" xmlns:r="http://schemas.openxmlformats.org/officeDocument/2006/relationships" xmlns:p="http://schemas.openxmlformats.org/presentationml/2006/main">
-  <p:cSld>
-    <p:spTree>
-      <p:nvGrpSpPr>
-        <p:cNvPr id="1" name=""/>
-        <p:cNvGrpSpPr/>
-        <p:nvPr/>
-      </p:nvGrpSpPr>
-      <p:grpSpPr>
-        <a:xfrm>
-          <a:off x="0" y="0"/>
-          <a:ext cx="0" cy="0"/>
-          <a:chOff x="0" y="0"/>
-          <a:chExt cx="0" cy="0"/>
-        </a:xfrm>
-      </p:grpSpPr>
-      <p:sp>
-        <p:nvSpPr>
-          <p:cNvPr id="6" name="제목 5"/>
-          <p:cNvSpPr>
-            <a:spLocks noGrp="1"/>
-          </p:cNvSpPr>
-          <p:nvPr>
-            <p:ph type="title"/>
-          </p:nvPr>
-        </p:nvSpPr>
-        <p:spPr/>
-        <p:txBody>
-          <a:bodyPr/>
-          <a:lstStyle/>
-          <a:p>
-            <a:r>
-              <a:rPr lang="en-US" altLang="ko-KR" spc="-150" dirty="0"/>
-              <a:t>Section</a:t>
-            </a:r>
-            <a:r>
-              <a:rPr lang="en-US" altLang="ko-KR" dirty="0"/>
-              <a:t> </a:t>
-            </a:r>
-            <a:r>
-              <a:rPr lang="en-US" altLang="ko-KR" dirty="0" smtClean="0"/>
-              <a:t>08 </a:t>
-            </a:r>
-            <a:r>
-              <a:rPr lang="ko-KR" altLang="en-US" dirty="0" smtClean="0"/>
-              <a:t>책의 내용을 마치며</a:t>
-            </a:r>
-            <a:endParaRPr lang="ko-KR" altLang="en-US" dirty="0"/>
-          </a:p>
-        </p:txBody>
-      </p:sp>
-      <p:sp>
-        <p:nvSpPr>
-          <p:cNvPr id="7" name="내용 개체 틀 6"/>
-          <p:cNvSpPr>
-            <a:spLocks noGrp="1"/>
-          </p:cNvSpPr>
-          <p:nvPr>
-            <p:ph sz="quarter" idx="10"/>
-          </p:nvPr>
-        </p:nvSpPr>
-        <p:spPr/>
-        <p:txBody>
-          <a:bodyPr>
-            <a:normAutofit/>
-          </a:bodyPr>
-          <a:lstStyle/>
-          <a:p>
-            <a:r>
-              <a:rPr lang="ko-KR" altLang="en-US" dirty="0" smtClean="0"/>
-              <a:t>책 이외의 내용</a:t>
-            </a:r>
-            <a:endParaRPr lang="en-US" altLang="ko-KR" dirty="0" smtClean="0"/>
-          </a:p>
-          <a:p>
-            <a:pPr lvl="1"/>
-            <a:r>
-              <a:rPr lang="ko-KR" altLang="en-US" dirty="0" smtClean="0"/>
-              <a:t>웹 개발</a:t>
-            </a:r>
-            <a:r>
-              <a:rPr lang="en-US" altLang="ko-KR" dirty="0" smtClean="0"/>
-              <a:t>: ASP.NET, ASP.NET MVC</a:t>
-            </a:r>
-          </a:p>
-          <a:p>
-            <a:pPr lvl="1"/>
-            <a:r>
-              <a:rPr lang="ko-KR" altLang="en-US" dirty="0" smtClean="0"/>
-              <a:t>응용 프로그램 개발</a:t>
-            </a:r>
-            <a:r>
-              <a:rPr lang="en-US" altLang="ko-KR" dirty="0" smtClean="0"/>
-              <a:t>: WPF, </a:t>
-            </a:r>
-            <a:r>
-              <a:rPr lang="ko-KR" altLang="en-US" dirty="0" smtClean="0"/>
-              <a:t>윈도 </a:t>
-            </a:r>
-            <a:r>
-              <a:rPr lang="en-US" altLang="ko-KR" dirty="0" smtClean="0"/>
-              <a:t>10 </a:t>
-            </a:r>
-            <a:r>
-              <a:rPr lang="ko-KR" altLang="en-US" dirty="0" err="1" smtClean="0"/>
-              <a:t>유니버셜</a:t>
-            </a:r>
-            <a:r>
-              <a:rPr lang="ko-KR" altLang="en-US" dirty="0" smtClean="0"/>
-              <a:t> 응용 프로그램</a:t>
-            </a:r>
-          </a:p>
-          <a:p>
-            <a:pPr lvl="1"/>
-            <a:r>
-              <a:rPr lang="en-US" altLang="ko-KR" dirty="0" err="1" smtClean="0"/>
-              <a:t>IoT</a:t>
-            </a:r>
-            <a:r>
-              <a:rPr lang="en-US" altLang="ko-KR" dirty="0" smtClean="0"/>
-              <a:t> </a:t>
-            </a:r>
-            <a:r>
-              <a:rPr lang="ko-KR" altLang="en-US" dirty="0" smtClean="0"/>
-              <a:t>개발</a:t>
-            </a:r>
-            <a:r>
-              <a:rPr lang="en-US" altLang="ko-KR" dirty="0" smtClean="0"/>
-              <a:t>: </a:t>
-            </a:r>
-            <a:r>
-              <a:rPr lang="ko-KR" altLang="en-US" dirty="0" smtClean="0"/>
-              <a:t>윈도 </a:t>
-            </a:r>
-            <a:r>
-              <a:rPr lang="en-US" altLang="ko-KR" dirty="0" smtClean="0"/>
-              <a:t>10 </a:t>
-            </a:r>
-            <a:r>
-              <a:rPr lang="ko-KR" altLang="en-US" dirty="0" err="1" smtClean="0"/>
-              <a:t>라즈베리</a:t>
-            </a:r>
-            <a:r>
-              <a:rPr lang="ko-KR" altLang="en-US" dirty="0" smtClean="0"/>
-              <a:t> 파이</a:t>
-            </a:r>
-          </a:p>
-          <a:p>
-            <a:pPr lvl="1"/>
-            <a:r>
-              <a:rPr lang="ko-KR" altLang="en-US" dirty="0" smtClean="0"/>
-              <a:t>게임 개발</a:t>
-            </a:r>
-            <a:r>
-              <a:rPr lang="en-US" altLang="ko-KR" dirty="0" smtClean="0"/>
-              <a:t>: </a:t>
-            </a:r>
-            <a:r>
-              <a:rPr lang="ko-KR" altLang="en-US" dirty="0" err="1" smtClean="0"/>
-              <a:t>유니티</a:t>
-            </a:r>
-            <a:endParaRPr lang="en-US" altLang="ko-KR" dirty="0" smtClean="0"/>
-          </a:p>
-          <a:p>
-            <a:pPr lvl="1"/>
-            <a:endParaRPr lang="en-US" altLang="ko-KR" dirty="0" smtClean="0"/>
-          </a:p>
-          <a:p>
-            <a:pPr lvl="1">
-              <a:buNone/>
-            </a:pPr>
-            <a:endParaRPr lang="en-US" altLang="ko-KR" dirty="0" smtClean="0"/>
-          </a:p>
-          <a:p>
-            <a:pPr lvl="1"/>
-            <a:endParaRPr lang="en-US" altLang="ko-KR" dirty="0" smtClean="0"/>
-          </a:p>
-          <a:p>
-            <a:pPr lvl="1"/>
-            <a:endParaRPr lang="en-US" altLang="ko-KR" dirty="0" smtClean="0"/>
-          </a:p>
-          <a:p>
-            <a:pPr lvl="1"/>
-            <a:endParaRPr lang="en-US" altLang="ko-KR" dirty="0" smtClean="0"/>
-          </a:p>
-          <a:p>
-            <a:pPr lvl="1"/>
-            <a:endParaRPr lang="en-US" altLang="ko-KR" dirty="0" smtClean="0"/>
-          </a:p>
-        </p:txBody>
-      </p:sp>
-    </p:spTree>
-    <p:extLst>
-      <p:ext uri="{BB962C8B-B14F-4D97-AF65-F5344CB8AC3E}">
-        <p14:creationId xmlns:p14="http://schemas.microsoft.com/office/powerpoint/2010/main" val="3682128107"/>
-      </p:ext>
-    </p:extLst>
-  </p:cSld>
-  <p:clrMapOvr>
-    <a:masterClrMapping/>
-  </p:clrMapOvr>
-  <p:timing>
-    <p:tnLst>
-      <p:par>
-        <p:cTn id="1" dur="indefinite" restart="never" nodeType="tmRoot"/>
-      </p:par>
-    </p:tnLst>
-  </p:timing>
-</p:sld>
-</file>
-
-<file path=ppt/slides/slide42.xml><?xml version="1.0" encoding="utf-8"?>
-<p:sld xmlns:a="http://schemas.openxmlformats.org/drawingml/2006/main" xmlns:r="http://schemas.openxmlformats.org/officeDocument/2006/relationships" xmlns:p="http://schemas.openxmlformats.org/presentationml/2006/main">
-  <p:cSld>
-    <p:spTree>
-      <p:nvGrpSpPr>
-        <p:cNvPr id="1" name=""/>
-        <p:cNvGrpSpPr/>
-        <p:nvPr/>
-      </p:nvGrpSpPr>
-      <p:grpSpPr>
-        <a:xfrm>
-          <a:off x="0" y="0"/>
-          <a:ext cx="0" cy="0"/>
-          <a:chOff x="0" y="0"/>
-          <a:chExt cx="0" cy="0"/>
-        </a:xfrm>
-      </p:grpSpPr>
-    </p:spTree>
-    <p:custDataLst>
-      <p:tags r:id="rId1"/>
-    </p:custDataLst>
-    <p:extLst>
-      <p:ext uri="{BB962C8B-B14F-4D97-AF65-F5344CB8AC3E}">
-        <p14:creationId xmlns:p14="http://schemas.microsoft.com/office/powerpoint/2010/main" val="3702501"/>
-      </p:ext>
-    </p:extLst>
-  </p:cSld>
-  <p:clrMapOvr>
-    <a:masterClrMapping/>
-  </p:clrMapOvr>
-  <p:timing>
-    <p:tnLst>
-      <p:par>
-        <p:cTn id="1" dur="indefinite" restart="never" nodeType="tmRoot"/>
-      </p:par>
-    </p:tnLst>
-  </p:timing>
-</p:sld>
-</file>
-
-<file path=ppt/slides/slide5.xml><?xml version="1.0" encoding="utf-8"?>
+<file path=ppt/slides/slide4.xml><?xml version="1.0" encoding="utf-8"?>
 <p:sld xmlns:a="http://schemas.openxmlformats.org/drawingml/2006/main" xmlns:r="http://schemas.openxmlformats.org/officeDocument/2006/relationships" xmlns:p="http://schemas.openxmlformats.org/presentationml/2006/main">
   <p:cSld>
     <p:spTree>
@@ -13325,7 +12197,259 @@
 </p:sld>
 </file>
 
-<file path=ppt/slides/slide6.xml><?xml version="1.0" encoding="utf-8"?>
+<file path=ppt/slides/slide40.xml><?xml version="1.0" encoding="utf-8"?>
+<p:sld xmlns:a="http://schemas.openxmlformats.org/drawingml/2006/main" xmlns:r="http://schemas.openxmlformats.org/officeDocument/2006/relationships" xmlns:p="http://schemas.openxmlformats.org/presentationml/2006/main">
+  <p:cSld>
+    <p:spTree>
+      <p:nvGrpSpPr>
+        <p:cNvPr id="1" name=""/>
+        <p:cNvGrpSpPr/>
+        <p:nvPr/>
+      </p:nvGrpSpPr>
+      <p:grpSpPr>
+        <a:xfrm>
+          <a:off x="0" y="0"/>
+          <a:ext cx="0" cy="0"/>
+          <a:chOff x="0" y="0"/>
+          <a:chExt cx="0" cy="0"/>
+        </a:xfrm>
+      </p:grpSpPr>
+      <p:sp>
+        <p:nvSpPr>
+          <p:cNvPr id="6" name="제목 5"/>
+          <p:cNvSpPr>
+            <a:spLocks noGrp="1"/>
+          </p:cNvSpPr>
+          <p:nvPr>
+            <p:ph type="title"/>
+          </p:nvPr>
+        </p:nvSpPr>
+        <p:spPr/>
+        <p:txBody>
+          <a:bodyPr/>
+          <a:lstStyle/>
+          <a:p>
+            <a:r>
+              <a:rPr lang="en-US" altLang="ko-KR" spc="-150" dirty="0"/>
+              <a:t>Section</a:t>
+            </a:r>
+            <a:r>
+              <a:rPr lang="en-US" altLang="ko-KR" dirty="0"/>
+              <a:t> </a:t>
+            </a:r>
+            <a:r>
+              <a:rPr lang="en-US" altLang="ko-KR" dirty="0" smtClean="0"/>
+              <a:t>08 </a:t>
+            </a:r>
+            <a:r>
+              <a:rPr lang="ko-KR" altLang="en-US" dirty="0" smtClean="0"/>
+              <a:t>책의 내용을 마치며</a:t>
+            </a:r>
+            <a:endParaRPr lang="ko-KR" altLang="en-US" dirty="0"/>
+          </a:p>
+        </p:txBody>
+      </p:sp>
+      <p:sp>
+        <p:nvSpPr>
+          <p:cNvPr id="7" name="내용 개체 틀 6"/>
+          <p:cNvSpPr>
+            <a:spLocks noGrp="1"/>
+          </p:cNvSpPr>
+          <p:nvPr>
+            <p:ph sz="quarter" idx="10"/>
+          </p:nvPr>
+        </p:nvSpPr>
+        <p:spPr/>
+        <p:txBody>
+          <a:bodyPr>
+            <a:normAutofit/>
+          </a:bodyPr>
+          <a:lstStyle/>
+          <a:p>
+            <a:r>
+              <a:rPr lang="ko-KR" altLang="en-US" dirty="0" smtClean="0"/>
+              <a:t>책 이외의 내용</a:t>
+            </a:r>
+            <a:endParaRPr lang="en-US" altLang="ko-KR" dirty="0" smtClean="0"/>
+          </a:p>
+          <a:p>
+            <a:pPr lvl="1"/>
+            <a:r>
+              <a:rPr lang="ko-KR" altLang="en-US" dirty="0" smtClean="0"/>
+              <a:t>웹 개발</a:t>
+            </a:r>
+            <a:r>
+              <a:rPr lang="en-US" altLang="ko-KR" dirty="0" smtClean="0"/>
+              <a:t>: ASP.NET, ASP.NET MVC</a:t>
+            </a:r>
+          </a:p>
+          <a:p>
+            <a:pPr lvl="1"/>
+            <a:r>
+              <a:rPr lang="ko-KR" altLang="en-US" dirty="0" smtClean="0"/>
+              <a:t>응용 프로그램 개발</a:t>
+            </a:r>
+            <a:r>
+              <a:rPr lang="en-US" altLang="ko-KR" dirty="0" smtClean="0"/>
+              <a:t>: WPF, </a:t>
+            </a:r>
+            <a:r>
+              <a:rPr lang="ko-KR" altLang="en-US" dirty="0" smtClean="0"/>
+              <a:t>윈도 </a:t>
+            </a:r>
+            <a:r>
+              <a:rPr lang="en-US" altLang="ko-KR" dirty="0" smtClean="0"/>
+              <a:t>10 </a:t>
+            </a:r>
+            <a:r>
+              <a:rPr lang="ko-KR" altLang="en-US" dirty="0" err="1" smtClean="0"/>
+              <a:t>유니버셜</a:t>
+            </a:r>
+            <a:r>
+              <a:rPr lang="ko-KR" altLang="en-US" dirty="0" smtClean="0"/>
+              <a:t> 응용 프로그램</a:t>
+            </a:r>
+          </a:p>
+          <a:p>
+            <a:pPr lvl="1"/>
+            <a:r>
+              <a:rPr lang="en-US" altLang="ko-KR" dirty="0" err="1" smtClean="0"/>
+              <a:t>IoT</a:t>
+            </a:r>
+            <a:r>
+              <a:rPr lang="en-US" altLang="ko-KR" dirty="0" smtClean="0"/>
+              <a:t> </a:t>
+            </a:r>
+            <a:r>
+              <a:rPr lang="ko-KR" altLang="en-US" dirty="0" smtClean="0"/>
+              <a:t>개발</a:t>
+            </a:r>
+            <a:r>
+              <a:rPr lang="en-US" altLang="ko-KR" dirty="0" smtClean="0"/>
+              <a:t>: </a:t>
+            </a:r>
+            <a:r>
+              <a:rPr lang="ko-KR" altLang="en-US" dirty="0" smtClean="0"/>
+              <a:t>윈도 </a:t>
+            </a:r>
+            <a:r>
+              <a:rPr lang="en-US" altLang="ko-KR" dirty="0" smtClean="0"/>
+              <a:t>10 </a:t>
+            </a:r>
+            <a:r>
+              <a:rPr lang="ko-KR" altLang="en-US" dirty="0" err="1" smtClean="0"/>
+              <a:t>라즈베리</a:t>
+            </a:r>
+            <a:r>
+              <a:rPr lang="ko-KR" altLang="en-US" dirty="0" smtClean="0"/>
+              <a:t> 파이</a:t>
+            </a:r>
+          </a:p>
+          <a:p>
+            <a:pPr lvl="1"/>
+            <a:r>
+              <a:rPr lang="ko-KR" altLang="en-US" dirty="0" smtClean="0"/>
+              <a:t>게임 개발</a:t>
+            </a:r>
+            <a:r>
+              <a:rPr lang="en-US" altLang="ko-KR" dirty="0" smtClean="0"/>
+              <a:t>: </a:t>
+            </a:r>
+            <a:r>
+              <a:rPr lang="ko-KR" altLang="en-US" dirty="0" err="1" smtClean="0"/>
+              <a:t>유니티</a:t>
+            </a:r>
+            <a:endParaRPr lang="en-US" altLang="ko-KR" dirty="0" smtClean="0"/>
+          </a:p>
+          <a:p>
+            <a:pPr lvl="1"/>
+            <a:endParaRPr lang="en-US" altLang="ko-KR" dirty="0" smtClean="0"/>
+          </a:p>
+          <a:p>
+            <a:pPr lvl="1">
+              <a:buNone/>
+            </a:pPr>
+            <a:endParaRPr lang="en-US" altLang="ko-KR" dirty="0" smtClean="0"/>
+          </a:p>
+          <a:p>
+            <a:pPr lvl="1"/>
+            <a:endParaRPr lang="en-US" altLang="ko-KR" dirty="0" smtClean="0"/>
+          </a:p>
+          <a:p>
+            <a:pPr lvl="1"/>
+            <a:endParaRPr lang="en-US" altLang="ko-KR" dirty="0" smtClean="0"/>
+          </a:p>
+          <a:p>
+            <a:pPr lvl="1"/>
+            <a:endParaRPr lang="en-US" altLang="ko-KR" dirty="0" smtClean="0"/>
+          </a:p>
+          <a:p>
+            <a:pPr lvl="1"/>
+            <a:endParaRPr lang="en-US" altLang="ko-KR" dirty="0" smtClean="0"/>
+          </a:p>
+        </p:txBody>
+      </p:sp>
+    </p:spTree>
+    <p:extLst>
+      <p:ext uri="{BB962C8B-B14F-4D97-AF65-F5344CB8AC3E}">
+        <p14:creationId xmlns:p14="http://schemas.microsoft.com/office/powerpoint/2010/main" val="3682128107"/>
+      </p:ext>
+    </p:extLst>
+  </p:cSld>
+  <p:clrMapOvr>
+    <a:masterClrMapping/>
+  </p:clrMapOvr>
+  <p:timing>
+    <p:tnLst>
+      <p:par>
+        <p:cTn id="1" dur="indefinite" restart="never" nodeType="tmRoot"/>
+      </p:par>
+    </p:tnLst>
+  </p:timing>
+</p:sld>
+</file>
+
+<file path=ppt/slides/slide41.xml><?xml version="1.0" encoding="utf-8"?>
+<p:sld xmlns:a="http://schemas.openxmlformats.org/drawingml/2006/main" xmlns:r="http://schemas.openxmlformats.org/officeDocument/2006/relationships" xmlns:p="http://schemas.openxmlformats.org/presentationml/2006/main">
+  <p:cSld>
+    <p:spTree>
+      <p:nvGrpSpPr>
+        <p:cNvPr id="1" name=""/>
+        <p:cNvGrpSpPr/>
+        <p:nvPr/>
+      </p:nvGrpSpPr>
+      <p:grpSpPr>
+        <a:xfrm>
+          <a:off x="0" y="0"/>
+          <a:ext cx="0" cy="0"/>
+          <a:chOff x="0" y="0"/>
+          <a:chExt cx="0" cy="0"/>
+        </a:xfrm>
+      </p:grpSpPr>
+    </p:spTree>
+    <p:custDataLst>
+      <p:tags r:id="rId1"/>
+    </p:custDataLst>
+    <p:extLst>
+      <p:ext uri="{BB962C8B-B14F-4D97-AF65-F5344CB8AC3E}">
+        <p14:creationId xmlns:p14="http://schemas.microsoft.com/office/powerpoint/2010/main" val="3702501"/>
+      </p:ext>
+    </p:extLst>
+  </p:cSld>
+  <p:clrMapOvr>
+    <a:masterClrMapping/>
+  </p:clrMapOvr>
+  <p:timing>
+    <p:tnLst>
+      <p:par>
+        <p:cTn id="1" dur="indefinite" restart="never" nodeType="tmRoot"/>
+      </p:par>
+    </p:tnLst>
+  </p:timing>
+</p:sld>
+</file>
+
+<file path=ppt/slides/slide5.xml><?xml version="1.0" encoding="utf-8"?>
 <p:sld xmlns:a="http://schemas.openxmlformats.org/drawingml/2006/main" xmlns:r="http://schemas.openxmlformats.org/officeDocument/2006/relationships" xmlns:p="http://schemas.openxmlformats.org/presentationml/2006/main">
   <p:cSld>
     <p:spTree>
@@ -13561,7 +12685,7 @@
 </p:sld>
 </file>
 
-<file path=ppt/slides/slide7.xml><?xml version="1.0" encoding="utf-8"?>
+<file path=ppt/slides/slide6.xml><?xml version="1.0" encoding="utf-8"?>
 <p:sld xmlns:a="http://schemas.openxmlformats.org/drawingml/2006/main" xmlns:r="http://schemas.openxmlformats.org/officeDocument/2006/relationships" xmlns:p="http://schemas.openxmlformats.org/presentationml/2006/main">
   <p:cSld>
     <p:spTree>
@@ -13797,7 +12921,7 @@
 </p:sld>
 </file>
 
-<file path=ppt/slides/slide8.xml><?xml version="1.0" encoding="utf-8"?>
+<file path=ppt/slides/slide7.xml><?xml version="1.0" encoding="utf-8"?>
 <p:sld xmlns:a="http://schemas.openxmlformats.org/drawingml/2006/main" xmlns:r="http://schemas.openxmlformats.org/officeDocument/2006/relationships" xmlns:p="http://schemas.openxmlformats.org/presentationml/2006/main">
   <p:cSld>
     <p:spTree>
@@ -14029,7 +13153,7 @@
 </p:sld>
 </file>
 
-<file path=ppt/slides/slide9.xml><?xml version="1.0" encoding="utf-8"?>
+<file path=ppt/slides/slide8.xml><?xml version="1.0" encoding="utf-8"?>
 <p:sld xmlns:a="http://schemas.openxmlformats.org/drawingml/2006/main" xmlns:r="http://schemas.openxmlformats.org/officeDocument/2006/relationships" xmlns:p="http://schemas.openxmlformats.org/presentationml/2006/main">
   <p:cSld>
     <p:spTree>
@@ -14211,6 +13335,202 @@
           <a:xfrm>
             <a:off x="746575" y="6174305"/>
             <a:ext cx="1809750" cy="238125"/>
+          </a:xfrm>
+          <a:prstGeom prst="rect">
+            <a:avLst/>
+          </a:prstGeom>
+        </p:spPr>
+      </p:pic>
+    </p:spTree>
+    <p:extLst>
+      <p:ext uri="{BB962C8B-B14F-4D97-AF65-F5344CB8AC3E}">
+        <p14:creationId xmlns:p14="http://schemas.microsoft.com/office/powerpoint/2010/main" val="3682128107"/>
+      </p:ext>
+    </p:extLst>
+  </p:cSld>
+  <p:clrMapOvr>
+    <a:masterClrMapping/>
+  </p:clrMapOvr>
+  <p:timing>
+    <p:tnLst>
+      <p:par>
+        <p:cTn id="1" dur="indefinite" restart="never" nodeType="tmRoot"/>
+      </p:par>
+    </p:tnLst>
+  </p:timing>
+</p:sld>
+</file>
+
+<file path=ppt/slides/slide9.xml><?xml version="1.0" encoding="utf-8"?>
+<p:sld xmlns:a="http://schemas.openxmlformats.org/drawingml/2006/main" xmlns:r="http://schemas.openxmlformats.org/officeDocument/2006/relationships" xmlns:p="http://schemas.openxmlformats.org/presentationml/2006/main">
+  <p:cSld>
+    <p:spTree>
+      <p:nvGrpSpPr>
+        <p:cNvPr id="1" name=""/>
+        <p:cNvGrpSpPr/>
+        <p:nvPr/>
+      </p:nvGrpSpPr>
+      <p:grpSpPr>
+        <a:xfrm>
+          <a:off x="0" y="0"/>
+          <a:ext cx="0" cy="0"/>
+          <a:chOff x="0" y="0"/>
+          <a:chExt cx="0" cy="0"/>
+        </a:xfrm>
+      </p:grpSpPr>
+      <p:sp>
+        <p:nvSpPr>
+          <p:cNvPr id="6" name="제목 5"/>
+          <p:cNvSpPr>
+            <a:spLocks noGrp="1"/>
+          </p:cNvSpPr>
+          <p:nvPr>
+            <p:ph type="title"/>
+          </p:nvPr>
+        </p:nvSpPr>
+        <p:spPr/>
+        <p:txBody>
+          <a:bodyPr/>
+          <a:lstStyle/>
+          <a:p>
+            <a:r>
+              <a:rPr lang="en-US" altLang="ko-KR" spc="-150" dirty="0"/>
+              <a:t>Section</a:t>
+            </a:r>
+            <a:r>
+              <a:rPr lang="en-US" altLang="ko-KR" dirty="0"/>
+              <a:t> </a:t>
+            </a:r>
+            <a:r>
+              <a:rPr lang="en-US" altLang="ko-KR" dirty="0" smtClean="0"/>
+              <a:t>03 </a:t>
+            </a:r>
+            <a:r>
+              <a:rPr lang="ko-KR" altLang="en-US" dirty="0" smtClean="0"/>
+              <a:t>모델 클래스</a:t>
+            </a:r>
+            <a:r>
+              <a:rPr lang="en-US" altLang="ko-KR" dirty="0" smtClean="0"/>
+              <a:t>(1)</a:t>
+            </a:r>
+            <a:endParaRPr lang="ko-KR" altLang="en-US" dirty="0"/>
+          </a:p>
+        </p:txBody>
+      </p:sp>
+      <p:sp>
+        <p:nvSpPr>
+          <p:cNvPr id="7" name="내용 개체 틀 6"/>
+          <p:cNvSpPr>
+            <a:spLocks noGrp="1"/>
+          </p:cNvSpPr>
+          <p:nvPr>
+            <p:ph sz="quarter" idx="10"/>
+          </p:nvPr>
+        </p:nvSpPr>
+        <p:spPr/>
+        <p:txBody>
+          <a:bodyPr>
+            <a:normAutofit/>
+          </a:bodyPr>
+          <a:lstStyle/>
+          <a:p>
+            <a:pPr lvl="1"/>
+            <a:r>
+              <a:rPr lang="ko-KR" altLang="en-US" dirty="0" smtClean="0"/>
+              <a:t>도서를 나타내는 </a:t>
+            </a:r>
+            <a:r>
+              <a:rPr lang="en-US" altLang="ko-KR" dirty="0" smtClean="0"/>
+              <a:t>Book </a:t>
+            </a:r>
+            <a:r>
+              <a:rPr lang="ko-KR" altLang="en-US" dirty="0" smtClean="0"/>
+              <a:t>클래스 구성</a:t>
+            </a:r>
+            <a:endParaRPr lang="en-US" altLang="ko-KR" dirty="0" smtClean="0"/>
+          </a:p>
+          <a:p>
+            <a:pPr lvl="1"/>
+            <a:endParaRPr lang="en-US" altLang="ko-KR" dirty="0" smtClean="0"/>
+          </a:p>
+          <a:p>
+            <a:pPr lvl="1"/>
+            <a:endParaRPr lang="en-US" altLang="ko-KR" dirty="0" smtClean="0"/>
+          </a:p>
+          <a:p>
+            <a:pPr lvl="1"/>
+            <a:endParaRPr lang="en-US" altLang="ko-KR" dirty="0" smtClean="0"/>
+          </a:p>
+          <a:p>
+            <a:pPr lvl="1"/>
+            <a:endParaRPr lang="en-US" altLang="ko-KR" dirty="0" smtClean="0"/>
+          </a:p>
+          <a:p>
+            <a:pPr lvl="1"/>
+            <a:endParaRPr lang="en-US" altLang="ko-KR" dirty="0" smtClean="0"/>
+          </a:p>
+          <a:p>
+            <a:pPr lvl="1"/>
+            <a:endParaRPr lang="en-US" altLang="ko-KR" b="1" dirty="0" smtClean="0">
+              <a:solidFill>
+                <a:srgbClr val="0070C0"/>
+              </a:solidFill>
+            </a:endParaRPr>
+          </a:p>
+          <a:p>
+            <a:pPr lvl="1"/>
+            <a:endParaRPr lang="en-US" altLang="ko-KR" b="1" dirty="0" smtClean="0">
+              <a:solidFill>
+                <a:srgbClr val="0070C0"/>
+              </a:solidFill>
+            </a:endParaRPr>
+          </a:p>
+          <a:p>
+            <a:pPr lvl="1">
+              <a:buNone/>
+            </a:pPr>
+            <a:endParaRPr lang="en-US" altLang="ko-KR" b="1" dirty="0" smtClean="0">
+              <a:solidFill>
+                <a:srgbClr val="0070C0"/>
+              </a:solidFill>
+            </a:endParaRPr>
+          </a:p>
+          <a:p>
+            <a:pPr lvl="1"/>
+            <a:endParaRPr lang="en-US" altLang="ko-KR" dirty="0"/>
+          </a:p>
+          <a:p>
+            <a:pPr lvl="1"/>
+            <a:endParaRPr lang="en-US" altLang="ko-KR" dirty="0" smtClean="0"/>
+          </a:p>
+          <a:p>
+            <a:pPr lvl="1"/>
+            <a:endParaRPr lang="en-US" altLang="ko-KR" dirty="0" smtClean="0"/>
+          </a:p>
+          <a:p>
+            <a:pPr lvl="1"/>
+            <a:endParaRPr lang="en-US" altLang="ko-KR" dirty="0" smtClean="0"/>
+          </a:p>
+        </p:txBody>
+      </p:sp>
+      <p:pic>
+        <p:nvPicPr>
+          <p:cNvPr id="10" name="그림 9" descr="13-1.JPG"/>
+          <p:cNvPicPr>
+            <a:picLocks noChangeAspect="1"/>
+          </p:cNvPicPr>
+          <p:nvPr/>
+        </p:nvPicPr>
+        <p:blipFill>
+          <a:blip r:embed="rId2" cstate="print"/>
+          <a:stretch>
+            <a:fillRect/>
+          </a:stretch>
+        </p:blipFill>
+        <p:spPr>
+          <a:xfrm>
+            <a:off x="746575" y="1178750"/>
+            <a:ext cx="6670082" cy="5506972"/>
           </a:xfrm>
           <a:prstGeom prst="rect">
             <a:avLst/>
